--- a/poster/Parallel Programming Poster.pptx
+++ b/poster/Parallel Programming Poster.pptx
@@ -173,7 +173,7 @@
             </a:lvl1pPr>
           </a:lstStyle>
           <a:p>
-            <a:endParaRPr lang="en-US"/>
+            <a:endParaRPr lang="en-US" dirty="0"/>
           </a:p>
         </p:txBody>
       </p:sp>
@@ -209,7 +209,7 @@
               <a:pPr/>
               <a:t>4/20/2013</a:t>
             </a:fld>
-            <a:endParaRPr lang="en-US"/>
+            <a:endParaRPr lang="en-US" dirty="0"/>
           </a:p>
         </p:txBody>
       </p:sp>
@@ -240,7 +240,7 @@
             </a:lvl1pPr>
           </a:lstStyle>
           <a:p>
-            <a:endParaRPr lang="en-US"/>
+            <a:endParaRPr lang="en-US" dirty="0"/>
           </a:p>
         </p:txBody>
       </p:sp>
@@ -276,7 +276,7 @@
               <a:pPr/>
               <a:t>‹#›</a:t>
             </a:fld>
-            <a:endParaRPr lang="en-US"/>
+            <a:endParaRPr lang="en-US" dirty="0"/>
           </a:p>
         </p:txBody>
       </p:sp>
@@ -691,7 +691,7 @@
           </a:bodyPr>
           <a:lstStyle/>
           <a:p>
-            <a:endParaRPr lang="en-US"/>
+            <a:endParaRPr lang="en-US" dirty="0"/>
           </a:p>
         </p:txBody>
       </p:sp>
@@ -10040,53 +10040,44 @@
               <a:rPr lang="en-US" sz="3200" dirty="0" smtClean="0">
                 <a:latin typeface="Trebuchet MS" pitchFamily="34" charset="0"/>
               </a:rPr>
-              <a:t>a 36x48 inch professional  poster</a:t>
-            </a:r>
-            <a:r>
-              <a:rPr lang="en-US" sz="3200" smtClean="0">
-                <a:latin typeface="Trebuchet MS" pitchFamily="34" charset="0"/>
-              </a:rPr>
-              <a:t>. You</a:t>
-            </a:r>
-            <a:r>
-              <a:rPr lang="en-US" sz="3200" baseline="0" smtClean="0">
+              <a:t>a 36x48 inch professional  poster. You</a:t>
+            </a:r>
+            <a:r>
+              <a:rPr lang="en-US" sz="3200" baseline="0" dirty="0" smtClean="0">
                 <a:latin typeface="Trebuchet MS" pitchFamily="34" charset="0"/>
               </a:rPr>
               <a:t> can u</a:t>
             </a:r>
             <a:r>
-              <a:rPr lang="en-US" sz="3200" smtClean="0">
+              <a:rPr lang="en-US" sz="3200" dirty="0" smtClean="0">
                 <a:latin typeface="Trebuchet MS" pitchFamily="34" charset="0"/>
               </a:rPr>
               <a:t>se</a:t>
             </a:r>
             <a:r>
-              <a:rPr lang="en-US" sz="3200" baseline="0" smtClean="0">
+              <a:rPr lang="en-US" sz="3200" baseline="0" dirty="0" smtClean="0">
                 <a:latin typeface="Trebuchet MS" pitchFamily="34" charset="0"/>
               </a:rPr>
               <a:t> it to create your research poster and </a:t>
             </a:r>
             <a:r>
-              <a:rPr lang="en-US" sz="3200" smtClean="0">
+              <a:rPr lang="en-US" sz="3200" dirty="0" smtClean="0">
                 <a:latin typeface="Trebuchet MS" pitchFamily="34" charset="0"/>
               </a:rPr>
               <a:t>save valuable time placing titles, subtitles,</a:t>
             </a:r>
             <a:r>
-              <a:rPr lang="en-US" sz="3200" baseline="0" smtClean="0">
+              <a:rPr lang="en-US" sz="3200" baseline="0" dirty="0" smtClean="0">
                 <a:latin typeface="Trebuchet MS" pitchFamily="34" charset="0"/>
               </a:rPr>
               <a:t> text, and graphics</a:t>
             </a:r>
             <a:r>
-              <a:rPr lang="en-US" sz="3200" smtClean="0">
+              <a:rPr lang="en-US" sz="3200" dirty="0" smtClean="0">
                 <a:latin typeface="Trebuchet MS" pitchFamily="34" charset="0"/>
               </a:rPr>
               <a:t>. </a:t>
             </a:r>
-            <a:endParaRPr lang="en-US" sz="3200" dirty="0" smtClean="0">
-              <a:latin typeface="Trebuchet MS" pitchFamily="34" charset="0"/>
-            </a:endParaRPr>
           </a:p>
           <a:p>
             <a:pPr defTabSz="4389219"/>
@@ -10925,7 +10916,7 @@
             <a:lstStyle/>
             <a:p>
               <a:pPr algn="ctr"/>
-              <a:endParaRPr lang="en-US"/>
+              <a:endParaRPr lang="en-US" dirty="0"/>
             </a:p>
           </p:txBody>
         </p:sp>
@@ -10995,25 +10986,7 @@
                   </a:solidFill>
                   <a:latin typeface="Trebuchet MS" pitchFamily="34" charset="0"/>
                 </a:rPr>
-                <a:t> discounts are available on our </a:t>
-              </a:r>
-              <a:r>
-                <a:rPr lang="en-US" sz="2600" baseline="0" dirty="0" err="1" smtClean="0">
-                  <a:solidFill>
-                    <a:schemeClr val="tx2"/>
-                  </a:solidFill>
-                  <a:latin typeface="Trebuchet MS" pitchFamily="34" charset="0"/>
-                </a:rPr>
-                <a:t>Facebook</a:t>
-              </a:r>
-              <a:r>
-                <a:rPr lang="en-US" sz="2600" baseline="0" dirty="0" smtClean="0">
-                  <a:solidFill>
-                    <a:schemeClr val="tx2"/>
-                  </a:solidFill>
-                  <a:latin typeface="Trebuchet MS" pitchFamily="34" charset="0"/>
-                </a:rPr>
-                <a:t> page.</a:t>
+                <a:t> discounts are available on our Facebook page.</a:t>
               </a:r>
               <a:br>
                 <a:rPr lang="en-US" sz="2600" baseline="0" dirty="0" smtClean="0">
@@ -11157,7 +11130,7 @@
           <a:lstStyle/>
           <a:p>
             <a:pPr algn="ctr"/>
-            <a:endParaRPr lang="en-US"/>
+            <a:endParaRPr lang="en-US" dirty="0"/>
           </a:p>
         </p:txBody>
       </p:sp>
@@ -11221,7 +11194,7 @@
           <a:lstStyle/>
           <a:p>
             <a:pPr algn="ctr"/>
-            <a:endParaRPr lang="en-US"/>
+            <a:endParaRPr lang="en-US" dirty="0"/>
           </a:p>
         </p:txBody>
       </p:sp>
@@ -11285,7 +11258,7 @@
           <a:lstStyle/>
           <a:p>
             <a:pPr algn="ctr"/>
-            <a:endParaRPr lang="en-US"/>
+            <a:endParaRPr lang="en-US" dirty="0"/>
           </a:p>
         </p:txBody>
       </p:sp>
@@ -11349,7 +11322,7 @@
           <a:lstStyle/>
           <a:p>
             <a:pPr algn="ctr"/>
-            <a:endParaRPr lang="en-US"/>
+            <a:endParaRPr lang="en-US" dirty="0"/>
           </a:p>
         </p:txBody>
       </p:sp>
@@ -12747,7 +12720,7 @@
           <a:lstStyle/>
           <a:p>
             <a:pPr algn="ctr"/>
-            <a:endParaRPr lang="en-US"/>
+            <a:endParaRPr lang="en-US" dirty="0"/>
           </a:p>
         </p:txBody>
       </p:sp>
@@ -12814,7 +12787,7 @@
           <a:lstStyle/>
           <a:p>
             <a:pPr algn="ctr"/>
-            <a:endParaRPr lang="en-US"/>
+            <a:endParaRPr lang="en-US" dirty="0"/>
           </a:p>
         </p:txBody>
       </p:sp>
@@ -12881,7 +12854,7 @@
           <a:lstStyle/>
           <a:p>
             <a:pPr algn="ctr"/>
-            <a:endParaRPr lang="en-US"/>
+            <a:endParaRPr lang="en-US" dirty="0"/>
           </a:p>
         </p:txBody>
       </p:sp>
@@ -13003,53 +12976,44 @@
               <a:rPr lang="en-US" sz="3200" dirty="0" smtClean="0">
                 <a:latin typeface="Trebuchet MS" pitchFamily="34" charset="0"/>
               </a:rPr>
-              <a:t>a 36x48 inch professional  poster</a:t>
-            </a:r>
-            <a:r>
-              <a:rPr lang="en-US" sz="3200" smtClean="0">
-                <a:latin typeface="Trebuchet MS" pitchFamily="34" charset="0"/>
-              </a:rPr>
-              <a:t>. You</a:t>
-            </a:r>
-            <a:r>
-              <a:rPr lang="en-US" sz="3200" baseline="0" smtClean="0">
+              <a:t>a 36x48 inch professional  poster. You</a:t>
+            </a:r>
+            <a:r>
+              <a:rPr lang="en-US" sz="3200" baseline="0" dirty="0" smtClean="0">
                 <a:latin typeface="Trebuchet MS" pitchFamily="34" charset="0"/>
               </a:rPr>
               <a:t> can u</a:t>
             </a:r>
             <a:r>
-              <a:rPr lang="en-US" sz="3200" smtClean="0">
+              <a:rPr lang="en-US" sz="3200" dirty="0" smtClean="0">
                 <a:latin typeface="Trebuchet MS" pitchFamily="34" charset="0"/>
               </a:rPr>
               <a:t>se</a:t>
             </a:r>
             <a:r>
-              <a:rPr lang="en-US" sz="3200" baseline="0" smtClean="0">
+              <a:rPr lang="en-US" sz="3200" baseline="0" dirty="0" smtClean="0">
                 <a:latin typeface="Trebuchet MS" pitchFamily="34" charset="0"/>
               </a:rPr>
               <a:t> it to create your research poster and </a:t>
             </a:r>
             <a:r>
-              <a:rPr lang="en-US" sz="3200" smtClean="0">
+              <a:rPr lang="en-US" sz="3200" dirty="0" smtClean="0">
                 <a:latin typeface="Trebuchet MS" pitchFamily="34" charset="0"/>
               </a:rPr>
               <a:t>save valuable time placing titles, subtitles,</a:t>
             </a:r>
             <a:r>
-              <a:rPr lang="en-US" sz="3200" baseline="0" smtClean="0">
+              <a:rPr lang="en-US" sz="3200" baseline="0" dirty="0" smtClean="0">
                 <a:latin typeface="Trebuchet MS" pitchFamily="34" charset="0"/>
               </a:rPr>
               <a:t> text, and graphics</a:t>
             </a:r>
             <a:r>
-              <a:rPr lang="en-US" sz="3200" smtClean="0">
+              <a:rPr lang="en-US" sz="3200" dirty="0" smtClean="0">
                 <a:latin typeface="Trebuchet MS" pitchFamily="34" charset="0"/>
               </a:rPr>
               <a:t>. </a:t>
             </a:r>
-            <a:endParaRPr lang="en-US" sz="3200" dirty="0" smtClean="0">
-              <a:latin typeface="Trebuchet MS" pitchFamily="34" charset="0"/>
-            </a:endParaRPr>
           </a:p>
           <a:p>
             <a:pPr defTabSz="4389219"/>
@@ -13692,7 +13656,7 @@
             <a:lstStyle/>
             <a:p>
               <a:pPr algn="ctr"/>
-              <a:endParaRPr lang="en-US"/>
+              <a:endParaRPr lang="en-US" dirty="0"/>
             </a:p>
           </p:txBody>
         </p:sp>
@@ -13762,25 +13726,7 @@
                   </a:solidFill>
                   <a:latin typeface="Trebuchet MS" pitchFamily="34" charset="0"/>
                 </a:rPr>
-                <a:t> discounts are available on our </a:t>
-              </a:r>
-              <a:r>
-                <a:rPr lang="en-US" sz="2600" baseline="0" dirty="0" err="1" smtClean="0">
-                  <a:solidFill>
-                    <a:schemeClr val="tx2"/>
-                  </a:solidFill>
-                  <a:latin typeface="Trebuchet MS" pitchFamily="34" charset="0"/>
-                </a:rPr>
-                <a:t>Facebook</a:t>
-              </a:r>
-              <a:r>
-                <a:rPr lang="en-US" sz="2600" baseline="0" dirty="0" smtClean="0">
-                  <a:solidFill>
-                    <a:schemeClr val="tx2"/>
-                  </a:solidFill>
-                  <a:latin typeface="Trebuchet MS" pitchFamily="34" charset="0"/>
-                </a:rPr>
-                <a:t> page.</a:t>
+                <a:t> discounts are available on our Facebook page.</a:t>
               </a:r>
               <a:br>
                 <a:rPr lang="en-US" sz="2600" baseline="0" dirty="0" smtClean="0">
@@ -15221,7 +15167,7 @@
           <a:lstStyle/>
           <a:p>
             <a:pPr algn="ctr"/>
-            <a:endParaRPr lang="en-US"/>
+            <a:endParaRPr lang="en-US" dirty="0"/>
           </a:p>
         </p:txBody>
       </p:sp>
@@ -15288,7 +15234,7 @@
           <a:lstStyle/>
           <a:p>
             <a:pPr algn="ctr"/>
-            <a:endParaRPr lang="en-US"/>
+            <a:endParaRPr lang="en-US" dirty="0"/>
           </a:p>
         </p:txBody>
       </p:sp>
@@ -15355,7 +15301,7 @@
           <a:lstStyle/>
           <a:p>
             <a:pPr algn="ctr"/>
-            <a:endParaRPr lang="en-US"/>
+            <a:endParaRPr lang="en-US" dirty="0"/>
           </a:p>
         </p:txBody>
       </p:sp>
@@ -15477,53 +15423,44 @@
               <a:rPr lang="en-US" sz="3200" dirty="0" smtClean="0">
                 <a:latin typeface="Trebuchet MS" pitchFamily="34" charset="0"/>
               </a:rPr>
-              <a:t>a 36x48 inch professional  poster</a:t>
-            </a:r>
-            <a:r>
-              <a:rPr lang="en-US" sz="3200" smtClean="0">
-                <a:latin typeface="Trebuchet MS" pitchFamily="34" charset="0"/>
-              </a:rPr>
-              <a:t>. You</a:t>
-            </a:r>
-            <a:r>
-              <a:rPr lang="en-US" sz="3200" baseline="0" smtClean="0">
+              <a:t>a 36x48 inch professional  poster. You</a:t>
+            </a:r>
+            <a:r>
+              <a:rPr lang="en-US" sz="3200" baseline="0" dirty="0" smtClean="0">
                 <a:latin typeface="Trebuchet MS" pitchFamily="34" charset="0"/>
               </a:rPr>
               <a:t> can u</a:t>
             </a:r>
             <a:r>
-              <a:rPr lang="en-US" sz="3200" smtClean="0">
+              <a:rPr lang="en-US" sz="3200" dirty="0" smtClean="0">
                 <a:latin typeface="Trebuchet MS" pitchFamily="34" charset="0"/>
               </a:rPr>
               <a:t>se</a:t>
             </a:r>
             <a:r>
-              <a:rPr lang="en-US" sz="3200" baseline="0" smtClean="0">
+              <a:rPr lang="en-US" sz="3200" baseline="0" dirty="0" smtClean="0">
                 <a:latin typeface="Trebuchet MS" pitchFamily="34" charset="0"/>
               </a:rPr>
               <a:t> it to create your research poster and </a:t>
             </a:r>
             <a:r>
-              <a:rPr lang="en-US" sz="3200" smtClean="0">
+              <a:rPr lang="en-US" sz="3200" dirty="0" smtClean="0">
                 <a:latin typeface="Trebuchet MS" pitchFamily="34" charset="0"/>
               </a:rPr>
               <a:t>save valuable time placing titles, subtitles,</a:t>
             </a:r>
             <a:r>
-              <a:rPr lang="en-US" sz="3200" baseline="0" smtClean="0">
+              <a:rPr lang="en-US" sz="3200" baseline="0" dirty="0" smtClean="0">
                 <a:latin typeface="Trebuchet MS" pitchFamily="34" charset="0"/>
               </a:rPr>
               <a:t> text, and graphics</a:t>
             </a:r>
             <a:r>
-              <a:rPr lang="en-US" sz="3200" smtClean="0">
+              <a:rPr lang="en-US" sz="3200" dirty="0" smtClean="0">
                 <a:latin typeface="Trebuchet MS" pitchFamily="34" charset="0"/>
               </a:rPr>
               <a:t>. </a:t>
             </a:r>
-            <a:endParaRPr lang="en-US" sz="3200" dirty="0" smtClean="0">
-              <a:latin typeface="Trebuchet MS" pitchFamily="34" charset="0"/>
-            </a:endParaRPr>
           </a:p>
           <a:p>
             <a:pPr defTabSz="4389219"/>
@@ -16166,7 +16103,7 @@
             <a:lstStyle/>
             <a:p>
               <a:pPr algn="ctr"/>
-              <a:endParaRPr lang="en-US"/>
+              <a:endParaRPr lang="en-US" dirty="0"/>
             </a:p>
           </p:txBody>
         </p:sp>
@@ -16236,25 +16173,7 @@
                   </a:solidFill>
                   <a:latin typeface="Trebuchet MS" pitchFamily="34" charset="0"/>
                 </a:rPr>
-                <a:t> discounts are available on our </a:t>
-              </a:r>
-              <a:r>
-                <a:rPr lang="en-US" sz="2600" baseline="0" dirty="0" err="1" smtClean="0">
-                  <a:solidFill>
-                    <a:schemeClr val="tx2"/>
-                  </a:solidFill>
-                  <a:latin typeface="Trebuchet MS" pitchFamily="34" charset="0"/>
-                </a:rPr>
-                <a:t>Facebook</a:t>
-              </a:r>
-              <a:r>
-                <a:rPr lang="en-US" sz="2600" baseline="0" dirty="0" smtClean="0">
-                  <a:solidFill>
-                    <a:schemeClr val="tx2"/>
-                  </a:solidFill>
-                  <a:latin typeface="Trebuchet MS" pitchFamily="34" charset="0"/>
-                </a:rPr>
-                <a:t> page.</a:t>
+                <a:t> discounts are available on our Facebook page.</a:t>
               </a:r>
               <a:br>
                 <a:rPr lang="en-US" sz="2600" baseline="0" dirty="0" smtClean="0">
@@ -17429,7 +17348,7 @@
         <p:spPr>
           <a:xfrm>
             <a:off x="904186" y="6295353"/>
-            <a:ext cx="13591277" cy="5878510"/>
+            <a:ext cx="13591277" cy="7109616"/>
           </a:xfrm>
         </p:spPr>
         <p:txBody>
@@ -17438,58 +17357,54 @@
           <a:p>
             <a:pPr algn="just"/>
             <a:r>
-              <a:rPr lang="en-US" sz="3200" dirty="0" smtClean="0"/>
+              <a:rPr lang="en-US" sz="3600" dirty="0" smtClean="0"/>
               <a:t>Parallel programming is </a:t>
             </a:r>
             <a:r>
-              <a:rPr lang="en-US" sz="3200" dirty="0"/>
+              <a:rPr lang="en-US" sz="3600" dirty="0"/>
               <a:t>a form of computation in which </a:t>
             </a:r>
             <a:r>
-              <a:rPr lang="en-US" sz="3200" dirty="0" smtClean="0"/>
+              <a:rPr lang="en-US" sz="3600" dirty="0" smtClean="0"/>
               <a:t>multiple </a:t>
             </a:r>
             <a:r>
-              <a:rPr lang="en-US" sz="3200" dirty="0"/>
+              <a:rPr lang="en-US" sz="3600" dirty="0"/>
               <a:t>calculations are carried out simultaneously</a:t>
             </a:r>
             <a:r>
-              <a:rPr lang="en-US" sz="3200" dirty="0" smtClean="0"/>
+              <a:rPr lang="en-US" sz="3600" dirty="0" smtClean="0"/>
               <a:t>, </a:t>
             </a:r>
             <a:r>
-              <a:rPr lang="en-US" sz="3200" dirty="0"/>
+              <a:rPr lang="en-US" sz="3600" dirty="0"/>
               <a:t>operating on the principle that large problems can often be divided into smaller ones, which are then solved </a:t>
             </a:r>
             <a:r>
-              <a:rPr lang="en-US" sz="3200" dirty="0" smtClean="0"/>
+              <a:rPr lang="en-US" sz="3600" dirty="0" smtClean="0"/>
               <a:t>concurrently</a:t>
             </a:r>
             <a:r>
-              <a:rPr lang="en-US" sz="3200" dirty="0" smtClean="0"/>
+              <a:rPr lang="en-US" sz="3600" dirty="0" smtClean="0"/>
               <a:t>. This allows programs to </a:t>
             </a:r>
             <a:r>
-              <a:rPr lang="en-US" sz="3200" dirty="0" smtClean="0"/>
+              <a:rPr lang="en-US" sz="3600" dirty="0" smtClean="0"/>
               <a:t>operate faster. Parallel programming without state isn’t that difficult. When you add state to the equation though, it begins to get more challenging. This begins to cause the program to become nondeterministic depending on the order of the parallel computations. </a:t>
             </a:r>
             <a:r>
-              <a:rPr lang="en-US" sz="3200" dirty="0" smtClean="0"/>
+              <a:rPr lang="en-US" sz="3600" dirty="0" smtClean="0"/>
               <a:t>A </a:t>
             </a:r>
             <a:r>
-              <a:rPr lang="en-US" sz="3200" dirty="0"/>
+              <a:rPr lang="en-US" sz="3600" dirty="0"/>
               <a:t>n</a:t>
             </a:r>
             <a:r>
-              <a:rPr lang="en-US" sz="3200" dirty="0" smtClean="0"/>
-              <a:t>ondeterministic program could have different solutions dependent on the  order which statements are called. Our goal is to create a language that will allow a program to run various operations in parallel while still remaining deterministic.</a:t>
-            </a:r>
-            <a:r>
-              <a:rPr lang="en-US" dirty="0" smtClean="0"/>
-              <a:t> </a:t>
-            </a:r>
-            <a:endParaRPr lang="en-US" dirty="0"/>
+              <a:rPr lang="en-US" sz="3600" dirty="0" smtClean="0"/>
+              <a:t>ondeterministic program could have different solutions dependent on the  order which statements are called. Our goal is to create a language that will allow a program to run various operations in parallel while still remaining deterministic. </a:t>
+            </a:r>
+            <a:endParaRPr lang="en-US" sz="3600" dirty="0"/>
           </a:p>
         </p:txBody>
       </p:sp>
@@ -17505,8 +17420,8 @@
         </p:nvSpPr>
         <p:spPr>
           <a:xfrm>
-            <a:off x="922338" y="5347357"/>
-            <a:ext cx="13573126" cy="923322"/>
+            <a:off x="922337" y="5347357"/>
+            <a:ext cx="13573126" cy="838683"/>
           </a:xfrm>
           <a:solidFill>
             <a:schemeClr val="tx2">
@@ -17539,8 +17454,8 @@
         </p:nvSpPr>
         <p:spPr>
           <a:xfrm>
-            <a:off x="15181169" y="6295353"/>
-            <a:ext cx="13592864" cy="15924337"/>
+            <a:off x="15450748" y="18884375"/>
+            <a:ext cx="12972724" cy="14012470"/>
           </a:xfrm>
         </p:spPr>
         <p:txBody>
@@ -17548,105 +17463,105 @@
           <a:lstStyle/>
           <a:p>
             <a:r>
-              <a:rPr lang="en-US" sz="3200" dirty="0"/>
+              <a:rPr lang="en-US" sz="2800" dirty="0"/>
               <a:t>let par a = ...</a:t>
             </a:r>
             <a:br>
-              <a:rPr lang="en-US" sz="3200" dirty="0"/>
+              <a:rPr lang="en-US" sz="2800" dirty="0"/>
             </a:br>
             <a:r>
-              <a:rPr lang="en-US" sz="3200" dirty="0"/>
+              <a:rPr lang="en-US" sz="2800" dirty="0"/>
               <a:t>            let par x = ...</a:t>
             </a:r>
             <a:br>
-              <a:rPr lang="en-US" sz="3200" dirty="0"/>
+              <a:rPr lang="en-US" sz="2800" dirty="0"/>
             </a:br>
             <a:r>
-              <a:rPr lang="en-US" sz="3200" dirty="0"/>
+              <a:rPr lang="en-US" sz="2800" dirty="0"/>
               <a:t>                    y = ...</a:t>
             </a:r>
             <a:br>
-              <a:rPr lang="en-US" sz="3200" dirty="0"/>
+              <a:rPr lang="en-US" sz="2800" dirty="0"/>
             </a:br>
             <a:r>
-              <a:rPr lang="en-US" sz="3200" dirty="0"/>
+              <a:rPr lang="en-US" sz="2800" dirty="0"/>
               <a:t>             in ...</a:t>
             </a:r>
             <a:br>
-              <a:rPr lang="en-US" sz="3200" dirty="0"/>
+              <a:rPr lang="en-US" sz="2800" dirty="0"/>
             </a:br>
             <a:r>
-              <a:rPr lang="en-US" sz="3200" dirty="0"/>
+              <a:rPr lang="en-US" sz="2800" dirty="0"/>
               <a:t>        b = ...</a:t>
             </a:r>
             <a:br>
-              <a:rPr lang="en-US" sz="3200" dirty="0"/>
+              <a:rPr lang="en-US" sz="2800" dirty="0"/>
             </a:br>
             <a:r>
-              <a:rPr lang="en-US" sz="3200" dirty="0"/>
+              <a:rPr lang="en-US" sz="2800" dirty="0"/>
               <a:t> in </a:t>
             </a:r>
             <a:r>
-              <a:rPr lang="en-US" sz="3200" dirty="0" smtClean="0"/>
+              <a:rPr lang="en-US" sz="2800" dirty="0" smtClean="0"/>
               <a:t>...</a:t>
             </a:r>
           </a:p>
           <a:p>
-            <a:endParaRPr lang="en-US" sz="3200" dirty="0"/>
-          </a:p>
-          <a:p>
-            <a:endParaRPr lang="en-US" sz="3200" dirty="0" smtClean="0"/>
-          </a:p>
-          <a:p>
-            <a:endParaRPr lang="en-US" sz="3200" dirty="0"/>
-          </a:p>
-          <a:p>
-            <a:endParaRPr lang="en-US" sz="3200" dirty="0" smtClean="0"/>
-          </a:p>
-          <a:p>
-            <a:endParaRPr lang="en-US" sz="3200" dirty="0"/>
-          </a:p>
-          <a:p>
-            <a:endParaRPr lang="en-US" sz="3200" dirty="0" smtClean="0"/>
-          </a:p>
-          <a:p>
-            <a:endParaRPr lang="en-US" sz="3200" dirty="0"/>
-          </a:p>
-          <a:p>
-            <a:endParaRPr lang="en-US" sz="3200" dirty="0" smtClean="0"/>
-          </a:p>
-          <a:p>
-            <a:endParaRPr lang="en-US" sz="3200" dirty="0"/>
-          </a:p>
-          <a:p>
-            <a:endParaRPr lang="en-US" sz="3200" dirty="0" smtClean="0"/>
-          </a:p>
-          <a:p>
-            <a:endParaRPr lang="en-US" sz="3200" dirty="0"/>
-          </a:p>
-          <a:p>
-            <a:endParaRPr lang="en-US" sz="3200" dirty="0" smtClean="0"/>
-          </a:p>
-          <a:p>
-            <a:endParaRPr lang="en-US" sz="3200" dirty="0"/>
-          </a:p>
-          <a:p>
-            <a:endParaRPr lang="en-US" sz="3200" dirty="0" smtClean="0"/>
-          </a:p>
-          <a:p>
-            <a:r>
-              <a:rPr lang="en-US" sz="3200" dirty="0"/>
+            <a:endParaRPr lang="en-US" sz="2800" dirty="0"/>
+          </a:p>
+          <a:p>
+            <a:endParaRPr lang="en-US" sz="2800" dirty="0" smtClean="0"/>
+          </a:p>
+          <a:p>
+            <a:endParaRPr lang="en-US" sz="2800" dirty="0"/>
+          </a:p>
+          <a:p>
+            <a:endParaRPr lang="en-US" sz="2800" dirty="0" smtClean="0"/>
+          </a:p>
+          <a:p>
+            <a:endParaRPr lang="en-US" sz="2800" dirty="0"/>
+          </a:p>
+          <a:p>
+            <a:endParaRPr lang="en-US" sz="2800" dirty="0" smtClean="0"/>
+          </a:p>
+          <a:p>
+            <a:endParaRPr lang="en-US" sz="2800" dirty="0"/>
+          </a:p>
+          <a:p>
+            <a:endParaRPr lang="en-US" sz="2800" dirty="0" smtClean="0"/>
+          </a:p>
+          <a:p>
+            <a:endParaRPr lang="en-US" sz="2800" dirty="0"/>
+          </a:p>
+          <a:p>
+            <a:endParaRPr lang="en-US" sz="2800" dirty="0" smtClean="0"/>
+          </a:p>
+          <a:p>
+            <a:endParaRPr lang="en-US" sz="2800" dirty="0"/>
+          </a:p>
+          <a:p>
+            <a:endParaRPr lang="en-US" sz="2800" dirty="0" smtClean="0"/>
+          </a:p>
+          <a:p>
+            <a:endParaRPr lang="en-US" sz="2800" dirty="0"/>
+          </a:p>
+          <a:p>
+            <a:endParaRPr lang="en-US" sz="2800" dirty="0" smtClean="0"/>
+          </a:p>
+          <a:p>
+            <a:r>
+              <a:rPr lang="en-US" sz="2800" dirty="0"/>
               <a:t>let par a = ...</a:t>
             </a:r>
             <a:br>
-              <a:rPr lang="en-US" sz="3200" dirty="0"/>
+              <a:rPr lang="en-US" sz="2800" dirty="0"/>
             </a:br>
             <a:r>
-              <a:rPr lang="en-US" sz="3200" dirty="0"/>
+              <a:rPr lang="en-US" sz="2800" dirty="0"/>
               <a:t>            let par x = ... </a:t>
             </a:r>
             <a:r>
-              <a:rPr lang="en-US" sz="3200" b="1" dirty="0">
+              <a:rPr lang="en-US" sz="2800" b="1" dirty="0">
                 <a:solidFill>
                   <a:srgbClr val="FF0000"/>
                 </a:solidFill>
@@ -17654,32 +17569,32 @@
               <a:t>Put(l)</a:t>
             </a:r>
             <a:r>
-              <a:rPr lang="en-US" sz="3200" dirty="0"/>
+              <a:rPr lang="en-US" sz="2800" dirty="0"/>
               <a:t> ...</a:t>
             </a:r>
             <a:br>
-              <a:rPr lang="en-US" sz="3200" dirty="0"/>
+              <a:rPr lang="en-US" sz="2800" dirty="0"/>
             </a:br>
             <a:r>
-              <a:rPr lang="en-US" sz="3200" dirty="0"/>
+              <a:rPr lang="en-US" sz="2800" dirty="0"/>
               <a:t>                    y = ...</a:t>
             </a:r>
             <a:br>
-              <a:rPr lang="en-US" sz="3200" dirty="0"/>
+              <a:rPr lang="en-US" sz="2800" dirty="0"/>
             </a:br>
             <a:r>
-              <a:rPr lang="en-US" sz="3200" dirty="0"/>
+              <a:rPr lang="en-US" sz="2800" dirty="0"/>
               <a:t>             in ...</a:t>
             </a:r>
             <a:br>
-              <a:rPr lang="en-US" sz="3200" dirty="0"/>
+              <a:rPr lang="en-US" sz="2800" dirty="0"/>
             </a:br>
             <a:r>
-              <a:rPr lang="en-US" sz="3200" dirty="0"/>
+              <a:rPr lang="en-US" sz="2800" dirty="0"/>
               <a:t>        b = ... </a:t>
             </a:r>
             <a:r>
-              <a:rPr lang="en-US" sz="3200" b="1" dirty="0">
+              <a:rPr lang="en-US" sz="2800" b="1" dirty="0">
                 <a:solidFill>
                   <a:srgbClr val="FF0000"/>
                 </a:solidFill>
@@ -17687,22 +17602,22 @@
               <a:t>Get(l)</a:t>
             </a:r>
             <a:r>
-              <a:rPr lang="en-US" sz="3200" dirty="0"/>
+              <a:rPr lang="en-US" sz="2800" dirty="0"/>
               <a:t> ...</a:t>
             </a:r>
             <a:br>
-              <a:rPr lang="en-US" sz="3200" dirty="0"/>
+              <a:rPr lang="en-US" sz="2800" dirty="0"/>
             </a:br>
             <a:r>
-              <a:rPr lang="en-US" sz="3200" dirty="0"/>
+              <a:rPr lang="en-US" sz="2800" dirty="0"/>
               <a:t> in ...</a:t>
             </a:r>
           </a:p>
           <a:p>
-            <a:endParaRPr lang="en-US" sz="3200" dirty="0"/>
-          </a:p>
-          <a:p>
-            <a:endParaRPr lang="en-US" sz="3200" dirty="0"/>
+            <a:endParaRPr lang="en-US" sz="2800" dirty="0"/>
+          </a:p>
+          <a:p>
+            <a:endParaRPr lang="en-US" sz="2800" dirty="0"/>
           </a:p>
         </p:txBody>
       </p:sp>
@@ -17718,8 +17633,8 @@
         </p:nvSpPr>
         <p:spPr>
           <a:xfrm>
-            <a:off x="15200908" y="23194330"/>
-            <a:ext cx="13573125" cy="6106279"/>
+            <a:off x="15200908" y="25187183"/>
+            <a:ext cx="13573125" cy="2120572"/>
           </a:xfrm>
         </p:spPr>
         <p:txBody>
@@ -17734,65 +17649,6 @@
           <a:p>
             <a:endParaRPr lang="en-US" dirty="0" smtClean="0"/>
           </a:p>
-          <a:p>
-            <a:r>
-              <a:rPr lang="en-US" dirty="0"/>
-              <a:t> </a:t>
-            </a:r>
-            <a:r>
-              <a:rPr lang="en-US" dirty="0" smtClean="0"/>
-              <a:t>     various headings..</a:t>
-            </a:r>
-          </a:p>
-          <a:p>
-            <a:r>
-              <a:rPr lang="en-US" dirty="0"/>
-              <a:t>	</a:t>
-            </a:r>
-            <a:r>
-              <a:rPr lang="en-US" dirty="0" smtClean="0"/>
-              <a:t>The problem</a:t>
-            </a:r>
-          </a:p>
-          <a:p>
-            <a:r>
-              <a:rPr lang="en-US" dirty="0"/>
-              <a:t>	</a:t>
-            </a:r>
-            <a:r>
-              <a:rPr lang="en-US" dirty="0" smtClean="0"/>
-              <a:t>Our contribution</a:t>
-            </a:r>
-          </a:p>
-          <a:p>
-            <a:r>
-              <a:rPr lang="en-US" dirty="0" smtClean="0"/>
-              <a:t>                            Materials and methods should talk about </a:t>
-            </a:r>
-            <a:r>
-              <a:rPr lang="en-US" dirty="0" err="1" smtClean="0"/>
-              <a:t>redex</a:t>
-            </a:r>
-            <a:r>
-              <a:rPr lang="en-US" dirty="0" smtClean="0"/>
-              <a:t> </a:t>
-            </a:r>
-            <a:r>
-              <a:rPr lang="en-US" dirty="0" err="1" smtClean="0"/>
-              <a:t>anc</a:t>
-            </a:r>
-            <a:r>
-              <a:rPr lang="en-US" dirty="0" smtClean="0"/>
-              <a:t> racket</a:t>
-            </a:r>
-          </a:p>
-          <a:p>
-            <a:r>
-              <a:rPr lang="en-US" dirty="0" smtClean="0"/>
-              <a:t>Future of Project</a:t>
-            </a:r>
-            <a:endParaRPr lang="en-US" dirty="0"/>
-          </a:p>
         </p:txBody>
       </p:sp>
       <p:sp>
@@ -17807,8 +17663,8 @@
         </p:nvSpPr>
         <p:spPr>
           <a:xfrm>
-            <a:off x="29405269" y="6186040"/>
-            <a:ext cx="13571534" cy="3613275"/>
+            <a:off x="896245" y="14170192"/>
+            <a:ext cx="13571534" cy="9547207"/>
           </a:xfrm>
         </p:spPr>
         <p:txBody>
@@ -17817,41 +17673,42 @@
           <a:p>
             <a:pPr algn="just"/>
             <a:r>
-              <a:rPr lang="en-US" sz="3200" dirty="0" smtClean="0"/>
-              <a:t>Before I began working on this project, there was already an implementation of the counter </a:t>
-            </a:r>
-            <a:r>
-              <a:rPr lang="en-US" sz="3200" dirty="0" err="1" smtClean="0"/>
-              <a:t>lvar</a:t>
-            </a:r>
-            <a:r>
-              <a:rPr lang="en-US" sz="3200" dirty="0" smtClean="0"/>
-              <a:t>, c, that allows the user to put a value in and if you attempted to get a value, it will return true as long as that value doesn’t exceed the max value, the value that was put into the </a:t>
-            </a:r>
-            <a:r>
-              <a:rPr lang="en-US" sz="3200" dirty="0" err="1" smtClean="0"/>
-              <a:t>lvar</a:t>
-            </a:r>
-            <a:r>
-              <a:rPr lang="en-US" sz="3200" dirty="0" smtClean="0"/>
-              <a:t>.</a:t>
-            </a:r>
+              <a:rPr lang="en-US" sz="3600" dirty="0" smtClean="0"/>
+              <a:t>Before I began working on this project, there was already an implementation of the counter lvar, </a:t>
+            </a:r>
+            <a:r>
+              <a:rPr lang="en-US" sz="3600" dirty="0" smtClean="0"/>
+              <a:t>figure 1c. The counter lvar keeps track of the max value that has been entered. If the user were to put in values x and y into the lvar, it would keep track of max( x, y ). If the user were to then use the get function on any value that is less than or equal to max( x, y ), it would return true. If they were to call get with a value greater than max( x, y), it would return false.</a:t>
+            </a:r>
+            <a:endParaRPr lang="en-US" sz="3600" dirty="0" smtClean="0"/>
           </a:p>
           <a:p>
             <a:pPr algn="just"/>
-            <a:endParaRPr lang="en-US" sz="3200" dirty="0"/>
+            <a:endParaRPr lang="en-US" sz="3600" dirty="0" smtClean="0"/>
           </a:p>
           <a:p>
             <a:pPr algn="just"/>
             <a:r>
-              <a:rPr lang="en-US" sz="3200" dirty="0" err="1" smtClean="0"/>
-              <a:t>Lvar</a:t>
-            </a:r>
-            <a:r>
-              <a:rPr lang="en-US" sz="3200" dirty="0" smtClean="0"/>
-              <a:t> B allows for pairs of values. </a:t>
-            </a:r>
-            <a:endParaRPr lang="en-US" sz="3200" dirty="0"/>
+              <a:rPr lang="en-US" sz="3600" dirty="0" smtClean="0"/>
+              <a:t>The pair </a:t>
+            </a:r>
+            <a:r>
+              <a:rPr lang="en-US" sz="3600" dirty="0" smtClean="0"/>
+              <a:t>lvar, figure 1b, </a:t>
+            </a:r>
+            <a:r>
+              <a:rPr lang="en-US" sz="3600" dirty="0" smtClean="0"/>
+              <a:t>allows </a:t>
+            </a:r>
+            <a:r>
+              <a:rPr lang="en-US" sz="3600" dirty="0" smtClean="0"/>
+              <a:t>for pairs of values. </a:t>
+            </a:r>
+            <a:r>
+              <a:rPr lang="en-US" sz="3600" dirty="0" smtClean="0"/>
+              <a:t>This lvar only allows for one value in each index. The order in which the program puts in the values isn’t important. This lvar will also allow for inputting both values in parallel. Once it has both values assigned, if the program would attempt to put another value it, the lvar would reach top which would throw an error. Being able to implement this lvar is on way of solving our problem of keeping a parallel program deterministic. </a:t>
+            </a:r>
+            <a:endParaRPr lang="en-US" sz="3600" dirty="0"/>
           </a:p>
         </p:txBody>
       </p:sp>
@@ -17866,6 +17723,10 @@
           </p:nvPr>
         </p:nvSpPr>
         <p:spPr>
+          <a:xfrm>
+            <a:off x="15154277" y="5383869"/>
+            <a:ext cx="13579475" cy="754045"/>
+          </a:xfrm>
           <a:solidFill>
             <a:schemeClr val="tx2">
               <a:lumMod val="60000"/>
@@ -17880,10 +17741,30 @@
           <a:lstStyle/>
           <a:p>
             <a:r>
-              <a:rPr lang="en-US" sz="4800" dirty="0" smtClean="0"/>
-              <a:t>The Problem</a:t>
-            </a:r>
-            <a:endParaRPr lang="en-US" sz="4800" dirty="0"/>
+              <a:rPr lang="en-US" sz="4800" dirty="0">
+                <a:latin typeface="Times New Roman" pitchFamily="18" charset="0"/>
+                <a:cs typeface="Times New Roman" pitchFamily="18" charset="0"/>
+              </a:rPr>
+              <a:t>Determinism for </a:t>
+            </a:r>
+            <a:r>
+              <a:rPr lang="el-GR" sz="4800" dirty="0">
+                <a:latin typeface="Times New Roman" pitchFamily="18" charset="0"/>
+                <a:cs typeface="Times New Roman" pitchFamily="18" charset="0"/>
+              </a:rPr>
+              <a:t>λ</a:t>
+            </a:r>
+            <a:r>
+              <a:rPr lang="en-US" sz="4800" dirty="0">
+                <a:latin typeface="Times New Roman" pitchFamily="18" charset="0"/>
+                <a:cs typeface="Times New Roman" pitchFamily="18" charset="0"/>
+              </a:rPr>
+              <a:t> LVar</a:t>
+            </a:r>
+            <a:endParaRPr lang="en-US" sz="4800" dirty="0">
+              <a:latin typeface="Times New Roman" pitchFamily="18" charset="0"/>
+              <a:cs typeface="Times New Roman" pitchFamily="18" charset="0"/>
+            </a:endParaRPr>
           </a:p>
         </p:txBody>
       </p:sp>
@@ -17898,6 +17779,10 @@
           </p:nvPr>
         </p:nvSpPr>
         <p:spPr>
+          <a:xfrm>
+            <a:off x="29395741" y="5347357"/>
+            <a:ext cx="13576029" cy="923322"/>
+          </a:xfrm>
           <a:solidFill>
             <a:schemeClr val="tx2">
               <a:lumMod val="60000"/>
@@ -17909,7 +17794,38 @@
           <a:bodyPr/>
           <a:lstStyle/>
           <a:p>
-            <a:endParaRPr lang="en-US"/>
+            <a:r>
+              <a:rPr lang="en-US" sz="4800" dirty="0">
+                <a:latin typeface="Times New Roman" pitchFamily="18" charset="0"/>
+                <a:cs typeface="Times New Roman" pitchFamily="18" charset="0"/>
+              </a:rPr>
+              <a:t>Determinism for </a:t>
+            </a:r>
+            <a:r>
+              <a:rPr lang="el-GR" sz="4800" dirty="0">
+                <a:latin typeface="Times New Roman" pitchFamily="18" charset="0"/>
+                <a:cs typeface="Times New Roman" pitchFamily="18" charset="0"/>
+              </a:rPr>
+              <a:t>λ</a:t>
+            </a:r>
+            <a:r>
+              <a:rPr lang="en-US" sz="4800" dirty="0">
+                <a:latin typeface="Times New Roman" pitchFamily="18" charset="0"/>
+                <a:cs typeface="Times New Roman" pitchFamily="18" charset="0"/>
+              </a:rPr>
+              <a:t> </a:t>
+            </a:r>
+            <a:r>
+              <a:rPr lang="en-US" sz="4800" dirty="0" smtClean="0">
+                <a:latin typeface="Times New Roman" pitchFamily="18" charset="0"/>
+                <a:cs typeface="Times New Roman" pitchFamily="18" charset="0"/>
+              </a:rPr>
+              <a:t>LVar</a:t>
+            </a:r>
+            <a:endParaRPr lang="en-US" sz="4800" dirty="0">
+              <a:latin typeface="Times New Roman" pitchFamily="18" charset="0"/>
+              <a:cs typeface="Times New Roman" pitchFamily="18" charset="0"/>
+            </a:endParaRPr>
           </a:p>
         </p:txBody>
       </p:sp>
@@ -17943,15 +17859,7 @@
             <a:pPr algn="ctr"/>
             <a:r>
               <a:rPr lang="en-US" sz="3200" dirty="0" smtClean="0"/>
-              <a:t>Lindsey </a:t>
-            </a:r>
-            <a:r>
-              <a:rPr lang="en-US" sz="3200" dirty="0" err="1" smtClean="0"/>
-              <a:t>Kuper</a:t>
-            </a:r>
-            <a:r>
-              <a:rPr lang="en-US" sz="3200" dirty="0" smtClean="0"/>
-              <a:t> – lkuper@cs.indiana.edu</a:t>
+              <a:t>Lindsey Kuper – lkuper@cs.indiana.edu</a:t>
             </a:r>
           </a:p>
           <a:p>
@@ -18014,13 +17922,8 @@
           <a:p>
             <a:r>
               <a:rPr lang="en-US" dirty="0"/>
-              <a:t>Isaiah Weating &amp; Lindsey </a:t>
-            </a:r>
-            <a:r>
-              <a:rPr lang="en-US" dirty="0" err="1"/>
-              <a:t>Kuper</a:t>
-            </a:r>
-            <a:endParaRPr lang="en-US" dirty="0"/>
+              <a:t>Isaiah Weating &amp; Lindsey Kuper</a:t>
+            </a:r>
           </a:p>
           <a:p>
             <a:endParaRPr lang="en-US" dirty="0"/>
@@ -18050,12 +17953,8 @@
           <a:lstStyle/>
           <a:p>
             <a:r>
-              <a:rPr lang="en-US" dirty="0" err="1"/>
-              <a:t>LVars</a:t>
-            </a:r>
-            <a:r>
               <a:rPr lang="en-US" dirty="0"/>
-              <a:t> </a:t>
+              <a:t>LVars </a:t>
             </a:r>
             <a:r>
               <a:rPr lang="en-US" dirty="0" smtClean="0"/>
@@ -18086,7 +17985,7 @@
           <a:bodyPr/>
           <a:lstStyle/>
           <a:p>
-            <a:endParaRPr lang="en-US"/>
+            <a:endParaRPr lang="en-US" dirty="0"/>
           </a:p>
         </p:txBody>
       </p:sp>
@@ -18105,7 +18004,7 @@
           <a:bodyPr/>
           <a:lstStyle/>
           <a:p>
-            <a:endParaRPr lang="en-US"/>
+            <a:endParaRPr lang="en-US" dirty="0"/>
           </a:p>
         </p:txBody>
       </p:sp>
@@ -18124,7 +18023,7 @@
           <a:bodyPr/>
           <a:lstStyle/>
           <a:p>
-            <a:endParaRPr lang="en-US"/>
+            <a:endParaRPr lang="en-US" dirty="0"/>
           </a:p>
         </p:txBody>
       </p:sp>
@@ -18143,7 +18042,7 @@
           <a:bodyPr/>
           <a:lstStyle/>
           <a:p>
-            <a:endParaRPr lang="en-US"/>
+            <a:endParaRPr lang="en-US" dirty="0"/>
           </a:p>
         </p:txBody>
       </p:sp>
@@ -18162,7 +18061,7 @@
           <a:bodyPr/>
           <a:lstStyle/>
           <a:p>
-            <a:endParaRPr lang="en-US"/>
+            <a:endParaRPr lang="en-US" dirty="0"/>
           </a:p>
         </p:txBody>
       </p:sp>
@@ -18181,7 +18080,7 @@
           <a:bodyPr/>
           <a:lstStyle/>
           <a:p>
-            <a:endParaRPr lang="en-US"/>
+            <a:endParaRPr lang="en-US" dirty="0"/>
           </a:p>
         </p:txBody>
       </p:sp>
@@ -18200,7 +18099,7 @@
           <a:bodyPr/>
           <a:lstStyle/>
           <a:p>
-            <a:endParaRPr lang="en-US"/>
+            <a:endParaRPr lang="en-US" dirty="0"/>
           </a:p>
         </p:txBody>
       </p:sp>
@@ -18219,7 +18118,7 @@
           <a:bodyPr/>
           <a:lstStyle/>
           <a:p>
-            <a:endParaRPr lang="en-US"/>
+            <a:endParaRPr lang="en-US" dirty="0"/>
           </a:p>
         </p:txBody>
       </p:sp>
@@ -18238,7 +18137,7 @@
           <a:bodyPr/>
           <a:lstStyle/>
           <a:p>
-            <a:endParaRPr lang="en-US"/>
+            <a:endParaRPr lang="en-US" dirty="0"/>
           </a:p>
         </p:txBody>
       </p:sp>
@@ -18257,7 +18156,7 @@
           <a:bodyPr/>
           <a:lstStyle/>
           <a:p>
-            <a:endParaRPr lang="en-US"/>
+            <a:endParaRPr lang="en-US" dirty="0"/>
           </a:p>
         </p:txBody>
       </p:sp>
@@ -18276,7 +18175,7 @@
           <a:bodyPr/>
           <a:lstStyle/>
           <a:p>
-            <a:endParaRPr lang="en-US"/>
+            <a:endParaRPr lang="en-US" dirty="0"/>
           </a:p>
         </p:txBody>
       </p:sp>
@@ -18295,7 +18194,7 @@
           <a:bodyPr/>
           <a:lstStyle/>
           <a:p>
-            <a:endParaRPr lang="en-US"/>
+            <a:endParaRPr lang="en-US" dirty="0"/>
           </a:p>
         </p:txBody>
       </p:sp>
@@ -18446,7 +18345,7 @@
           <a:bodyPr/>
           <a:lstStyle/>
           <a:p>
-            <a:endParaRPr lang="en-US"/>
+            <a:endParaRPr lang="en-US" dirty="0"/>
           </a:p>
         </p:txBody>
       </p:sp>
@@ -18465,7 +18364,7 @@
           <a:bodyPr/>
           <a:lstStyle/>
           <a:p>
-            <a:endParaRPr lang="en-US"/>
+            <a:endParaRPr lang="en-US" dirty="0"/>
           </a:p>
         </p:txBody>
       </p:sp>
@@ -18484,7 +18383,7 @@
           <a:bodyPr/>
           <a:lstStyle/>
           <a:p>
-            <a:endParaRPr lang="en-US"/>
+            <a:endParaRPr lang="en-US" dirty="0"/>
           </a:p>
         </p:txBody>
       </p:sp>
@@ -18503,7 +18402,7 @@
           <a:bodyPr/>
           <a:lstStyle/>
           <a:p>
-            <a:endParaRPr lang="en-US"/>
+            <a:endParaRPr lang="en-US" dirty="0"/>
           </a:p>
         </p:txBody>
       </p:sp>
@@ -18522,7 +18421,7 @@
           <a:bodyPr/>
           <a:lstStyle/>
           <a:p>
-            <a:endParaRPr lang="en-US"/>
+            <a:endParaRPr lang="en-US" dirty="0"/>
           </a:p>
         </p:txBody>
       </p:sp>
@@ -18541,7 +18440,7 @@
           <a:bodyPr/>
           <a:lstStyle/>
           <a:p>
-            <a:endParaRPr lang="en-US"/>
+            <a:endParaRPr lang="en-US" dirty="0"/>
           </a:p>
         </p:txBody>
       </p:sp>
@@ -18560,7 +18459,7 @@
           <a:bodyPr/>
           <a:lstStyle/>
           <a:p>
-            <a:endParaRPr lang="en-US"/>
+            <a:endParaRPr lang="en-US" dirty="0"/>
           </a:p>
         </p:txBody>
       </p:sp>
@@ -18579,7 +18478,7 @@
           <a:bodyPr/>
           <a:lstStyle/>
           <a:p>
-            <a:endParaRPr lang="en-US"/>
+            <a:endParaRPr lang="en-US" dirty="0"/>
           </a:p>
         </p:txBody>
       </p:sp>
@@ -18598,7 +18497,7 @@
           <a:bodyPr/>
           <a:lstStyle/>
           <a:p>
-            <a:endParaRPr lang="en-US"/>
+            <a:endParaRPr lang="en-US" dirty="0"/>
           </a:p>
         </p:txBody>
       </p:sp>
@@ -18617,7 +18516,7 @@
           <a:bodyPr/>
           <a:lstStyle/>
           <a:p>
-            <a:endParaRPr lang="en-US"/>
+            <a:endParaRPr lang="en-US" dirty="0"/>
           </a:p>
         </p:txBody>
       </p:sp>
@@ -18636,7 +18535,7 @@
           <a:bodyPr/>
           <a:lstStyle/>
           <a:p>
-            <a:endParaRPr lang="en-US"/>
+            <a:endParaRPr lang="en-US" dirty="0"/>
           </a:p>
         </p:txBody>
       </p:sp>
@@ -18655,7 +18554,7 @@
           <a:bodyPr/>
           <a:lstStyle/>
           <a:p>
-            <a:endParaRPr lang="en-US"/>
+            <a:endParaRPr lang="en-US" dirty="0"/>
           </a:p>
         </p:txBody>
       </p:sp>
@@ -18674,7 +18573,7 @@
           <a:bodyPr/>
           <a:lstStyle/>
           <a:p>
-            <a:endParaRPr lang="en-US"/>
+            <a:endParaRPr lang="en-US" dirty="0"/>
           </a:p>
         </p:txBody>
       </p:sp>
@@ -18693,7 +18592,7 @@
           <a:bodyPr/>
           <a:lstStyle/>
           <a:p>
-            <a:endParaRPr lang="en-US"/>
+            <a:endParaRPr lang="en-US" dirty="0"/>
           </a:p>
         </p:txBody>
       </p:sp>
@@ -18730,7 +18629,7 @@
         </p:blipFill>
         <p:spPr bwMode="auto">
           <a:xfrm>
-            <a:off x="15980368" y="8693389"/>
+            <a:off x="16069897" y="20568241"/>
             <a:ext cx="12173525" cy="9317322"/>
           </a:xfrm>
           <a:prstGeom prst="rect">
@@ -18761,134 +18660,6 @@
           </a:extLst>
         </p:spPr>
       </p:pic>
-      <p:pic>
-        <p:nvPicPr>
-          <p:cNvPr id="59" name="Picture 2"/>
-          <p:cNvPicPr>
-            <a:picLocks noChangeAspect="1" noChangeArrowheads="1"/>
-          </p:cNvPicPr>
-          <p:nvPr/>
-        </p:nvPicPr>
-        <p:blipFill>
-          <a:blip r:embed="rId4">
-            <a:clrChange>
-              <a:clrFrom>
-                <a:srgbClr val="FFFFFF"/>
-              </a:clrFrom>
-              <a:clrTo>
-                <a:srgbClr val="FFFFFF">
-                  <a:alpha val="0"/>
-                </a:srgbClr>
-              </a:clrTo>
-            </a:clrChange>
-            <a:extLst>
-              <a:ext uri="{BEBA8EAE-BF5A-486C-A8C5-ECC9F3942E4B}">
-                <a14:imgProps xmlns:a14="http://schemas.microsoft.com/office/drawing/2010/main">
-                  <a14:imgLayer r:embed="rId5">
-                    <a14:imgEffect>
-                      <a14:brightnessContrast bright="20000"/>
-                    </a14:imgEffect>
-                  </a14:imgLayer>
-                </a14:imgProps>
-              </a:ext>
-              <a:ext uri="{28A0092B-C50C-407E-A947-70E740481C1C}">
-                <a14:useLocalDpi xmlns:a14="http://schemas.microsoft.com/office/drawing/2010/main" val="0"/>
-              </a:ext>
-            </a:extLst>
-          </a:blip>
-          <a:srcRect/>
-          <a:stretch>
-            <a:fillRect/>
-          </a:stretch>
-        </p:blipFill>
-        <p:spPr bwMode="auto">
-          <a:xfrm>
-            <a:off x="29851778" y="13641315"/>
-            <a:ext cx="12684356" cy="6427359"/>
-          </a:xfrm>
-          <a:prstGeom prst="rect">
-            <a:avLst/>
-          </a:prstGeom>
-          <a:noFill/>
-          <a:ln>
-            <a:noFill/>
-          </a:ln>
-          <a:extLst>
-            <a:ext uri="{909E8E84-426E-40DD-AFC4-6F175D3DCCD1}">
-              <a14:hiddenFill xmlns:a14="http://schemas.microsoft.com/office/drawing/2010/main">
-                <a:solidFill>
-                  <a:schemeClr val="accent1"/>
-                </a:solidFill>
-              </a14:hiddenFill>
-            </a:ext>
-            <a:ext uri="{91240B29-F687-4F45-9708-019B960494DF}">
-              <a14:hiddenLine xmlns:a14="http://schemas.microsoft.com/office/drawing/2010/main" w="9525">
-                <a:solidFill>
-                  <a:schemeClr val="tx1"/>
-                </a:solidFill>
-                <a:miter lim="800000"/>
-                <a:headEnd/>
-                <a:tailEnd/>
-              </a14:hiddenLine>
-            </a:ext>
-          </a:extLst>
-        </p:spPr>
-      </p:pic>
-      <p:sp>
-        <p:nvSpPr>
-          <p:cNvPr id="412" name="Text Placeholder 411"/>
-          <p:cNvSpPr>
-            <a:spLocks noGrp="1"/>
-          </p:cNvSpPr>
-          <p:nvPr>
-            <p:ph type="body" sz="quarter" idx="22"/>
-          </p:nvPr>
-        </p:nvSpPr>
-        <p:spPr>
-          <a:xfrm>
-            <a:off x="922338" y="21074143"/>
-            <a:ext cx="13563595" cy="800211"/>
-          </a:xfrm>
-        </p:spPr>
-        <p:txBody>
-          <a:bodyPr/>
-          <a:lstStyle/>
-          <a:p>
-            <a:r>
-              <a:rPr lang="en-US" sz="4000" dirty="0">
-                <a:latin typeface="Times New Roman" pitchFamily="18" charset="0"/>
-                <a:cs typeface="Times New Roman" pitchFamily="18" charset="0"/>
-              </a:rPr>
-              <a:t>Determinism for </a:t>
-            </a:r>
-            <a:r>
-              <a:rPr lang="el-GR" sz="4000" dirty="0" smtClean="0">
-                <a:latin typeface="Times New Roman" pitchFamily="18" charset="0"/>
-                <a:cs typeface="Times New Roman" pitchFamily="18" charset="0"/>
-              </a:rPr>
-              <a:t>λ</a:t>
-            </a:r>
-            <a:r>
-              <a:rPr lang="en-US" sz="4000" dirty="0" smtClean="0">
-                <a:latin typeface="Times New Roman" pitchFamily="18" charset="0"/>
-                <a:cs typeface="Times New Roman" pitchFamily="18" charset="0"/>
-              </a:rPr>
-              <a:t> </a:t>
-            </a:r>
-            <a:r>
-              <a:rPr lang="en-US" sz="4000" dirty="0" err="1" smtClean="0">
-                <a:latin typeface="Times New Roman" pitchFamily="18" charset="0"/>
-                <a:cs typeface="Times New Roman" pitchFamily="18" charset="0"/>
-              </a:rPr>
-              <a:t>LVar</a:t>
-            </a:r>
-            <a:endParaRPr lang="en-US" sz="4000" dirty="0">
-              <a:latin typeface="Times New Roman" pitchFamily="18" charset="0"/>
-              <a:cs typeface="Times New Roman" pitchFamily="18" charset="0"/>
-            </a:endParaRPr>
-          </a:p>
-        </p:txBody>
-      </p:sp>
       <p:pic>
         <p:nvPicPr>
           <p:cNvPr id="1030" name="Picture 6" descr="http://womenshealthresearch.us/wp-content/uploads/2013/02/iu_logo.jpg"/>
@@ -18898,7 +18669,7 @@
           <p:nvPr/>
         </p:nvPicPr>
         <p:blipFill>
-          <a:blip r:embed="rId6" cstate="print">
+          <a:blip r:embed="rId4" cstate="print">
             <a:clrChange>
               <a:clrFrom>
                 <a:srgbClr val="FFFFFF"/>
@@ -18949,7 +18720,7 @@
           <p:nvPr/>
         </p:nvPicPr>
         <p:blipFill>
-          <a:blip r:embed="rId6" cstate="print">
+          <a:blip r:embed="rId4" cstate="print">
             <a:clrChange>
               <a:clrFrom>
                 <a:srgbClr val="FFFFFF"/>
@@ -19000,7 +18771,7 @@
           <p:nvPr/>
         </p:nvPicPr>
         <p:blipFill>
-          <a:blip r:embed="rId7">
+          <a:blip r:embed="rId5">
             <a:extLst>
               <a:ext uri="{28A0092B-C50C-407E-A947-70E740481C1C}">
                 <a14:useLocalDpi xmlns:a14="http://schemas.microsoft.com/office/drawing/2010/main" val="0"/>
@@ -19054,7 +18825,7 @@
           <p:nvPr/>
         </p:nvPicPr>
         <p:blipFill rotWithShape="1">
-          <a:blip r:embed="rId8">
+          <a:blip r:embed="rId6">
             <a:clrChange>
               <a:clrFrom>
                 <a:srgbClr val="FFFAF1"/>
@@ -19076,7 +18847,7 @@
         </p:blipFill>
         <p:spPr bwMode="auto">
           <a:xfrm>
-            <a:off x="941293" y="25207834"/>
+            <a:off x="15588059" y="9733144"/>
             <a:ext cx="17157842" cy="2550285"/>
           </a:xfrm>
           <a:prstGeom prst="rect">
@@ -19116,7 +18887,7 @@
           <p:nvPr/>
         </p:nvPicPr>
         <p:blipFill rotWithShape="1">
-          <a:blip r:embed="rId8">
+          <a:blip r:embed="rId6">
             <a:clrChange>
               <a:clrFrom>
                 <a:srgbClr val="FFFFFF"/>
@@ -19138,7 +18909,7 @@
         </p:blipFill>
         <p:spPr bwMode="auto">
           <a:xfrm>
-            <a:off x="941293" y="21877884"/>
+            <a:off x="15311236" y="6538468"/>
             <a:ext cx="7678831" cy="3746760"/>
           </a:xfrm>
           <a:prstGeom prst="rect">
@@ -19178,7 +18949,7 @@
           <p:nvPr/>
         </p:nvPicPr>
         <p:blipFill rotWithShape="1">
-          <a:blip r:embed="rId8">
+          <a:blip r:embed="rId6">
             <a:clrChange>
               <a:clrFrom>
                 <a:srgbClr val="FFFFFF"/>
@@ -19200,7 +18971,7 @@
         </p:blipFill>
         <p:spPr bwMode="auto">
           <a:xfrm>
-            <a:off x="5719270" y="26692972"/>
+            <a:off x="20529122" y="10793371"/>
             <a:ext cx="7275715" cy="3704360"/>
           </a:xfrm>
           <a:prstGeom prst="rect">
@@ -19341,7 +19112,7 @@
         </p:nvSpPr>
         <p:spPr>
           <a:xfrm>
-            <a:off x="941293" y="12126113"/>
+            <a:off x="29407989" y="11344000"/>
             <a:ext cx="13573126" cy="923322"/>
           </a:xfrm>
           <a:solidFill>
@@ -19375,7 +19146,7 @@
         </p:nvSpPr>
         <p:spPr>
           <a:xfrm>
-            <a:off x="904186" y="12986612"/>
+            <a:off x="29455390" y="12214133"/>
             <a:ext cx="13571537" cy="7519973"/>
           </a:xfrm>
         </p:spPr>
@@ -19387,28 +19158,16 @@
           <a:p>
             <a:pPr algn="just"/>
             <a:r>
+              <a:rPr lang="en-US" sz="3600" dirty="0" smtClean="0"/>
+              <a:t>We developed our language in Reddex</a:t>
+            </a:r>
+            <a:r>
+              <a:rPr lang="en-US" sz="3600" dirty="0" smtClean="0"/>
+              <a:t>. Reddex is a programming language used for creating programming languages which is embedded in the racket language. Our development software of choice was Dr. Racket, shown below</a:t>
+            </a:r>
+            <a:r>
               <a:rPr lang="en-US" sz="3200" dirty="0" smtClean="0"/>
-              <a:t>We developed our language in </a:t>
-            </a:r>
-            <a:r>
-              <a:rPr lang="en-US" sz="3200" dirty="0" err="1" smtClean="0"/>
-              <a:t>Reddex</a:t>
-            </a:r>
-            <a:r>
-              <a:rPr lang="en-US" sz="3200" dirty="0"/>
-              <a:t>. </a:t>
-            </a:r>
-            <a:r>
-              <a:rPr lang="en-US" sz="3200" dirty="0" err="1"/>
-              <a:t>Reddex</a:t>
-            </a:r>
-            <a:r>
-              <a:rPr lang="en-US" sz="3200" dirty="0"/>
-              <a:t> is a programming language used for creating programming languages which is embedded in the racket </a:t>
-            </a:r>
-            <a:r>
-              <a:rPr lang="en-US" sz="3200" dirty="0" smtClean="0"/>
-              <a:t>language. Our development software of choice was Dr. Racket, shown below.</a:t>
+              <a:t>.</a:t>
             </a:r>
             <a:endParaRPr lang="en-US" sz="3200" dirty="0" smtClean="0"/>
           </a:p>
@@ -19423,7 +19182,7 @@
           <p:nvPr/>
         </p:nvPicPr>
         <p:blipFill>
-          <a:blip r:embed="rId9">
+          <a:blip r:embed="rId7">
             <a:extLst>
               <a:ext uri="{28A0092B-C50C-407E-A947-70E740481C1C}">
                 <a14:useLocalDpi xmlns:a14="http://schemas.microsoft.com/office/drawing/2010/main" val="0"/>
@@ -19437,7 +19196,7 @@
         </p:blipFill>
         <p:spPr bwMode="auto">
           <a:xfrm>
-            <a:off x="2320086" y="15004869"/>
+            <a:off x="30699086" y="14818102"/>
             <a:ext cx="10832554" cy="5822498"/>
           </a:xfrm>
           <a:prstGeom prst="rect">
@@ -19477,7 +19236,7 @@
           <p:nvPr/>
         </p:nvPicPr>
         <p:blipFill>
-          <a:blip r:embed="rId10">
+          <a:blip r:embed="rId8">
             <a:extLst>
               <a:ext uri="{28A0092B-C50C-407E-A947-70E740481C1C}">
                 <a14:useLocalDpi xmlns:a14="http://schemas.microsoft.com/office/drawing/2010/main" val="0"/>
@@ -19491,7 +19250,7 @@
         </p:blipFill>
         <p:spPr bwMode="auto">
           <a:xfrm>
-            <a:off x="9102781" y="16679917"/>
+            <a:off x="37354164" y="16464717"/>
             <a:ext cx="2942074" cy="2870607"/>
           </a:xfrm>
           <a:prstGeom prst="rect">
@@ -19522,6 +19281,243 @@
           </a:extLst>
         </p:spPr>
       </p:pic>
+      <p:sp>
+        <p:nvSpPr>
+          <p:cNvPr id="66" name="Text Placeholder 386"/>
+          <p:cNvSpPr>
+            <a:spLocks noGrp="1"/>
+          </p:cNvSpPr>
+          <p:nvPr>
+            <p:ph type="body" sz="quarter" idx="24"/>
+          </p:nvPr>
+        </p:nvSpPr>
+        <p:spPr>
+          <a:xfrm>
+            <a:off x="915295" y="13351967"/>
+            <a:ext cx="13579475" cy="754045"/>
+          </a:xfrm>
+          <a:solidFill>
+            <a:schemeClr val="tx2">
+              <a:lumMod val="60000"/>
+              <a:lumOff val="40000"/>
+            </a:schemeClr>
+          </a:solidFill>
+        </p:spPr>
+        <p:txBody>
+          <a:bodyPr>
+            <a:noAutofit/>
+          </a:bodyPr>
+          <a:lstStyle/>
+          <a:p>
+            <a:r>
+              <a:rPr lang="en-US" sz="4800" dirty="0" smtClean="0"/>
+              <a:t>The Problem</a:t>
+            </a:r>
+            <a:endParaRPr lang="en-US" sz="4800" dirty="0"/>
+          </a:p>
+        </p:txBody>
+      </p:sp>
+      <p:pic>
+        <p:nvPicPr>
+          <p:cNvPr id="1028" name="Picture 4"/>
+          <p:cNvPicPr>
+            <a:picLocks noChangeAspect="1" noChangeArrowheads="1"/>
+          </p:cNvPicPr>
+          <p:nvPr/>
+        </p:nvPicPr>
+        <p:blipFill>
+          <a:blip r:embed="rId9">
+            <a:clrChange>
+              <a:clrFrom>
+                <a:srgbClr val="FFFFFF"/>
+              </a:clrFrom>
+              <a:clrTo>
+                <a:srgbClr val="FFFFFF">
+                  <a:alpha val="0"/>
+                </a:srgbClr>
+              </a:clrTo>
+            </a:clrChange>
+            <a:extLst>
+              <a:ext uri="{28A0092B-C50C-407E-A947-70E740481C1C}">
+                <a14:useLocalDpi xmlns:a14="http://schemas.microsoft.com/office/drawing/2010/main" val="0"/>
+              </a:ext>
+            </a:extLst>
+          </a:blip>
+          <a:srcRect/>
+          <a:stretch>
+            <a:fillRect/>
+          </a:stretch>
+        </p:blipFill>
+        <p:spPr bwMode="auto">
+          <a:xfrm>
+            <a:off x="1376112" y="23799217"/>
+            <a:ext cx="12744450" cy="6858000"/>
+          </a:xfrm>
+          <a:prstGeom prst="rect">
+            <a:avLst/>
+          </a:prstGeom>
+          <a:noFill/>
+          <a:ln>
+            <a:noFill/>
+          </a:ln>
+          <a:extLst>
+            <a:ext uri="{909E8E84-426E-40DD-AFC4-6F175D3DCCD1}">
+              <a14:hiddenFill xmlns:a14="http://schemas.microsoft.com/office/drawing/2010/main">
+                <a:solidFill>
+                  <a:schemeClr val="accent1"/>
+                </a:solidFill>
+              </a14:hiddenFill>
+            </a:ext>
+            <a:ext uri="{91240B29-F687-4F45-9708-019B960494DF}">
+              <a14:hiddenLine xmlns:a14="http://schemas.microsoft.com/office/drawing/2010/main" w="9525">
+                <a:solidFill>
+                  <a:schemeClr val="tx1"/>
+                </a:solidFill>
+                <a:miter lim="800000"/>
+                <a:headEnd/>
+                <a:tailEnd/>
+              </a14:hiddenLine>
+            </a:ext>
+          </a:extLst>
+        </p:spPr>
+      </p:pic>
+      <p:sp>
+        <p:nvSpPr>
+          <p:cNvPr id="78" name="Text Placeholder 385"/>
+          <p:cNvSpPr>
+            <a:spLocks noGrp="1"/>
+          </p:cNvSpPr>
+          <p:nvPr>
+            <p:ph type="body" sz="quarter" idx="23"/>
+          </p:nvPr>
+        </p:nvSpPr>
+        <p:spPr>
+          <a:xfrm>
+            <a:off x="15214600" y="13954125"/>
+            <a:ext cx="13571538" cy="7519988"/>
+          </a:xfrm>
+        </p:spPr>
+        <p:txBody>
+          <a:bodyPr>
+            <a:noAutofit/>
+          </a:bodyPr>
+          <a:lstStyle/>
+          <a:p>
+            <a:r>
+              <a:rPr lang="en-US" sz="3600" dirty="0" smtClean="0"/>
+              <a:t>This is the part where I talk about determinism in our program based on figure 2.</a:t>
+            </a:r>
+          </a:p>
+          <a:p>
+            <a:endParaRPr lang="en-US" sz="3600" dirty="0"/>
+          </a:p>
+        </p:txBody>
+      </p:sp>
+      <p:sp>
+        <p:nvSpPr>
+          <p:cNvPr id="79" name="Text Placeholder 385"/>
+          <p:cNvSpPr>
+            <a:spLocks noGrp="1"/>
+          </p:cNvSpPr>
+          <p:nvPr>
+            <p:ph type="body" sz="quarter" idx="23"/>
+          </p:nvPr>
+        </p:nvSpPr>
+        <p:spPr>
+          <a:xfrm>
+            <a:off x="29409578" y="6265790"/>
+            <a:ext cx="13571537" cy="7519973"/>
+          </a:xfrm>
+        </p:spPr>
+        <p:txBody>
+          <a:bodyPr>
+            <a:noAutofit/>
+          </a:bodyPr>
+          <a:lstStyle/>
+          <a:p>
+            <a:pPr algn="just"/>
+            <a:r>
+              <a:rPr lang="en-US" sz="3600" dirty="0" smtClean="0"/>
+              <a:t>Figure 3 shows two different parallel program flow charts. The one on the left will always be deterministic since </a:t>
+            </a:r>
+            <a:r>
+              <a:rPr lang="en-US" sz="3600" dirty="0" smtClean="0"/>
+              <a:t>the puts and gets are done separately. The one on the right though will be nondeterministic since the put and get are evaluated in parallel. Even though the program seemingly operates simultaneously, it actually does the operations separately in a random order depending on what the system decides to do first. This could cause problems if the system decides to operate the get before the put. </a:t>
+            </a:r>
+            <a:endParaRPr lang="en-US" sz="3600" dirty="0" smtClean="0"/>
+          </a:p>
+        </p:txBody>
+      </p:sp>
+      <p:sp>
+        <p:nvSpPr>
+          <p:cNvPr id="6" name="TextBox 5"/>
+          <p:cNvSpPr txBox="1"/>
+          <p:nvPr/>
+        </p:nvSpPr>
+        <p:spPr>
+          <a:xfrm>
+            <a:off x="26384196" y="19534051"/>
+            <a:ext cx="1019638" cy="400110"/>
+          </a:xfrm>
+          <a:prstGeom prst="rect">
+            <a:avLst/>
+          </a:prstGeom>
+          <a:noFill/>
+          <a:ln w="57150">
+            <a:solidFill>
+              <a:schemeClr val="tx1"/>
+            </a:solidFill>
+          </a:ln>
+        </p:spPr>
+        <p:txBody>
+          <a:bodyPr wrap="none" rtlCol="0">
+            <a:spAutoFit/>
+          </a:bodyPr>
+          <a:lstStyle/>
+          <a:p>
+            <a:r>
+              <a:rPr lang="en-US" sz="2000" dirty="0" smtClean="0"/>
+              <a:t>Figure 3</a:t>
+            </a:r>
+            <a:endParaRPr lang="en-US" sz="2000" dirty="0"/>
+          </a:p>
+        </p:txBody>
+      </p:sp>
+      <p:sp>
+        <p:nvSpPr>
+          <p:cNvPr id="81" name="TextBox 80"/>
+          <p:cNvSpPr txBox="1"/>
+          <p:nvPr/>
+        </p:nvSpPr>
+        <p:spPr>
+          <a:xfrm>
+            <a:off x="27403834" y="6920133"/>
+            <a:ext cx="1019638" cy="400110"/>
+          </a:xfrm>
+          <a:prstGeom prst="rect">
+            <a:avLst/>
+          </a:prstGeom>
+          <a:noFill/>
+          <a:ln w="57150">
+            <a:solidFill>
+              <a:schemeClr val="tx1"/>
+            </a:solidFill>
+          </a:ln>
+        </p:spPr>
+        <p:txBody>
+          <a:bodyPr wrap="none" rtlCol="0">
+            <a:spAutoFit/>
+          </a:bodyPr>
+          <a:lstStyle/>
+          <a:p>
+            <a:r>
+              <a:rPr lang="en-US" sz="2000" dirty="0" smtClean="0"/>
+              <a:t>Figure 2</a:t>
+            </a:r>
+            <a:endParaRPr lang="en-US" sz="2000" dirty="0"/>
+          </a:p>
+        </p:txBody>
+      </p:sp>
     </p:spTree>
     <p:extLst>
       <p:ext uri="{BB962C8B-B14F-4D97-AF65-F5344CB8AC3E}">

--- a/poster/Parallel Programming Poster.pptx
+++ b/poster/Parallel Programming Poster.pptx
@@ -17348,7 +17348,7 @@
         <p:spPr>
           <a:xfrm>
             <a:off x="904186" y="6295353"/>
-            <a:ext cx="13591277" cy="7109616"/>
+            <a:ext cx="13591277" cy="4339627"/>
           </a:xfrm>
         </p:spPr>
         <p:txBody>
@@ -17357,54 +17357,54 @@
           <a:p>
             <a:pPr algn="just"/>
             <a:r>
-              <a:rPr lang="en-US" sz="3600" dirty="0" smtClean="0"/>
+              <a:rPr lang="en-US" sz="2800" dirty="0" smtClean="0"/>
               <a:t>Parallel programming is </a:t>
             </a:r>
             <a:r>
-              <a:rPr lang="en-US" sz="3600" dirty="0"/>
+              <a:rPr lang="en-US" sz="2800" dirty="0"/>
               <a:t>a form of computation in which </a:t>
             </a:r>
             <a:r>
-              <a:rPr lang="en-US" sz="3600" dirty="0" smtClean="0"/>
+              <a:rPr lang="en-US" sz="2800" dirty="0" smtClean="0"/>
               <a:t>multiple </a:t>
             </a:r>
             <a:r>
-              <a:rPr lang="en-US" sz="3600" dirty="0"/>
+              <a:rPr lang="en-US" sz="2800" dirty="0"/>
               <a:t>calculations are carried out simultaneously</a:t>
             </a:r>
             <a:r>
-              <a:rPr lang="en-US" sz="3600" dirty="0" smtClean="0"/>
+              <a:rPr lang="en-US" sz="2800" dirty="0" smtClean="0"/>
               <a:t>, </a:t>
             </a:r>
             <a:r>
-              <a:rPr lang="en-US" sz="3600" dirty="0"/>
+              <a:rPr lang="en-US" sz="2800" dirty="0"/>
               <a:t>operating on the principle that large problems can often be divided into smaller ones, which are then solved </a:t>
             </a:r>
             <a:r>
-              <a:rPr lang="en-US" sz="3600" dirty="0" smtClean="0"/>
+              <a:rPr lang="en-US" sz="2800" dirty="0" smtClean="0"/>
               <a:t>concurrently</a:t>
             </a:r>
             <a:r>
-              <a:rPr lang="en-US" sz="3600" dirty="0" smtClean="0"/>
+              <a:rPr lang="en-US" sz="2800" dirty="0" smtClean="0"/>
               <a:t>. This allows programs to </a:t>
             </a:r>
             <a:r>
-              <a:rPr lang="en-US" sz="3600" dirty="0" smtClean="0"/>
+              <a:rPr lang="en-US" sz="2800" dirty="0" smtClean="0"/>
               <a:t>operate faster. Parallel programming without state isn’t that difficult. When you add state to the equation though, it begins to get more challenging. This begins to cause the program to become nondeterministic depending on the order of the parallel computations. </a:t>
             </a:r>
             <a:r>
-              <a:rPr lang="en-US" sz="3600" dirty="0" smtClean="0"/>
+              <a:rPr lang="en-US" sz="2800" dirty="0" smtClean="0"/>
               <a:t>A </a:t>
             </a:r>
             <a:r>
-              <a:rPr lang="en-US" sz="3600" dirty="0"/>
+              <a:rPr lang="en-US" sz="2800" dirty="0"/>
               <a:t>n</a:t>
             </a:r>
             <a:r>
-              <a:rPr lang="en-US" sz="3600" dirty="0" smtClean="0"/>
+              <a:rPr lang="en-US" sz="2800" dirty="0" smtClean="0"/>
               <a:t>ondeterministic program could have different solutions dependent on the  order which statements are called. Our goal is to create a language that will allow a program to run various operations in parallel while still remaining deterministic. </a:t>
             </a:r>
-            <a:endParaRPr lang="en-US" sz="3600" dirty="0"/>
+            <a:endParaRPr lang="en-US" sz="2800" dirty="0"/>
           </a:p>
         </p:txBody>
       </p:sp>
@@ -17420,7 +17420,7 @@
         </p:nvSpPr>
         <p:spPr>
           <a:xfrm>
-            <a:off x="922337" y="5347357"/>
+            <a:off x="913648" y="5351225"/>
             <a:ext cx="13573126" cy="838683"/>
           </a:xfrm>
           <a:solidFill>
@@ -17454,7 +17454,7 @@
         </p:nvSpPr>
         <p:spPr>
           <a:xfrm>
-            <a:off x="15450748" y="18884375"/>
+            <a:off x="15450748" y="9458465"/>
             <a:ext cx="12972724" cy="14012470"/>
           </a:xfrm>
         </p:spPr>
@@ -17663,8 +17663,8 @@
         </p:nvSpPr>
         <p:spPr>
           <a:xfrm>
-            <a:off x="896245" y="14170192"/>
-            <a:ext cx="13571534" cy="9547207"/>
+            <a:off x="896245" y="11523262"/>
+            <a:ext cx="13571534" cy="6235531"/>
           </a:xfrm>
         </p:spPr>
         <p:txBody>
@@ -17673,42 +17673,42 @@
           <a:p>
             <a:pPr algn="just"/>
             <a:r>
-              <a:rPr lang="en-US" sz="3600" dirty="0" smtClean="0"/>
+              <a:rPr lang="en-US" sz="2800" dirty="0" smtClean="0"/>
               <a:t>Before I began working on this project, there was already an implementation of the counter lvar, </a:t>
             </a:r>
             <a:r>
-              <a:rPr lang="en-US" sz="3600" dirty="0" smtClean="0"/>
+              <a:rPr lang="en-US" sz="2800" dirty="0" smtClean="0"/>
               <a:t>figure 1c. The counter lvar keeps track of the max value that has been entered. If the user were to put in values x and y into the lvar, it would keep track of max( x, y ). If the user were to then use the get function on any value that is less than or equal to max( x, y ), it would return true. If they were to call get with a value greater than max( x, y), it would return false.</a:t>
             </a:r>
-            <a:endParaRPr lang="en-US" sz="3600" dirty="0" smtClean="0"/>
+            <a:endParaRPr lang="en-US" sz="2800" dirty="0" smtClean="0"/>
           </a:p>
           <a:p>
             <a:pPr algn="just"/>
-            <a:endParaRPr lang="en-US" sz="3600" dirty="0" smtClean="0"/>
+            <a:endParaRPr lang="en-US" sz="2800" dirty="0" smtClean="0"/>
           </a:p>
           <a:p>
             <a:pPr algn="just"/>
             <a:r>
-              <a:rPr lang="en-US" sz="3600" dirty="0" smtClean="0"/>
+              <a:rPr lang="en-US" sz="2800" dirty="0" smtClean="0"/>
               <a:t>The pair </a:t>
             </a:r>
             <a:r>
-              <a:rPr lang="en-US" sz="3600" dirty="0" smtClean="0"/>
+              <a:rPr lang="en-US" sz="2800" dirty="0" smtClean="0"/>
               <a:t>lvar, figure 1b, </a:t>
             </a:r>
             <a:r>
-              <a:rPr lang="en-US" sz="3600" dirty="0" smtClean="0"/>
+              <a:rPr lang="en-US" sz="2800" dirty="0" smtClean="0"/>
               <a:t>allows </a:t>
             </a:r>
             <a:r>
-              <a:rPr lang="en-US" sz="3600" dirty="0" smtClean="0"/>
+              <a:rPr lang="en-US" sz="2800" dirty="0" smtClean="0"/>
               <a:t>for pairs of values. </a:t>
             </a:r>
             <a:r>
-              <a:rPr lang="en-US" sz="3600" dirty="0" smtClean="0"/>
+              <a:rPr lang="en-US" sz="2800" dirty="0" smtClean="0"/>
               <a:t>This lvar only allows for one value in each index. The order in which the program puts in the values isn’t important. This lvar will also allow for inputting both values in parallel. Once it has both values assigned, if the program would attempt to put another value it, the lvar would reach top which would throw an error. Being able to implement this lvar is on way of solving our problem of keeping a parallel program deterministic. </a:t>
             </a:r>
-            <a:endParaRPr lang="en-US" sz="3600" dirty="0"/>
+            <a:endParaRPr lang="en-US" sz="2800" dirty="0"/>
           </a:p>
         </p:txBody>
       </p:sp>
@@ -17724,7 +17724,7 @@
         </p:nvSpPr>
         <p:spPr>
           <a:xfrm>
-            <a:off x="15154277" y="5383869"/>
+            <a:off x="888304" y="24486600"/>
             <a:ext cx="13579475" cy="754045"/>
           </a:xfrm>
           <a:solidFill>
@@ -17780,7 +17780,7 @@
         </p:nvSpPr>
         <p:spPr>
           <a:xfrm>
-            <a:off x="29395741" y="5347357"/>
+            <a:off x="29395741" y="5347358"/>
             <a:ext cx="13576029" cy="923322"/>
           </a:xfrm>
           <a:solidFill>
@@ -17795,32 +17795,11 @@
           <a:lstStyle/>
           <a:p>
             <a:r>
-              <a:rPr lang="en-US" sz="4800" dirty="0">
-                <a:latin typeface="Times New Roman" pitchFamily="18" charset="0"/>
-                <a:cs typeface="Times New Roman" pitchFamily="18" charset="0"/>
-              </a:rPr>
-              <a:t>Determinism for </a:t>
-            </a:r>
-            <a:r>
-              <a:rPr lang="el-GR" sz="4800" dirty="0">
-                <a:latin typeface="Times New Roman" pitchFamily="18" charset="0"/>
-                <a:cs typeface="Times New Roman" pitchFamily="18" charset="0"/>
-              </a:rPr>
-              <a:t>λ</a:t>
-            </a:r>
-            <a:r>
-              <a:rPr lang="en-US" sz="4800" dirty="0">
-                <a:latin typeface="Times New Roman" pitchFamily="18" charset="0"/>
-                <a:cs typeface="Times New Roman" pitchFamily="18" charset="0"/>
-              </a:rPr>
-              <a:t> </a:t>
-            </a:r>
-            <a:r>
               <a:rPr lang="en-US" sz="4800" dirty="0" smtClean="0">
                 <a:latin typeface="Times New Roman" pitchFamily="18" charset="0"/>
                 <a:cs typeface="Times New Roman" pitchFamily="18" charset="0"/>
               </a:rPr>
-              <a:t>LVar</a:t>
+              <a:t>Summary</a:t>
             </a:r>
             <a:endParaRPr lang="en-US" sz="4800" dirty="0">
               <a:latin typeface="Times New Roman" pitchFamily="18" charset="0"/>
@@ -18629,7 +18608,7 @@
         </p:blipFill>
         <p:spPr bwMode="auto">
           <a:xfrm>
-            <a:off x="16069897" y="20568241"/>
+            <a:off x="16069897" y="11142331"/>
             <a:ext cx="12173525" cy="9317322"/>
           </a:xfrm>
           <a:prstGeom prst="rect">
@@ -18847,8 +18826,8 @@
         </p:blipFill>
         <p:spPr bwMode="auto">
           <a:xfrm>
-            <a:off x="15588059" y="9733144"/>
-            <a:ext cx="17157842" cy="2550285"/>
+            <a:off x="2223756" y="28421578"/>
+            <a:ext cx="11930921" cy="1773373"/>
           </a:xfrm>
           <a:prstGeom prst="rect">
             <a:avLst/>
@@ -18909,8 +18888,8 @@
         </p:blipFill>
         <p:spPr bwMode="auto">
           <a:xfrm>
-            <a:off x="15311236" y="6538468"/>
-            <a:ext cx="7678831" cy="3746760"/>
+            <a:off x="1946934" y="25226902"/>
+            <a:ext cx="5339572" cy="2605357"/>
           </a:xfrm>
           <a:prstGeom prst="rect">
             <a:avLst/>
@@ -18971,8 +18950,8 @@
         </p:blipFill>
         <p:spPr bwMode="auto">
           <a:xfrm>
-            <a:off x="20529122" y="10793371"/>
-            <a:ext cx="7275715" cy="3704360"/>
+            <a:off x="7164820" y="29481805"/>
+            <a:ext cx="5059260" cy="2575873"/>
           </a:xfrm>
           <a:prstGeom prst="rect">
             <a:avLst/>
@@ -19014,7 +18993,7 @@
         </p:nvSpPr>
         <p:spPr>
           <a:xfrm>
-            <a:off x="29407393" y="20932834"/>
+            <a:off x="29455390" y="17810478"/>
             <a:ext cx="13573126" cy="923322"/>
           </a:xfrm>
           <a:solidFill>
@@ -19048,7 +19027,7 @@
         </p:nvSpPr>
         <p:spPr>
           <a:xfrm>
-            <a:off x="29395741" y="21882777"/>
+            <a:off x="29395741" y="18706461"/>
             <a:ext cx="13571537" cy="860425"/>
           </a:xfrm>
         </p:spPr>
@@ -19059,10 +19038,193 @@
           <a:lstStyle/>
           <a:p>
             <a:r>
-              <a:rPr lang="en-US" sz="3200" dirty="0" smtClean="0"/>
-              <a:t>Info written by Lindsey</a:t>
-            </a:r>
-            <a:endParaRPr lang="en-US" sz="3200" dirty="0"/>
+              <a:rPr lang="en-US" sz="2800" dirty="0"/>
+              <a:t>Future work on </a:t>
+            </a:r>
+            <a:r>
+              <a:rPr lang="en-US" sz="2800" dirty="0" err="1"/>
+              <a:t>lambdaLVar</a:t>
+            </a:r>
+            <a:r>
+              <a:rPr lang="en-US" sz="2800" dirty="0"/>
+              <a:t>: </a:t>
+            </a:r>
+          </a:p>
+          <a:p>
+            <a:pPr lvl="1"/>
+            <a:r>
+              <a:rPr lang="en-US" sz="2800" dirty="0"/>
+              <a:t>Automatic test generation: The flexibility of </a:t>
+            </a:r>
+            <a:r>
+              <a:rPr lang="en-US" sz="2800" dirty="0" err="1"/>
+              <a:t>lambdaLVar</a:t>
+            </a:r>
+            <a:r>
+              <a:rPr lang="en-US" sz="2800" dirty="0"/>
+              <a:t> means that there is always more work to do: we can create new languages with </a:t>
+            </a:r>
+            <a:r>
+              <a:rPr lang="en-US" sz="2800" dirty="0" err="1"/>
+              <a:t>lambdaLVar</a:t>
+            </a:r>
+            <a:r>
+              <a:rPr lang="en-US" sz="2800" dirty="0"/>
+              <a:t>, but for each new language, if we want to see if it's working in the way we intend, we have to manually write tests.  In the future, we would like to exploit the random test generation features of </a:t>
+            </a:r>
+            <a:r>
+              <a:rPr lang="en-US" sz="2800" dirty="0" err="1"/>
+              <a:t>Redex</a:t>
+            </a:r>
+            <a:r>
+              <a:rPr lang="en-US" sz="2800" dirty="0"/>
+              <a:t> to automate some of this work for us.</a:t>
+            </a:r>
+          </a:p>
+          <a:p>
+            <a:pPr lvl="1"/>
+            <a:r>
+              <a:rPr lang="en-US" sz="2800" dirty="0"/>
+              <a:t>Decoupling </a:t>
+            </a:r>
+            <a:r>
+              <a:rPr lang="en-US" sz="2800" dirty="0" err="1"/>
+              <a:t>lambdaLVar</a:t>
+            </a:r>
+            <a:r>
+              <a:rPr lang="en-US" sz="2800" dirty="0"/>
+              <a:t> from </a:t>
+            </a:r>
+            <a:r>
+              <a:rPr lang="en-US" sz="2800" dirty="0" err="1"/>
+              <a:t>Redex</a:t>
+            </a:r>
+            <a:r>
+              <a:rPr lang="en-US" sz="2800" dirty="0"/>
+              <a:t>: </a:t>
+            </a:r>
+            <a:r>
+              <a:rPr lang="en-US" sz="2800" dirty="0" err="1"/>
+              <a:t>lambdaLVar</a:t>
+            </a:r>
+            <a:r>
+              <a:rPr lang="en-US" sz="2800" dirty="0"/>
+              <a:t> programs can be cumbersome to work with because one has to write them inside the </a:t>
+            </a:r>
+            <a:r>
+              <a:rPr lang="en-US" sz="2800" dirty="0" err="1"/>
+              <a:t>Redex</a:t>
+            </a:r>
+            <a:r>
+              <a:rPr lang="en-US" sz="2800" dirty="0"/>
+              <a:t> framework.  In the future, though, we should be able to decouple </a:t>
+            </a:r>
+            <a:r>
+              <a:rPr lang="en-US" sz="2800" dirty="0" err="1"/>
+              <a:t>lambdaLVar</a:t>
+            </a:r>
+            <a:r>
+              <a:rPr lang="en-US" sz="2800" dirty="0"/>
+              <a:t> programs and write them independently from </a:t>
+            </a:r>
+            <a:r>
+              <a:rPr lang="en-US" sz="2800" dirty="0" err="1"/>
+              <a:t>Redex</a:t>
+            </a:r>
+            <a:r>
+              <a:rPr lang="en-US" sz="2800" dirty="0"/>
+              <a:t>, using Racket's "#</a:t>
+            </a:r>
+            <a:r>
+              <a:rPr lang="en-US" sz="2800" dirty="0" err="1"/>
+              <a:t>lang</a:t>
+            </a:r>
+            <a:r>
+              <a:rPr lang="en-US" sz="2800" dirty="0"/>
+              <a:t>" protocol.  They would still run on the </a:t>
+            </a:r>
+            <a:r>
+              <a:rPr lang="en-US" sz="2800" dirty="0" err="1"/>
+              <a:t>Redex</a:t>
+            </a:r>
+            <a:r>
+              <a:rPr lang="en-US" sz="2800" dirty="0"/>
+              <a:t> infrastructure, but it would be hidden from the user.  Even better, we could add things like syntax highlighting.  Then </a:t>
+            </a:r>
+            <a:r>
+              <a:rPr lang="en-US" sz="2800" dirty="0" err="1"/>
+              <a:t>lambdaLVar</a:t>
+            </a:r>
+            <a:r>
+              <a:rPr lang="en-US" sz="2800" dirty="0"/>
+              <a:t> programs would begin to "feel" more like programs, rather than just pieces of data that </a:t>
+            </a:r>
+            <a:r>
+              <a:rPr lang="en-US" sz="2800" dirty="0" err="1"/>
+              <a:t>Redex</a:t>
+            </a:r>
+            <a:r>
+              <a:rPr lang="en-US" sz="2800" dirty="0"/>
+              <a:t> is manipulating.</a:t>
+            </a:r>
+            <a:br>
+              <a:rPr lang="en-US" sz="2800" dirty="0"/>
+            </a:br>
+            <a:endParaRPr lang="en-US" sz="2800" dirty="0"/>
+          </a:p>
+          <a:p>
+            <a:r>
+              <a:rPr lang="en-US" sz="2800" dirty="0"/>
+              <a:t>Future work on LVars in general:</a:t>
+            </a:r>
+          </a:p>
+          <a:p>
+            <a:pPr lvl="1"/>
+            <a:r>
+              <a:rPr lang="en-US" sz="2800" dirty="0"/>
+              <a:t>There is still much work to be done to figure out effective ways of programming with LVars.  We want LVar libraries to be available for use in languages beyond the special-purpose </a:t>
+            </a:r>
+            <a:r>
+              <a:rPr lang="en-US" sz="2800" dirty="0" err="1"/>
+              <a:t>lambdaLVar</a:t>
+            </a:r>
+            <a:r>
+              <a:rPr lang="en-US" sz="2800" dirty="0"/>
+              <a:t> language, and eventually, we want to build libraries of efficient concurrent data structures on top of LVars.  (Ask Lindsey for more details on the current roadmap for LVars!)</a:t>
+            </a:r>
+          </a:p>
+          <a:p>
+            <a:r>
+              <a:rPr lang="en-US" sz="2800" dirty="0"/>
+              <a:t>Future work on the </a:t>
+            </a:r>
+            <a:r>
+              <a:rPr lang="en-US" sz="2800" dirty="0" err="1"/>
+              <a:t>metatheory</a:t>
+            </a:r>
+            <a:r>
+              <a:rPr lang="en-US" sz="2800" dirty="0"/>
+              <a:t> of LVars:</a:t>
+            </a:r>
+            <a:br>
+              <a:rPr lang="en-US" sz="2800" dirty="0"/>
+            </a:br>
+            <a:endParaRPr lang="en-US" sz="2800" dirty="0"/>
+          </a:p>
+          <a:p>
+            <a:pPr lvl="1"/>
+            <a:r>
+              <a:rPr lang="en-US" sz="2800" dirty="0"/>
+              <a:t>As we work out better ways to program with LVars in general, what we learn will inform the design of the next version of </a:t>
+            </a:r>
+            <a:r>
+              <a:rPr lang="en-US" sz="2800" dirty="0" err="1"/>
+              <a:t>lambdaLVar</a:t>
+            </a:r>
+            <a:r>
+              <a:rPr lang="en-US" sz="2800" dirty="0"/>
+              <a:t>, so we'll need to state and prove a determinism property for that new and improved language.</a:t>
+            </a:r>
           </a:p>
         </p:txBody>
       </p:sp>
@@ -19112,7 +19274,7 @@
         </p:nvSpPr>
         <p:spPr>
           <a:xfrm>
-            <a:off x="29407989" y="11344000"/>
+            <a:off x="29407989" y="8985826"/>
             <a:ext cx="13573126" cy="923322"/>
           </a:xfrm>
           <a:solidFill>
@@ -19146,7 +19308,7 @@
         </p:nvSpPr>
         <p:spPr>
           <a:xfrm>
-            <a:off x="29455390" y="12214133"/>
+            <a:off x="29455390" y="9904085"/>
             <a:ext cx="13571537" cy="7519973"/>
           </a:xfrm>
         </p:spPr>
@@ -19158,18 +19320,18 @@
           <a:p>
             <a:pPr algn="just"/>
             <a:r>
-              <a:rPr lang="en-US" sz="3600" dirty="0" smtClean="0"/>
+              <a:rPr lang="en-US" sz="2800" dirty="0" smtClean="0"/>
               <a:t>We developed our language in Reddex</a:t>
             </a:r>
             <a:r>
-              <a:rPr lang="en-US" sz="3600" dirty="0" smtClean="0"/>
+              <a:rPr lang="en-US" sz="2800" dirty="0" smtClean="0"/>
               <a:t>. Reddex is a programming language used for creating programming languages which is embedded in the racket language. Our development software of choice was Dr. Racket, shown below</a:t>
             </a:r>
             <a:r>
-              <a:rPr lang="en-US" sz="3200" dirty="0" smtClean="0"/>
+              <a:rPr lang="en-US" sz="2400" dirty="0" smtClean="0"/>
               <a:t>.</a:t>
             </a:r>
-            <a:endParaRPr lang="en-US" sz="3200" dirty="0" smtClean="0"/>
+            <a:endParaRPr lang="en-US" sz="2400" dirty="0" smtClean="0"/>
           </a:p>
         </p:txBody>
       </p:sp>
@@ -19196,7 +19358,7 @@
         </p:blipFill>
         <p:spPr bwMode="auto">
           <a:xfrm>
-            <a:off x="30699086" y="14818102"/>
+            <a:off x="30699086" y="11689912"/>
             <a:ext cx="10832554" cy="5822498"/>
           </a:xfrm>
           <a:prstGeom prst="rect">
@@ -19250,7 +19412,7 @@
         </p:blipFill>
         <p:spPr bwMode="auto">
           <a:xfrm>
-            <a:off x="37354164" y="16464717"/>
+            <a:off x="37354164" y="13336527"/>
             <a:ext cx="2942074" cy="2870607"/>
           </a:xfrm>
           <a:prstGeom prst="rect">
@@ -19293,7 +19455,7 @@
         </p:nvSpPr>
         <p:spPr>
           <a:xfrm>
-            <a:off x="915295" y="13351967"/>
+            <a:off x="915295" y="10753163"/>
             <a:ext cx="13579475" cy="754045"/>
           </a:xfrm>
           <a:solidFill>
@@ -19350,7 +19512,7 @@
         </p:blipFill>
         <p:spPr bwMode="auto">
           <a:xfrm>
-            <a:off x="1376112" y="23799217"/>
+            <a:off x="1376112" y="17596022"/>
             <a:ext cx="12744450" cy="6858000"/>
           </a:xfrm>
           <a:prstGeom prst="rect">
@@ -19393,8 +19555,8 @@
         </p:nvSpPr>
         <p:spPr>
           <a:xfrm>
-            <a:off x="15214600" y="13954125"/>
-            <a:ext cx="13571538" cy="7519988"/>
+            <a:off x="15200908" y="6150975"/>
+            <a:ext cx="13571538" cy="3753110"/>
           </a:xfrm>
         </p:spPr>
         <p:txBody>
@@ -19404,12 +19566,9 @@
           <a:lstStyle/>
           <a:p>
             <a:r>
-              <a:rPr lang="en-US" sz="3600" dirty="0" smtClean="0"/>
-              <a:t>This is the part where I talk about determinism in our program based on figure 2.</a:t>
-            </a:r>
-          </a:p>
-          <a:p>
-            <a:endParaRPr lang="en-US" sz="3600" dirty="0"/>
+              <a:rPr lang="en-US" sz="2800" dirty="0" smtClean="0"/>
+              <a:t>This is the part where I talk about determinism in our program based on figure 2</a:t>
+            </a:r>
           </a:p>
         </p:txBody>
       </p:sp>
@@ -19426,7 +19585,7 @@
         <p:spPr>
           <a:xfrm>
             <a:off x="29409578" y="6265790"/>
-            <a:ext cx="13571537" cy="7519973"/>
+            <a:ext cx="13571537" cy="2685705"/>
           </a:xfrm>
         </p:spPr>
         <p:txBody>
@@ -19437,13 +19596,27 @@
           <a:p>
             <a:pPr algn="just"/>
             <a:r>
-              <a:rPr lang="en-US" sz="3600" dirty="0" smtClean="0"/>
-              <a:t>Figure 3 shows two different parallel program flow charts. The one on the left will always be deterministic since </a:t>
-            </a:r>
-            <a:r>
-              <a:rPr lang="en-US" sz="3600" dirty="0" smtClean="0"/>
-              <a:t>the puts and gets are done separately. The one on the right though will be nondeterministic since the put and get are evaluated in parallel. Even though the program seemingly operates simultaneously, it actually does the operations separately in a random order depending on what the system decides to do first. This could cause problems if the system decides to operate the get before the put. </a:t>
-            </a:r>
+              <a:rPr lang="en-US" sz="2800" dirty="0"/>
+              <a:t>For some lattices, the least upper bound operation was a simple built-in function like taking the maximum of two numbers; for other lattices it was more sophisticated and required us to write our own function.</a:t>
+            </a:r>
+          </a:p>
+          <a:p>
+            <a:pPr algn="just"/>
+            <a:r>
+              <a:rPr lang="en-US" sz="2800" dirty="0"/>
+              <a:t>We instantiated </a:t>
+            </a:r>
+            <a:r>
+              <a:rPr lang="en-US" sz="2800" dirty="0" err="1"/>
+              <a:t>lambdaLVar</a:t>
+            </a:r>
+            <a:r>
+              <a:rPr lang="en-US" sz="2800" dirty="0"/>
+              <a:t> in a variety of ways, and for each instantiation, we created test suites to check if the programs we wrote were working the way we intended.</a:t>
+            </a:r>
+          </a:p>
+          <a:p>
+            <a:pPr algn="just"/>
             <a:endParaRPr lang="en-US" sz="3600" dirty="0" smtClean="0"/>
           </a:p>
         </p:txBody>
@@ -19456,7 +19629,7 @@
         </p:nvSpPr>
         <p:spPr>
           <a:xfrm>
-            <a:off x="26384196" y="19534051"/>
+            <a:off x="26384196" y="21459091"/>
             <a:ext cx="1019638" cy="400110"/>
           </a:xfrm>
           <a:prstGeom prst="rect">
@@ -19491,7 +19664,7 @@
         </p:nvSpPr>
         <p:spPr>
           <a:xfrm>
-            <a:off x="27403834" y="6920133"/>
+            <a:off x="12725308" y="31272049"/>
             <a:ext cx="1019638" cy="400110"/>
           </a:xfrm>
           <a:prstGeom prst="rect">
@@ -19515,6 +19688,250 @@
               <a:t>Figure 2</a:t>
             </a:r>
             <a:endParaRPr lang="en-US" sz="2000" dirty="0"/>
+          </a:p>
+        </p:txBody>
+      </p:sp>
+      <p:sp>
+        <p:nvSpPr>
+          <p:cNvPr id="84" name="Text Placeholder 386"/>
+          <p:cNvSpPr>
+            <a:spLocks noGrp="1"/>
+          </p:cNvSpPr>
+          <p:nvPr>
+            <p:ph type="body" sz="quarter" idx="24"/>
+          </p:nvPr>
+        </p:nvSpPr>
+        <p:spPr>
+          <a:xfrm>
+            <a:off x="15214600" y="5396930"/>
+            <a:ext cx="13579475" cy="754045"/>
+          </a:xfrm>
+          <a:solidFill>
+            <a:schemeClr val="tx2">
+              <a:lumMod val="60000"/>
+              <a:lumOff val="40000"/>
+            </a:schemeClr>
+          </a:solidFill>
+        </p:spPr>
+        <p:txBody>
+          <a:bodyPr>
+            <a:noAutofit/>
+          </a:bodyPr>
+          <a:lstStyle/>
+          <a:p>
+            <a:r>
+              <a:rPr lang="en-US" sz="4800" dirty="0">
+                <a:latin typeface="Times New Roman" pitchFamily="18" charset="0"/>
+                <a:cs typeface="Times New Roman" pitchFamily="18" charset="0"/>
+              </a:rPr>
+              <a:t>Determinism for </a:t>
+            </a:r>
+            <a:r>
+              <a:rPr lang="el-GR" sz="4800" dirty="0">
+                <a:latin typeface="Times New Roman" pitchFamily="18" charset="0"/>
+                <a:cs typeface="Times New Roman" pitchFamily="18" charset="0"/>
+              </a:rPr>
+              <a:t>λ</a:t>
+            </a:r>
+            <a:r>
+              <a:rPr lang="en-US" sz="4800" dirty="0">
+                <a:latin typeface="Times New Roman" pitchFamily="18" charset="0"/>
+                <a:cs typeface="Times New Roman" pitchFamily="18" charset="0"/>
+              </a:rPr>
+              <a:t> LVar</a:t>
+            </a:r>
+            <a:endParaRPr lang="en-US" sz="4800" dirty="0">
+              <a:latin typeface="Times New Roman" pitchFamily="18" charset="0"/>
+              <a:cs typeface="Times New Roman" pitchFamily="18" charset="0"/>
+            </a:endParaRPr>
+          </a:p>
+        </p:txBody>
+      </p:sp>
+      <p:sp>
+        <p:nvSpPr>
+          <p:cNvPr id="85" name="Text Placeholder 385"/>
+          <p:cNvSpPr>
+            <a:spLocks noGrp="1"/>
+          </p:cNvSpPr>
+          <p:nvPr>
+            <p:ph type="body" sz="quarter" idx="23"/>
+          </p:nvPr>
+        </p:nvSpPr>
+        <p:spPr>
+          <a:xfrm>
+            <a:off x="15222538" y="22298886"/>
+            <a:ext cx="13571537" cy="3111800"/>
+          </a:xfrm>
+        </p:spPr>
+        <p:txBody>
+          <a:bodyPr>
+            <a:noAutofit/>
+          </a:bodyPr>
+          <a:lstStyle/>
+          <a:p>
+            <a:pPr algn="just"/>
+            <a:r>
+              <a:rPr lang="en-US" sz="2800" dirty="0" smtClean="0"/>
+              <a:t>Figure 3 shows two different parallel program flow charts. The one on the left will always be deterministic since </a:t>
+            </a:r>
+            <a:r>
+              <a:rPr lang="en-US" sz="2800" dirty="0" smtClean="0"/>
+              <a:t>the puts and gets are done separately. The one on the right though will be nondeterministic since the put and get are evaluated in parallel. Even though the program seemingly operates simultaneously, it actually does the operations separately in a random order depending on what the system decides to do first. This could cause problems if the system decides to operate the get before the put. </a:t>
+            </a:r>
+            <a:endParaRPr lang="en-US" sz="2800" dirty="0" smtClean="0"/>
+          </a:p>
+        </p:txBody>
+      </p:sp>
+      <p:sp>
+        <p:nvSpPr>
+          <p:cNvPr id="86" name="Text Placeholder 553"/>
+          <p:cNvSpPr>
+            <a:spLocks noGrp="1"/>
+          </p:cNvSpPr>
+          <p:nvPr>
+            <p:ph type="body" sz="quarter" idx="25"/>
+          </p:nvPr>
+        </p:nvSpPr>
+        <p:spPr>
+          <a:xfrm>
+            <a:off x="15200908" y="25466747"/>
+            <a:ext cx="13576029" cy="923322"/>
+          </a:xfrm>
+          <a:solidFill>
+            <a:schemeClr val="tx2">
+              <a:lumMod val="60000"/>
+              <a:lumOff val="40000"/>
+            </a:schemeClr>
+          </a:solidFill>
+        </p:spPr>
+        <p:txBody>
+          <a:bodyPr/>
+          <a:lstStyle/>
+          <a:p>
+            <a:r>
+              <a:rPr lang="en-US" sz="4800" dirty="0" smtClean="0">
+                <a:latin typeface="Times New Roman" pitchFamily="18" charset="0"/>
+                <a:cs typeface="Times New Roman" pitchFamily="18" charset="0"/>
+              </a:rPr>
+              <a:t>Summary</a:t>
+            </a:r>
+            <a:endParaRPr lang="en-US" sz="4800" dirty="0">
+              <a:latin typeface="Times New Roman" pitchFamily="18" charset="0"/>
+              <a:cs typeface="Times New Roman" pitchFamily="18" charset="0"/>
+            </a:endParaRPr>
+          </a:p>
+        </p:txBody>
+      </p:sp>
+      <p:sp>
+        <p:nvSpPr>
+          <p:cNvPr id="87" name="Text Placeholder 385"/>
+          <p:cNvSpPr>
+            <a:spLocks noGrp="1"/>
+          </p:cNvSpPr>
+          <p:nvPr>
+            <p:ph type="body" sz="quarter" idx="23"/>
+          </p:nvPr>
+        </p:nvSpPr>
+        <p:spPr>
+          <a:xfrm>
+            <a:off x="15140908" y="26390069"/>
+            <a:ext cx="13571537" cy="5792607"/>
+          </a:xfrm>
+        </p:spPr>
+        <p:txBody>
+          <a:bodyPr>
+            <a:noAutofit/>
+          </a:bodyPr>
+          <a:lstStyle/>
+          <a:p>
+            <a:pPr algn="just"/>
+            <a:r>
+              <a:rPr lang="en-US" sz="2800" dirty="0"/>
+              <a:t>In this project, we worked on extending </a:t>
+            </a:r>
+            <a:r>
+              <a:rPr lang="en-US" sz="2800" dirty="0" err="1"/>
+              <a:t>lambdaLVar</a:t>
+            </a:r>
+            <a:r>
+              <a:rPr lang="en-US" sz="2800" dirty="0"/>
+              <a:t>, a small programming language that uses LVars.  Because </a:t>
+            </a:r>
+            <a:r>
+              <a:rPr lang="en-US" sz="2800" dirty="0" err="1"/>
+              <a:t>lambdaLVar</a:t>
+            </a:r>
+            <a:r>
+              <a:rPr lang="en-US" sz="2800" dirty="0"/>
+              <a:t> is based on a lattice that is specified by the language user, </a:t>
+            </a:r>
+            <a:r>
+              <a:rPr lang="en-US" sz="2800" dirty="0" err="1"/>
+              <a:t>lambdaLVar</a:t>
+            </a:r>
+            <a:r>
+              <a:rPr lang="en-US" sz="2800" dirty="0"/>
+              <a:t> is actually not just one language, but a family of languages: instantiate </a:t>
+            </a:r>
+            <a:r>
+              <a:rPr lang="en-US" sz="2800" dirty="0" err="1"/>
+              <a:t>lambdaLVar</a:t>
+            </a:r>
+            <a:r>
+              <a:rPr lang="en-US" sz="2800" dirty="0"/>
+              <a:t> with one lattice and you get one deterministic parallel language; with another lattice, and you get </a:t>
+            </a:r>
+            <a:r>
+              <a:rPr lang="en-US" sz="2800" dirty="0" smtClean="0"/>
+              <a:t>another.</a:t>
+            </a:r>
+          </a:p>
+          <a:p>
+            <a:pPr algn="just"/>
+            <a:r>
+              <a:rPr lang="en-US" sz="2800" dirty="0" smtClean="0"/>
+              <a:t>In </a:t>
+            </a:r>
+            <a:r>
+              <a:rPr lang="en-US" sz="2800" dirty="0"/>
+              <a:t>this project we looked at some ways to instantiate </a:t>
+            </a:r>
+            <a:r>
+              <a:rPr lang="en-US" sz="2800" dirty="0" err="1"/>
+              <a:t>lambdaLVar</a:t>
+            </a:r>
+            <a:r>
+              <a:rPr lang="en-US" sz="2800" dirty="0"/>
+              <a:t> with new lattices.  We found that to instantiate </a:t>
+            </a:r>
+            <a:r>
+              <a:rPr lang="en-US" sz="2800" dirty="0" err="1"/>
+              <a:t>lambdaLVar</a:t>
+            </a:r>
+            <a:r>
+              <a:rPr lang="en-US" sz="2800" dirty="0"/>
+              <a:t> with a lattice, one has to specify a "least upper bound" (</a:t>
+            </a:r>
+            <a:r>
+              <a:rPr lang="en-US" sz="2800" dirty="0" err="1"/>
+              <a:t>lub</a:t>
+            </a:r>
+            <a:r>
+              <a:rPr lang="en-US" sz="2800" dirty="0"/>
+              <a:t>) operation that specifies how two lattice elements should be combined together.  This </a:t>
+            </a:r>
+            <a:r>
+              <a:rPr lang="en-US" sz="2800" dirty="0" err="1"/>
+              <a:t>lub</a:t>
+            </a:r>
+            <a:r>
+              <a:rPr lang="en-US" sz="2800" dirty="0"/>
+              <a:t> operation corresponds to how, when two threads write to a variable, the writes done by the two threads are merged together after the two threads finish </a:t>
+            </a:r>
+            <a:r>
+              <a:rPr lang="en-US" sz="2800" dirty="0" smtClean="0"/>
+              <a:t>running.</a:t>
+            </a:r>
           </a:p>
         </p:txBody>
       </p:sp>

--- a/poster/Parallel Programming Poster.pptx
+++ b/poster/Parallel Programming Poster.pptx
@@ -17348,7 +17348,7 @@
         <p:spPr>
           <a:xfrm>
             <a:off x="904186" y="6295353"/>
-            <a:ext cx="13591277" cy="4339627"/>
+            <a:ext cx="13591277" cy="12095597"/>
           </a:xfrm>
         </p:spPr>
         <p:txBody>
@@ -17390,20 +17390,127 @@
             </a:r>
             <a:r>
               <a:rPr lang="en-US" sz="2800" dirty="0" smtClean="0"/>
-              <a:t>operate faster. Parallel programming without state isn’t that difficult. When you add state to the equation though, it begins to get more challenging. This begins to cause the program to become nondeterministic depending on the order of the parallel computations. </a:t>
+              <a:t>operate faster. One of the most challenging parts of parallel programming is dealing with shared state between computations. A program could behave differently on different runs, depending on the ordering of state-changing operations. This is called nondeterminism. </a:t>
             </a:r>
             <a:r>
               <a:rPr lang="en-US" sz="2800" dirty="0" smtClean="0"/>
-              <a:t>A </a:t>
+              <a:t> Our goal is to create a language that will allow a program to run various operations in parallel while still remaining deterministic. </a:t>
+            </a:r>
+          </a:p>
+          <a:p>
+            <a:pPr algn="just"/>
+            <a:r>
+              <a:rPr lang="en-US" sz="2800" dirty="0" smtClean="0"/>
+              <a:t>In </a:t>
             </a:r>
             <a:r>
               <a:rPr lang="en-US" sz="2800" dirty="0"/>
-              <a:t>n</a:t>
+              <a:t>this project, we worked on extending </a:t>
+            </a:r>
+            <a:r>
+              <a:rPr lang="en-US" sz="2800" dirty="0" err="1"/>
+              <a:t>lambdaLVar</a:t>
+            </a:r>
+            <a:r>
+              <a:rPr lang="en-US" sz="2800" dirty="0"/>
+              <a:t>, a small programming language that uses LVars. An LVar </a:t>
             </a:r>
             <a:r>
               <a:rPr lang="en-US" sz="2800" dirty="0" smtClean="0"/>
-              <a:t>ondeterministic program could have different solutions dependent on the  order which statements are called. Our goal is to create a language that will allow a program to run various operations in parallel while still remaining deterministic. </a:t>
-            </a:r>
+              <a:t>is a variable </a:t>
+            </a:r>
+            <a:r>
+              <a:rPr lang="en-US" sz="2800" dirty="0"/>
+              <a:t>that can take on various states that form a lattice. Figure 1 shows some examples of typical LVars.  Because </a:t>
+            </a:r>
+            <a:r>
+              <a:rPr lang="en-US" sz="2800" dirty="0" err="1"/>
+              <a:t>lambdaLVar</a:t>
+            </a:r>
+            <a:r>
+              <a:rPr lang="en-US" sz="2800" dirty="0"/>
+              <a:t> is based on a lattice that is specified by the language user, </a:t>
+            </a:r>
+            <a:r>
+              <a:rPr lang="en-US" sz="2800" dirty="0" err="1"/>
+              <a:t>lambdaLVar</a:t>
+            </a:r>
+            <a:r>
+              <a:rPr lang="en-US" sz="2800" dirty="0"/>
+              <a:t> is actually not just one language, but a family of languages: instantiate </a:t>
+            </a:r>
+            <a:r>
+              <a:rPr lang="en-US" sz="2800" dirty="0" err="1"/>
+              <a:t>lambdaLVar</a:t>
+            </a:r>
+            <a:r>
+              <a:rPr lang="en-US" sz="2800" dirty="0"/>
+              <a:t> with one lattice and you get one deterministic parallel language; with another lattice, and you get another.</a:t>
+            </a:r>
+          </a:p>
+          <a:p>
+            <a:pPr algn="just"/>
+            <a:r>
+              <a:rPr lang="en-US" sz="2800" dirty="0"/>
+              <a:t>In this project we looked at some ways to instantiate </a:t>
+            </a:r>
+            <a:r>
+              <a:rPr lang="en-US" sz="2800" dirty="0" err="1"/>
+              <a:t>lambdaLVar</a:t>
+            </a:r>
+            <a:r>
+              <a:rPr lang="en-US" sz="2800" dirty="0"/>
+              <a:t> with new lattices.  We found that to instantiate </a:t>
+            </a:r>
+            <a:r>
+              <a:rPr lang="en-US" sz="2800" dirty="0" err="1"/>
+              <a:t>lambdaLVar</a:t>
+            </a:r>
+            <a:r>
+              <a:rPr lang="en-US" sz="2800" dirty="0"/>
+              <a:t> with a lattice, one has to specify a "least upper bound" (</a:t>
+            </a:r>
+            <a:r>
+              <a:rPr lang="en-US" sz="2800" dirty="0" err="1"/>
+              <a:t>lub</a:t>
+            </a:r>
+            <a:r>
+              <a:rPr lang="en-US" sz="2800" dirty="0"/>
+              <a:t>) operation that specifies how two lattice elements should be combined together.  This </a:t>
+            </a:r>
+            <a:r>
+              <a:rPr lang="en-US" sz="2800" dirty="0" err="1"/>
+              <a:t>lub</a:t>
+            </a:r>
+            <a:r>
+              <a:rPr lang="en-US" sz="2800" dirty="0"/>
+              <a:t> operation corresponds to how, when two threads write to a variable, the writes done by the two threads are merged together after the two threads finish running.</a:t>
+            </a:r>
+          </a:p>
+          <a:p>
+            <a:pPr algn="just"/>
+            <a:r>
+              <a:rPr lang="en-US" sz="2800" dirty="0"/>
+              <a:t>For some lattices, the least upper bound operation was a simple built-in function like taking the maximum of two numbers; for other lattices it was more sophisticated and required us to write our own function.</a:t>
+            </a:r>
+          </a:p>
+          <a:p>
+            <a:pPr algn="just"/>
+            <a:r>
+              <a:rPr lang="en-US" sz="2800" dirty="0"/>
+              <a:t>We instantiated </a:t>
+            </a:r>
+            <a:r>
+              <a:rPr lang="en-US" sz="2800" dirty="0" err="1"/>
+              <a:t>lambdaLVar</a:t>
+            </a:r>
+            <a:r>
+              <a:rPr lang="en-US" sz="2800" dirty="0"/>
+              <a:t> in a variety of ways, and for each instantiation, we created test suites to check if the programs we wrote were working the way we intended.</a:t>
+            </a:r>
+          </a:p>
+          <a:p>
+            <a:pPr algn="just"/>
             <a:endParaRPr lang="en-US" sz="2800" dirty="0"/>
           </a:p>
         </p:txBody>
@@ -17663,7 +17770,7 @@
         </p:nvSpPr>
         <p:spPr>
           <a:xfrm>
-            <a:off x="896245" y="11523262"/>
+            <a:off x="961769" y="25732617"/>
             <a:ext cx="13571534" cy="6235531"/>
           </a:xfrm>
         </p:spPr>
@@ -17674,11 +17781,23 @@
             <a:pPr algn="just"/>
             <a:r>
               <a:rPr lang="en-US" sz="2800" dirty="0" smtClean="0"/>
-              <a:t>Before I began working on this project, there was already an implementation of the counter lvar, </a:t>
+              <a:t>Before </a:t>
             </a:r>
             <a:r>
               <a:rPr lang="en-US" sz="2800" dirty="0" smtClean="0"/>
-              <a:t>figure 1c. The counter lvar keeps track of the max value that has been entered. If the user were to put in values x and y into the lvar, it would keep track of max( x, y ). If the user were to then use the get function on any value that is less than or equal to max( x, y ), it would return true. If they were to call get with a value greater than max( x, y), it would return false.</a:t>
+              <a:t>I began working on this project, there was already an implementation of the counter </a:t>
+            </a:r>
+            <a:r>
+              <a:rPr lang="en-US" sz="2800" dirty="0" smtClean="0"/>
+              <a:t>LVar, figure 1c. The counter LVar keeps track of the max value that has been entered. If the user were to put in values x and y into the LVar, it would keep track of max( x, y ). If the user were to then use the get function on any value that is less than or equal to max( x, y ), it would return true. If they were to call get with a value greater than max( x, y), </a:t>
+            </a:r>
+            <a:r>
+              <a:rPr lang="en-US" sz="2800" dirty="0" smtClean="0"/>
+              <a:t>the call would block the program until the value you asked for is reached</a:t>
+            </a:r>
+            <a:r>
+              <a:rPr lang="en-US" sz="2800" dirty="0" smtClean="0"/>
+              <a:t>.</a:t>
             </a:r>
             <a:endParaRPr lang="en-US" sz="2800" dirty="0" smtClean="0"/>
           </a:p>
@@ -17694,7 +17813,7 @@
             </a:r>
             <a:r>
               <a:rPr lang="en-US" sz="2800" dirty="0" smtClean="0"/>
-              <a:t>lvar, figure 1b, </a:t>
+              <a:t>LVar, figure 1b, </a:t>
             </a:r>
             <a:r>
               <a:rPr lang="en-US" sz="2800" dirty="0" smtClean="0"/>
@@ -17706,9 +17825,8 @@
             </a:r>
             <a:r>
               <a:rPr lang="en-US" sz="2800" dirty="0" smtClean="0"/>
-              <a:t>This lvar only allows for one value in each index. The order in which the program puts in the values isn’t important. This lvar will also allow for inputting both values in parallel. Once it has both values assigned, if the program would attempt to put another value it, the lvar would reach top which would throw an error. Being able to implement this lvar is on way of solving our problem of keeping a parallel program deterministic. </a:t>
-            </a:r>
-            <a:endParaRPr lang="en-US" sz="2800" dirty="0"/>
+              <a:t>This LVar only allows for one value in each index. The order in which the program puts in the values isn’t important. This LVar will also allow for inputting both values in parallel. Once it has both values assigned, if the program would attempt to put another value it, the LVar would reach top which would throw an error. Being able to implement this LVar is on way of solving our problem of keeping a parallel program deterministic. </a:t>
+            </a:r>
           </a:p>
         </p:txBody>
       </p:sp>
@@ -17724,7 +17842,7 @@
         </p:nvSpPr>
         <p:spPr>
           <a:xfrm>
-            <a:off x="888304" y="24486600"/>
+            <a:off x="15192971" y="7928868"/>
             <a:ext cx="13579475" cy="754045"/>
           </a:xfrm>
           <a:solidFill>
@@ -18795,39 +18913,385 @@
           </a:extLst>
         </p:spPr>
       </p:pic>
+      <p:sp>
+        <p:nvSpPr>
+          <p:cNvPr id="71" name="Text Placeholder 2"/>
+          <p:cNvSpPr>
+            <a:spLocks noGrp="1"/>
+          </p:cNvSpPr>
+          <p:nvPr>
+            <p:ph type="body" sz="quarter" idx="11"/>
+          </p:nvPr>
+        </p:nvSpPr>
+        <p:spPr>
+          <a:xfrm>
+            <a:off x="29455390" y="17810478"/>
+            <a:ext cx="13573126" cy="923322"/>
+          </a:xfrm>
+          <a:solidFill>
+            <a:schemeClr val="tx2">
+              <a:lumMod val="60000"/>
+              <a:lumOff val="40000"/>
+            </a:schemeClr>
+          </a:solidFill>
+        </p:spPr>
+        <p:txBody>
+          <a:bodyPr/>
+          <a:lstStyle/>
+          <a:p>
+            <a:r>
+              <a:rPr lang="en-US" sz="4800" dirty="0" smtClean="0"/>
+              <a:t>Future Work</a:t>
+            </a:r>
+            <a:endParaRPr lang="en-US" sz="4800" dirty="0"/>
+          </a:p>
+        </p:txBody>
+      </p:sp>
+      <p:sp>
+        <p:nvSpPr>
+          <p:cNvPr id="73" name="Text Placeholder 385"/>
+          <p:cNvSpPr>
+            <a:spLocks noGrp="1"/>
+          </p:cNvSpPr>
+          <p:nvPr>
+            <p:ph type="body" sz="quarter" idx="23"/>
+          </p:nvPr>
+        </p:nvSpPr>
+        <p:spPr>
+          <a:xfrm>
+            <a:off x="29395741" y="18706461"/>
+            <a:ext cx="13571537" cy="860425"/>
+          </a:xfrm>
+        </p:spPr>
+        <p:txBody>
+          <a:bodyPr>
+            <a:noAutofit/>
+          </a:bodyPr>
+          <a:lstStyle/>
+          <a:p>
+            <a:r>
+              <a:rPr lang="en-US" sz="2800" dirty="0"/>
+              <a:t>Future work on </a:t>
+            </a:r>
+            <a:r>
+              <a:rPr lang="en-US" sz="2800" dirty="0" err="1"/>
+              <a:t>lambdaLVar</a:t>
+            </a:r>
+            <a:r>
+              <a:rPr lang="en-US" sz="2800" dirty="0"/>
+              <a:t>: </a:t>
+            </a:r>
+          </a:p>
+          <a:p>
+            <a:pPr lvl="1"/>
+            <a:r>
+              <a:rPr lang="en-US" sz="2800" dirty="0"/>
+              <a:t>Automatic test generation: The flexibility of </a:t>
+            </a:r>
+            <a:r>
+              <a:rPr lang="en-US" sz="2800" dirty="0" err="1"/>
+              <a:t>lambdaLVar</a:t>
+            </a:r>
+            <a:r>
+              <a:rPr lang="en-US" sz="2800" dirty="0"/>
+              <a:t> means that there is always more work to do: we can create new languages with </a:t>
+            </a:r>
+            <a:r>
+              <a:rPr lang="en-US" sz="2800" dirty="0" err="1"/>
+              <a:t>lambdaLVar</a:t>
+            </a:r>
+            <a:r>
+              <a:rPr lang="en-US" sz="2800" dirty="0"/>
+              <a:t>, but for each new language, if we want to see if it's working in the way we intend, we have to manually write tests.  In the future, we would like to exploit the random test generation features of </a:t>
+            </a:r>
+            <a:r>
+              <a:rPr lang="en-US" sz="2800" dirty="0" err="1"/>
+              <a:t>Redex</a:t>
+            </a:r>
+            <a:r>
+              <a:rPr lang="en-US" sz="2800" dirty="0"/>
+              <a:t> to automate some of this work for us.</a:t>
+            </a:r>
+          </a:p>
+          <a:p>
+            <a:pPr lvl="1"/>
+            <a:r>
+              <a:rPr lang="en-US" sz="2800" dirty="0"/>
+              <a:t>Decoupling </a:t>
+            </a:r>
+            <a:r>
+              <a:rPr lang="en-US" sz="2800" dirty="0" err="1"/>
+              <a:t>lambdaLVar</a:t>
+            </a:r>
+            <a:r>
+              <a:rPr lang="en-US" sz="2800" dirty="0"/>
+              <a:t> from </a:t>
+            </a:r>
+            <a:r>
+              <a:rPr lang="en-US" sz="2800" dirty="0" err="1"/>
+              <a:t>Redex</a:t>
+            </a:r>
+            <a:r>
+              <a:rPr lang="en-US" sz="2800" dirty="0"/>
+              <a:t>: </a:t>
+            </a:r>
+            <a:r>
+              <a:rPr lang="en-US" sz="2800" dirty="0" err="1"/>
+              <a:t>lambdaLVar</a:t>
+            </a:r>
+            <a:r>
+              <a:rPr lang="en-US" sz="2800" dirty="0"/>
+              <a:t> programs can be cumbersome to work with because one has to write them inside the </a:t>
+            </a:r>
+            <a:r>
+              <a:rPr lang="en-US" sz="2800" dirty="0" err="1"/>
+              <a:t>Redex</a:t>
+            </a:r>
+            <a:r>
+              <a:rPr lang="en-US" sz="2800" dirty="0"/>
+              <a:t> framework.  In the future, though, we should be able to decouple </a:t>
+            </a:r>
+            <a:r>
+              <a:rPr lang="en-US" sz="2800" dirty="0" err="1"/>
+              <a:t>lambdaLVar</a:t>
+            </a:r>
+            <a:r>
+              <a:rPr lang="en-US" sz="2800" dirty="0"/>
+              <a:t> programs and write them independently from </a:t>
+            </a:r>
+            <a:r>
+              <a:rPr lang="en-US" sz="2800" dirty="0" err="1"/>
+              <a:t>Redex</a:t>
+            </a:r>
+            <a:r>
+              <a:rPr lang="en-US" sz="2800" dirty="0"/>
+              <a:t>, using Racket's "#</a:t>
+            </a:r>
+            <a:r>
+              <a:rPr lang="en-US" sz="2800" dirty="0" err="1"/>
+              <a:t>lang</a:t>
+            </a:r>
+            <a:r>
+              <a:rPr lang="en-US" sz="2800" dirty="0"/>
+              <a:t>" protocol.  They would still run on the </a:t>
+            </a:r>
+            <a:r>
+              <a:rPr lang="en-US" sz="2800" dirty="0" err="1"/>
+              <a:t>Redex</a:t>
+            </a:r>
+            <a:r>
+              <a:rPr lang="en-US" sz="2800" dirty="0"/>
+              <a:t> infrastructure, but it would be hidden from the user.  Even better, we could add things like syntax highlighting.  Then </a:t>
+            </a:r>
+            <a:r>
+              <a:rPr lang="en-US" sz="2800" dirty="0" err="1"/>
+              <a:t>lambdaLVar</a:t>
+            </a:r>
+            <a:r>
+              <a:rPr lang="en-US" sz="2800" dirty="0"/>
+              <a:t> programs would begin to "feel" more like programs, rather than just pieces of data that </a:t>
+            </a:r>
+            <a:r>
+              <a:rPr lang="en-US" sz="2800" dirty="0" err="1"/>
+              <a:t>Redex</a:t>
+            </a:r>
+            <a:r>
+              <a:rPr lang="en-US" sz="2800" dirty="0"/>
+              <a:t> is manipulating.</a:t>
+            </a:r>
+            <a:br>
+              <a:rPr lang="en-US" sz="2800" dirty="0"/>
+            </a:br>
+            <a:endParaRPr lang="en-US" sz="2800" dirty="0"/>
+          </a:p>
+          <a:p>
+            <a:r>
+              <a:rPr lang="en-US" sz="2800" dirty="0"/>
+              <a:t>Future work on LVars in general:</a:t>
+            </a:r>
+          </a:p>
+          <a:p>
+            <a:pPr lvl="1"/>
+            <a:r>
+              <a:rPr lang="en-US" sz="2800" dirty="0"/>
+              <a:t>There is still much work to be done to figure out effective ways of programming with LVars.  We want LVar libraries to be available for use in languages beyond the special-purpose </a:t>
+            </a:r>
+            <a:r>
+              <a:rPr lang="en-US" sz="2800" dirty="0" err="1"/>
+              <a:t>lambdaLVar</a:t>
+            </a:r>
+            <a:r>
+              <a:rPr lang="en-US" sz="2800" dirty="0"/>
+              <a:t> language, and eventually, we want to build libraries of efficient concurrent data structures on top of LVars.  (Ask Lindsey for more details on the current roadmap for LVars!)</a:t>
+            </a:r>
+          </a:p>
+          <a:p>
+            <a:r>
+              <a:rPr lang="en-US" sz="2800" dirty="0"/>
+              <a:t>Future work on the </a:t>
+            </a:r>
+            <a:r>
+              <a:rPr lang="en-US" sz="2800" dirty="0" err="1"/>
+              <a:t>metatheory</a:t>
+            </a:r>
+            <a:r>
+              <a:rPr lang="en-US" sz="2800" dirty="0"/>
+              <a:t> of LVars:</a:t>
+            </a:r>
+            <a:br>
+              <a:rPr lang="en-US" sz="2800" dirty="0"/>
+            </a:br>
+            <a:endParaRPr lang="en-US" sz="2800" dirty="0"/>
+          </a:p>
+          <a:p>
+            <a:pPr lvl="1"/>
+            <a:r>
+              <a:rPr lang="en-US" sz="2800" dirty="0"/>
+              <a:t>As we work out better ways to program with LVars in general, what we learn will inform the design of the next version of </a:t>
+            </a:r>
+            <a:r>
+              <a:rPr lang="en-US" sz="2800" dirty="0" err="1"/>
+              <a:t>lambdaLVar</a:t>
+            </a:r>
+            <a:r>
+              <a:rPr lang="en-US" sz="2800" dirty="0"/>
+              <a:t>, so we'll need to state and prove a determinism property for that new and improved language.</a:t>
+            </a:r>
+          </a:p>
+        </p:txBody>
+      </p:sp>
+      <p:sp>
+        <p:nvSpPr>
+          <p:cNvPr id="74" name="Text Placeholder 2"/>
+          <p:cNvSpPr>
+            <a:spLocks noGrp="1"/>
+          </p:cNvSpPr>
+          <p:nvPr>
+            <p:ph type="body" sz="quarter" idx="11"/>
+          </p:nvPr>
+        </p:nvSpPr>
+        <p:spPr>
+          <a:xfrm>
+            <a:off x="29407393" y="28838948"/>
+            <a:ext cx="13573126" cy="923322"/>
+          </a:xfrm>
+          <a:solidFill>
+            <a:schemeClr val="tx2">
+              <a:lumMod val="60000"/>
+              <a:lumOff val="40000"/>
+            </a:schemeClr>
+          </a:solidFill>
+        </p:spPr>
+        <p:txBody>
+          <a:bodyPr/>
+          <a:lstStyle/>
+          <a:p>
+            <a:r>
+              <a:rPr lang="en-US" sz="4800" dirty="0" smtClean="0"/>
+              <a:t>Contacts</a:t>
+            </a:r>
+            <a:endParaRPr lang="en-US" sz="4800" dirty="0"/>
+          </a:p>
+        </p:txBody>
+      </p:sp>
+      <p:sp>
+        <p:nvSpPr>
+          <p:cNvPr id="76" name="Text Placeholder 2"/>
+          <p:cNvSpPr>
+            <a:spLocks noGrp="1"/>
+          </p:cNvSpPr>
+          <p:nvPr>
+            <p:ph type="body" sz="quarter" idx="11"/>
+          </p:nvPr>
+        </p:nvSpPr>
+        <p:spPr>
+          <a:xfrm>
+            <a:off x="29407989" y="8985826"/>
+            <a:ext cx="13573126" cy="923322"/>
+          </a:xfrm>
+          <a:solidFill>
+            <a:schemeClr val="tx2">
+              <a:lumMod val="60000"/>
+              <a:lumOff val="40000"/>
+            </a:schemeClr>
+          </a:solidFill>
+        </p:spPr>
+        <p:txBody>
+          <a:bodyPr/>
+          <a:lstStyle/>
+          <a:p>
+            <a:r>
+              <a:rPr lang="en-US" sz="4800" dirty="0" smtClean="0"/>
+              <a:t>Tools Used</a:t>
+            </a:r>
+            <a:endParaRPr lang="en-US" sz="4800" dirty="0"/>
+          </a:p>
+        </p:txBody>
+      </p:sp>
+      <p:sp>
+        <p:nvSpPr>
+          <p:cNvPr id="77" name="Text Placeholder 385"/>
+          <p:cNvSpPr>
+            <a:spLocks noGrp="1"/>
+          </p:cNvSpPr>
+          <p:nvPr>
+            <p:ph type="body" sz="quarter" idx="23"/>
+          </p:nvPr>
+        </p:nvSpPr>
+        <p:spPr>
+          <a:xfrm>
+            <a:off x="29455390" y="9904085"/>
+            <a:ext cx="13571537" cy="7519973"/>
+          </a:xfrm>
+        </p:spPr>
+        <p:txBody>
+          <a:bodyPr>
+            <a:noAutofit/>
+          </a:bodyPr>
+          <a:lstStyle/>
+          <a:p>
+            <a:pPr algn="just"/>
+            <a:r>
+              <a:rPr lang="en-US" sz="2800" dirty="0" smtClean="0"/>
+              <a:t>We developed our language in Reddex</a:t>
+            </a:r>
+            <a:r>
+              <a:rPr lang="en-US" sz="2800" dirty="0" smtClean="0"/>
+              <a:t>. Reddex is a programming language used for creating programming languages which is embedded in the racket language. Our development software of choice was Dr. Racket, shown below</a:t>
+            </a:r>
+            <a:r>
+              <a:rPr lang="en-US" sz="2400" dirty="0" smtClean="0"/>
+              <a:t>.</a:t>
+            </a:r>
+            <a:endParaRPr lang="en-US" sz="2400" dirty="0" smtClean="0"/>
+          </a:p>
+        </p:txBody>
+      </p:sp>
       <p:pic>
         <p:nvPicPr>
-          <p:cNvPr id="1032" name="Picture 8"/>
+          <p:cNvPr id="1026" name="Picture 2"/>
           <p:cNvPicPr>
             <a:picLocks noChangeAspect="1" noChangeArrowheads="1"/>
           </p:cNvPicPr>
           <p:nvPr/>
         </p:nvPicPr>
-        <p:blipFill rotWithShape="1">
+        <p:blipFill>
           <a:blip r:embed="rId6">
-            <a:clrChange>
-              <a:clrFrom>
-                <a:srgbClr val="FFFAF1"/>
-              </a:clrFrom>
-              <a:clrTo>
-                <a:srgbClr val="FFFAF1">
-                  <a:alpha val="0"/>
-                </a:srgbClr>
-              </a:clrTo>
-            </a:clrChange>
             <a:extLst>
               <a:ext uri="{28A0092B-C50C-407E-A947-70E740481C1C}">
                 <a14:useLocalDpi xmlns:a14="http://schemas.microsoft.com/office/drawing/2010/main" val="0"/>
               </a:ext>
             </a:extLst>
           </a:blip>
-          <a:srcRect l="1" t="41681" r="-2036" b="38893"/>
-          <a:stretch/>
+          <a:srcRect/>
+          <a:stretch>
+            <a:fillRect/>
+          </a:stretch>
         </p:blipFill>
         <p:spPr bwMode="auto">
           <a:xfrm>
-            <a:off x="2223756" y="28421578"/>
-            <a:ext cx="11930921" cy="1773373"/>
+            <a:off x="30699086" y="11689912"/>
+            <a:ext cx="10832554" cy="5822498"/>
           </a:xfrm>
           <a:prstGeom prst="rect">
             <a:avLst/>
@@ -18859,485 +19323,7 @@
       </p:pic>
       <p:pic>
         <p:nvPicPr>
-          <p:cNvPr id="69" name="Picture 8"/>
-          <p:cNvPicPr>
-            <a:picLocks noChangeAspect="1" noChangeArrowheads="1"/>
-          </p:cNvPicPr>
-          <p:nvPr/>
-        </p:nvPicPr>
-        <p:blipFill rotWithShape="1">
-          <a:blip r:embed="rId6">
-            <a:clrChange>
-              <a:clrFrom>
-                <a:srgbClr val="FFFFFF"/>
-              </a:clrFrom>
-              <a:clrTo>
-                <a:srgbClr val="FFFFFF">
-                  <a:alpha val="0"/>
-                </a:srgbClr>
-              </a:clrTo>
-            </a:clrChange>
-            <a:extLst>
-              <a:ext uri="{28A0092B-C50C-407E-A947-70E740481C1C}">
-                <a14:useLocalDpi xmlns:a14="http://schemas.microsoft.com/office/drawing/2010/main" val="0"/>
-              </a:ext>
-            </a:extLst>
-          </a:blip>
-          <a:srcRect l="5717" t="3826" r="37187" b="60489"/>
-          <a:stretch/>
-        </p:blipFill>
-        <p:spPr bwMode="auto">
-          <a:xfrm>
-            <a:off x="1946934" y="25226902"/>
-            <a:ext cx="5339572" cy="2605357"/>
-          </a:xfrm>
-          <a:prstGeom prst="rect">
-            <a:avLst/>
-          </a:prstGeom>
-          <a:noFill/>
-          <a:ln>
-            <a:noFill/>
-          </a:ln>
-          <a:extLst>
-            <a:ext uri="{909E8E84-426E-40DD-AFC4-6F175D3DCCD1}">
-              <a14:hiddenFill xmlns:a14="http://schemas.microsoft.com/office/drawing/2010/main">
-                <a:solidFill>
-                  <a:schemeClr val="accent1"/>
-                </a:solidFill>
-              </a14:hiddenFill>
-            </a:ext>
-            <a:ext uri="{91240B29-F687-4F45-9708-019B960494DF}">
-              <a14:hiddenLine xmlns:a14="http://schemas.microsoft.com/office/drawing/2010/main" w="9525">
-                <a:solidFill>
-                  <a:schemeClr val="tx1"/>
-                </a:solidFill>
-                <a:miter lim="800000"/>
-                <a:headEnd/>
-                <a:tailEnd/>
-              </a14:hiddenLine>
-            </a:ext>
-          </a:extLst>
-        </p:spPr>
-      </p:pic>
-      <p:pic>
-        <p:nvPicPr>
-          <p:cNvPr id="70" name="Picture 8"/>
-          <p:cNvPicPr>
-            <a:picLocks noChangeAspect="1" noChangeArrowheads="1"/>
-          </p:cNvPicPr>
-          <p:nvPr/>
-        </p:nvPicPr>
-        <p:blipFill rotWithShape="1">
-          <a:blip r:embed="rId6">
-            <a:clrChange>
-              <a:clrFrom>
-                <a:srgbClr val="FFFFFF"/>
-              </a:clrFrom>
-              <a:clrTo>
-                <a:srgbClr val="FFFFFF">
-                  <a:alpha val="0"/>
-                </a:srgbClr>
-              </a:clrTo>
-            </a:clrChange>
-            <a:extLst>
-              <a:ext uri="{28A0092B-C50C-407E-A947-70E740481C1C}">
-                <a14:useLocalDpi xmlns:a14="http://schemas.microsoft.com/office/drawing/2010/main" val="0"/>
-              </a:ext>
-            </a:extLst>
-          </a:blip>
-          <a:srcRect l="42001" t="62520" r="3901" b="2199"/>
-          <a:stretch/>
-        </p:blipFill>
-        <p:spPr bwMode="auto">
-          <a:xfrm>
-            <a:off x="7164820" y="29481805"/>
-            <a:ext cx="5059260" cy="2575873"/>
-          </a:xfrm>
-          <a:prstGeom prst="rect">
-            <a:avLst/>
-          </a:prstGeom>
-          <a:noFill/>
-          <a:ln>
-            <a:noFill/>
-          </a:ln>
-          <a:extLst>
-            <a:ext uri="{909E8E84-426E-40DD-AFC4-6F175D3DCCD1}">
-              <a14:hiddenFill xmlns:a14="http://schemas.microsoft.com/office/drawing/2010/main">
-                <a:solidFill>
-                  <a:schemeClr val="accent1"/>
-                </a:solidFill>
-              </a14:hiddenFill>
-            </a:ext>
-            <a:ext uri="{91240B29-F687-4F45-9708-019B960494DF}">
-              <a14:hiddenLine xmlns:a14="http://schemas.microsoft.com/office/drawing/2010/main" w="9525">
-                <a:solidFill>
-                  <a:schemeClr val="tx1"/>
-                </a:solidFill>
-                <a:miter lim="800000"/>
-                <a:headEnd/>
-                <a:tailEnd/>
-              </a14:hiddenLine>
-            </a:ext>
-          </a:extLst>
-        </p:spPr>
-      </p:pic>
-      <p:sp>
-        <p:nvSpPr>
-          <p:cNvPr id="71" name="Text Placeholder 2"/>
-          <p:cNvSpPr>
-            <a:spLocks noGrp="1"/>
-          </p:cNvSpPr>
-          <p:nvPr>
-            <p:ph type="body" sz="quarter" idx="11"/>
-          </p:nvPr>
-        </p:nvSpPr>
-        <p:spPr>
-          <a:xfrm>
-            <a:off x="29455390" y="17810478"/>
-            <a:ext cx="13573126" cy="923322"/>
-          </a:xfrm>
-          <a:solidFill>
-            <a:schemeClr val="tx2">
-              <a:lumMod val="60000"/>
-              <a:lumOff val="40000"/>
-            </a:schemeClr>
-          </a:solidFill>
-        </p:spPr>
-        <p:txBody>
-          <a:bodyPr/>
-          <a:lstStyle/>
-          <a:p>
-            <a:r>
-              <a:rPr lang="en-US" sz="4800" dirty="0" smtClean="0"/>
-              <a:t>Future Work</a:t>
-            </a:r>
-            <a:endParaRPr lang="en-US" sz="4800" dirty="0"/>
-          </a:p>
-        </p:txBody>
-      </p:sp>
-      <p:sp>
-        <p:nvSpPr>
-          <p:cNvPr id="73" name="Text Placeholder 385"/>
-          <p:cNvSpPr>
-            <a:spLocks noGrp="1"/>
-          </p:cNvSpPr>
-          <p:nvPr>
-            <p:ph type="body" sz="quarter" idx="23"/>
-          </p:nvPr>
-        </p:nvSpPr>
-        <p:spPr>
-          <a:xfrm>
-            <a:off x="29395741" y="18706461"/>
-            <a:ext cx="13571537" cy="860425"/>
-          </a:xfrm>
-        </p:spPr>
-        <p:txBody>
-          <a:bodyPr>
-            <a:noAutofit/>
-          </a:bodyPr>
-          <a:lstStyle/>
-          <a:p>
-            <a:r>
-              <a:rPr lang="en-US" sz="2800" dirty="0"/>
-              <a:t>Future work on </a:t>
-            </a:r>
-            <a:r>
-              <a:rPr lang="en-US" sz="2800" dirty="0" err="1"/>
-              <a:t>lambdaLVar</a:t>
-            </a:r>
-            <a:r>
-              <a:rPr lang="en-US" sz="2800" dirty="0"/>
-              <a:t>: </a:t>
-            </a:r>
-          </a:p>
-          <a:p>
-            <a:pPr lvl="1"/>
-            <a:r>
-              <a:rPr lang="en-US" sz="2800" dirty="0"/>
-              <a:t>Automatic test generation: The flexibility of </a:t>
-            </a:r>
-            <a:r>
-              <a:rPr lang="en-US" sz="2800" dirty="0" err="1"/>
-              <a:t>lambdaLVar</a:t>
-            </a:r>
-            <a:r>
-              <a:rPr lang="en-US" sz="2800" dirty="0"/>
-              <a:t> means that there is always more work to do: we can create new languages with </a:t>
-            </a:r>
-            <a:r>
-              <a:rPr lang="en-US" sz="2800" dirty="0" err="1"/>
-              <a:t>lambdaLVar</a:t>
-            </a:r>
-            <a:r>
-              <a:rPr lang="en-US" sz="2800" dirty="0"/>
-              <a:t>, but for each new language, if we want to see if it's working in the way we intend, we have to manually write tests.  In the future, we would like to exploit the random test generation features of </a:t>
-            </a:r>
-            <a:r>
-              <a:rPr lang="en-US" sz="2800" dirty="0" err="1"/>
-              <a:t>Redex</a:t>
-            </a:r>
-            <a:r>
-              <a:rPr lang="en-US" sz="2800" dirty="0"/>
-              <a:t> to automate some of this work for us.</a:t>
-            </a:r>
-          </a:p>
-          <a:p>
-            <a:pPr lvl="1"/>
-            <a:r>
-              <a:rPr lang="en-US" sz="2800" dirty="0"/>
-              <a:t>Decoupling </a:t>
-            </a:r>
-            <a:r>
-              <a:rPr lang="en-US" sz="2800" dirty="0" err="1"/>
-              <a:t>lambdaLVar</a:t>
-            </a:r>
-            <a:r>
-              <a:rPr lang="en-US" sz="2800" dirty="0"/>
-              <a:t> from </a:t>
-            </a:r>
-            <a:r>
-              <a:rPr lang="en-US" sz="2800" dirty="0" err="1"/>
-              <a:t>Redex</a:t>
-            </a:r>
-            <a:r>
-              <a:rPr lang="en-US" sz="2800" dirty="0"/>
-              <a:t>: </a:t>
-            </a:r>
-            <a:r>
-              <a:rPr lang="en-US" sz="2800" dirty="0" err="1"/>
-              <a:t>lambdaLVar</a:t>
-            </a:r>
-            <a:r>
-              <a:rPr lang="en-US" sz="2800" dirty="0"/>
-              <a:t> programs can be cumbersome to work with because one has to write them inside the </a:t>
-            </a:r>
-            <a:r>
-              <a:rPr lang="en-US" sz="2800" dirty="0" err="1"/>
-              <a:t>Redex</a:t>
-            </a:r>
-            <a:r>
-              <a:rPr lang="en-US" sz="2800" dirty="0"/>
-              <a:t> framework.  In the future, though, we should be able to decouple </a:t>
-            </a:r>
-            <a:r>
-              <a:rPr lang="en-US" sz="2800" dirty="0" err="1"/>
-              <a:t>lambdaLVar</a:t>
-            </a:r>
-            <a:r>
-              <a:rPr lang="en-US" sz="2800" dirty="0"/>
-              <a:t> programs and write them independently from </a:t>
-            </a:r>
-            <a:r>
-              <a:rPr lang="en-US" sz="2800" dirty="0" err="1"/>
-              <a:t>Redex</a:t>
-            </a:r>
-            <a:r>
-              <a:rPr lang="en-US" sz="2800" dirty="0"/>
-              <a:t>, using Racket's "#</a:t>
-            </a:r>
-            <a:r>
-              <a:rPr lang="en-US" sz="2800" dirty="0" err="1"/>
-              <a:t>lang</a:t>
-            </a:r>
-            <a:r>
-              <a:rPr lang="en-US" sz="2800" dirty="0"/>
-              <a:t>" protocol.  They would still run on the </a:t>
-            </a:r>
-            <a:r>
-              <a:rPr lang="en-US" sz="2800" dirty="0" err="1"/>
-              <a:t>Redex</a:t>
-            </a:r>
-            <a:r>
-              <a:rPr lang="en-US" sz="2800" dirty="0"/>
-              <a:t> infrastructure, but it would be hidden from the user.  Even better, we could add things like syntax highlighting.  Then </a:t>
-            </a:r>
-            <a:r>
-              <a:rPr lang="en-US" sz="2800" dirty="0" err="1"/>
-              <a:t>lambdaLVar</a:t>
-            </a:r>
-            <a:r>
-              <a:rPr lang="en-US" sz="2800" dirty="0"/>
-              <a:t> programs would begin to "feel" more like programs, rather than just pieces of data that </a:t>
-            </a:r>
-            <a:r>
-              <a:rPr lang="en-US" sz="2800" dirty="0" err="1"/>
-              <a:t>Redex</a:t>
-            </a:r>
-            <a:r>
-              <a:rPr lang="en-US" sz="2800" dirty="0"/>
-              <a:t> is manipulating.</a:t>
-            </a:r>
-            <a:br>
-              <a:rPr lang="en-US" sz="2800" dirty="0"/>
-            </a:br>
-            <a:endParaRPr lang="en-US" sz="2800" dirty="0"/>
-          </a:p>
-          <a:p>
-            <a:r>
-              <a:rPr lang="en-US" sz="2800" dirty="0"/>
-              <a:t>Future work on LVars in general:</a:t>
-            </a:r>
-          </a:p>
-          <a:p>
-            <a:pPr lvl="1"/>
-            <a:r>
-              <a:rPr lang="en-US" sz="2800" dirty="0"/>
-              <a:t>There is still much work to be done to figure out effective ways of programming with LVars.  We want LVar libraries to be available for use in languages beyond the special-purpose </a:t>
-            </a:r>
-            <a:r>
-              <a:rPr lang="en-US" sz="2800" dirty="0" err="1"/>
-              <a:t>lambdaLVar</a:t>
-            </a:r>
-            <a:r>
-              <a:rPr lang="en-US" sz="2800" dirty="0"/>
-              <a:t> language, and eventually, we want to build libraries of efficient concurrent data structures on top of LVars.  (Ask Lindsey for more details on the current roadmap for LVars!)</a:t>
-            </a:r>
-          </a:p>
-          <a:p>
-            <a:r>
-              <a:rPr lang="en-US" sz="2800" dirty="0"/>
-              <a:t>Future work on the </a:t>
-            </a:r>
-            <a:r>
-              <a:rPr lang="en-US" sz="2800" dirty="0" err="1"/>
-              <a:t>metatheory</a:t>
-            </a:r>
-            <a:r>
-              <a:rPr lang="en-US" sz="2800" dirty="0"/>
-              <a:t> of LVars:</a:t>
-            </a:r>
-            <a:br>
-              <a:rPr lang="en-US" sz="2800" dirty="0"/>
-            </a:br>
-            <a:endParaRPr lang="en-US" sz="2800" dirty="0"/>
-          </a:p>
-          <a:p>
-            <a:pPr lvl="1"/>
-            <a:r>
-              <a:rPr lang="en-US" sz="2800" dirty="0"/>
-              <a:t>As we work out better ways to program with LVars in general, what we learn will inform the design of the next version of </a:t>
-            </a:r>
-            <a:r>
-              <a:rPr lang="en-US" sz="2800" dirty="0" err="1"/>
-              <a:t>lambdaLVar</a:t>
-            </a:r>
-            <a:r>
-              <a:rPr lang="en-US" sz="2800" dirty="0"/>
-              <a:t>, so we'll need to state and prove a determinism property for that new and improved language.</a:t>
-            </a:r>
-          </a:p>
-        </p:txBody>
-      </p:sp>
-      <p:sp>
-        <p:nvSpPr>
-          <p:cNvPr id="74" name="Text Placeholder 2"/>
-          <p:cNvSpPr>
-            <a:spLocks noGrp="1"/>
-          </p:cNvSpPr>
-          <p:nvPr>
-            <p:ph type="body" sz="quarter" idx="11"/>
-          </p:nvPr>
-        </p:nvSpPr>
-        <p:spPr>
-          <a:xfrm>
-            <a:off x="29407393" y="28838948"/>
-            <a:ext cx="13573126" cy="923322"/>
-          </a:xfrm>
-          <a:solidFill>
-            <a:schemeClr val="tx2">
-              <a:lumMod val="60000"/>
-              <a:lumOff val="40000"/>
-            </a:schemeClr>
-          </a:solidFill>
-        </p:spPr>
-        <p:txBody>
-          <a:bodyPr/>
-          <a:lstStyle/>
-          <a:p>
-            <a:r>
-              <a:rPr lang="en-US" sz="4800" dirty="0" smtClean="0"/>
-              <a:t>Contacts</a:t>
-            </a:r>
-            <a:endParaRPr lang="en-US" sz="4800" dirty="0"/>
-          </a:p>
-        </p:txBody>
-      </p:sp>
-      <p:sp>
-        <p:nvSpPr>
-          <p:cNvPr id="76" name="Text Placeholder 2"/>
-          <p:cNvSpPr>
-            <a:spLocks noGrp="1"/>
-          </p:cNvSpPr>
-          <p:nvPr>
-            <p:ph type="body" sz="quarter" idx="11"/>
-          </p:nvPr>
-        </p:nvSpPr>
-        <p:spPr>
-          <a:xfrm>
-            <a:off x="29407989" y="8985826"/>
-            <a:ext cx="13573126" cy="923322"/>
-          </a:xfrm>
-          <a:solidFill>
-            <a:schemeClr val="tx2">
-              <a:lumMod val="60000"/>
-              <a:lumOff val="40000"/>
-            </a:schemeClr>
-          </a:solidFill>
-        </p:spPr>
-        <p:txBody>
-          <a:bodyPr/>
-          <a:lstStyle/>
-          <a:p>
-            <a:r>
-              <a:rPr lang="en-US" sz="4800" dirty="0" smtClean="0"/>
-              <a:t>Tools Used</a:t>
-            </a:r>
-            <a:endParaRPr lang="en-US" sz="4800" dirty="0"/>
-          </a:p>
-        </p:txBody>
-      </p:sp>
-      <p:sp>
-        <p:nvSpPr>
-          <p:cNvPr id="77" name="Text Placeholder 385"/>
-          <p:cNvSpPr>
-            <a:spLocks noGrp="1"/>
-          </p:cNvSpPr>
-          <p:nvPr>
-            <p:ph type="body" sz="quarter" idx="23"/>
-          </p:nvPr>
-        </p:nvSpPr>
-        <p:spPr>
-          <a:xfrm>
-            <a:off x="29455390" y="9904085"/>
-            <a:ext cx="13571537" cy="7519973"/>
-          </a:xfrm>
-        </p:spPr>
-        <p:txBody>
-          <a:bodyPr>
-            <a:noAutofit/>
-          </a:bodyPr>
-          <a:lstStyle/>
-          <a:p>
-            <a:pPr algn="just"/>
-            <a:r>
-              <a:rPr lang="en-US" sz="2800" dirty="0" smtClean="0"/>
-              <a:t>We developed our language in Reddex</a:t>
-            </a:r>
-            <a:r>
-              <a:rPr lang="en-US" sz="2800" dirty="0" smtClean="0"/>
-              <a:t>. Reddex is a programming language used for creating programming languages which is embedded in the racket language. Our development software of choice was Dr. Racket, shown below</a:t>
-            </a:r>
-            <a:r>
-              <a:rPr lang="en-US" sz="2400" dirty="0" smtClean="0"/>
-              <a:t>.</a:t>
-            </a:r>
-            <a:endParaRPr lang="en-US" sz="2400" dirty="0" smtClean="0"/>
-          </a:p>
-        </p:txBody>
-      </p:sp>
-      <p:pic>
-        <p:nvPicPr>
-          <p:cNvPr id="1026" name="Picture 2"/>
+          <p:cNvPr id="1027" name="Picture 3"/>
           <p:cNvPicPr>
             <a:picLocks noChangeAspect="1" noChangeArrowheads="1"/>
           </p:cNvPicPr>
@@ -19358,8 +19344,8 @@
         </p:blipFill>
         <p:spPr bwMode="auto">
           <a:xfrm>
-            <a:off x="30699086" y="11689912"/>
-            <a:ext cx="10832554" cy="5822498"/>
+            <a:off x="37354164" y="13336527"/>
+            <a:ext cx="2942074" cy="2870607"/>
           </a:xfrm>
           <a:prstGeom prst="rect">
             <a:avLst/>
@@ -19389,9 +19375,399 @@
           </a:extLst>
         </p:spPr>
       </p:pic>
+      <p:sp>
+        <p:nvSpPr>
+          <p:cNvPr id="66" name="Text Placeholder 386"/>
+          <p:cNvSpPr>
+            <a:spLocks noGrp="1"/>
+          </p:cNvSpPr>
+          <p:nvPr>
+            <p:ph type="body" sz="quarter" idx="24"/>
+          </p:nvPr>
+        </p:nvSpPr>
+        <p:spPr>
+          <a:xfrm>
+            <a:off x="953828" y="17758793"/>
+            <a:ext cx="13579475" cy="754045"/>
+          </a:xfrm>
+          <a:solidFill>
+            <a:schemeClr val="tx2">
+              <a:lumMod val="60000"/>
+              <a:lumOff val="40000"/>
+            </a:schemeClr>
+          </a:solidFill>
+        </p:spPr>
+        <p:txBody>
+          <a:bodyPr>
+            <a:noAutofit/>
+          </a:bodyPr>
+          <a:lstStyle/>
+          <a:p>
+            <a:r>
+              <a:rPr lang="en-US" sz="4800" dirty="0" smtClean="0"/>
+              <a:t>Lattices &amp; LVars</a:t>
+            </a:r>
+            <a:endParaRPr lang="en-US" sz="4800" dirty="0"/>
+          </a:p>
+        </p:txBody>
+      </p:sp>
+      <p:sp>
+        <p:nvSpPr>
+          <p:cNvPr id="78" name="Text Placeholder 385"/>
+          <p:cNvSpPr>
+            <a:spLocks noGrp="1"/>
+          </p:cNvSpPr>
+          <p:nvPr>
+            <p:ph type="body" sz="quarter" idx="23"/>
+          </p:nvPr>
+        </p:nvSpPr>
+        <p:spPr>
+          <a:xfrm>
+            <a:off x="15200908" y="6150975"/>
+            <a:ext cx="13571538" cy="971720"/>
+          </a:xfrm>
+        </p:spPr>
+        <p:txBody>
+          <a:bodyPr>
+            <a:noAutofit/>
+          </a:bodyPr>
+          <a:lstStyle/>
+          <a:p>
+            <a:endParaRPr lang="en-US" sz="2800" dirty="0" smtClean="0"/>
+          </a:p>
+        </p:txBody>
+      </p:sp>
+      <p:sp>
+        <p:nvSpPr>
+          <p:cNvPr id="79" name="Text Placeholder 385"/>
+          <p:cNvSpPr>
+            <a:spLocks noGrp="1"/>
+          </p:cNvSpPr>
+          <p:nvPr>
+            <p:ph type="body" sz="quarter" idx="23"/>
+          </p:nvPr>
+        </p:nvSpPr>
+        <p:spPr>
+          <a:xfrm>
+            <a:off x="29409578" y="6265790"/>
+            <a:ext cx="13571537" cy="2685705"/>
+          </a:xfrm>
+        </p:spPr>
+        <p:txBody>
+          <a:bodyPr>
+            <a:noAutofit/>
+          </a:bodyPr>
+          <a:lstStyle/>
+          <a:p>
+            <a:pPr algn="just"/>
+            <a:r>
+              <a:rPr lang="en-US" sz="2800" dirty="0"/>
+              <a:t>For some lattices, the least upper bound operation was a simple built-in function like taking the maximum of two numbers; for other lattices it was more sophisticated and required us to write our own function.</a:t>
+            </a:r>
+          </a:p>
+          <a:p>
+            <a:pPr algn="just"/>
+            <a:r>
+              <a:rPr lang="en-US" sz="2800" dirty="0"/>
+              <a:t>We instantiated </a:t>
+            </a:r>
+            <a:r>
+              <a:rPr lang="en-US" sz="2800" dirty="0" err="1"/>
+              <a:t>lambdaLVar</a:t>
+            </a:r>
+            <a:r>
+              <a:rPr lang="en-US" sz="2800" dirty="0"/>
+              <a:t> in a variety of ways, and for each instantiation, we created test suites to check if the programs we wrote were working the way we intended.</a:t>
+            </a:r>
+          </a:p>
+          <a:p>
+            <a:pPr algn="just"/>
+            <a:endParaRPr lang="en-US" sz="3600" dirty="0" smtClean="0"/>
+          </a:p>
+        </p:txBody>
+      </p:sp>
+      <p:sp>
+        <p:nvSpPr>
+          <p:cNvPr id="6" name="TextBox 5"/>
+          <p:cNvSpPr txBox="1"/>
+          <p:nvPr/>
+        </p:nvSpPr>
+        <p:spPr>
+          <a:xfrm>
+            <a:off x="26384196" y="21459091"/>
+            <a:ext cx="1019638" cy="400110"/>
+          </a:xfrm>
+          <a:prstGeom prst="rect">
+            <a:avLst/>
+          </a:prstGeom>
+          <a:noFill/>
+          <a:ln w="57150">
+            <a:solidFill>
+              <a:schemeClr val="tx1"/>
+            </a:solidFill>
+          </a:ln>
+        </p:spPr>
+        <p:txBody>
+          <a:bodyPr wrap="none" rtlCol="0">
+            <a:spAutoFit/>
+          </a:bodyPr>
+          <a:lstStyle/>
+          <a:p>
+            <a:r>
+              <a:rPr lang="en-US" sz="2000" dirty="0" smtClean="0"/>
+              <a:t>Figure 2</a:t>
+            </a:r>
+            <a:endParaRPr lang="en-US" sz="2000" dirty="0"/>
+          </a:p>
+        </p:txBody>
+      </p:sp>
+      <p:sp>
+        <p:nvSpPr>
+          <p:cNvPr id="84" name="Text Placeholder 386"/>
+          <p:cNvSpPr>
+            <a:spLocks noGrp="1"/>
+          </p:cNvSpPr>
+          <p:nvPr>
+            <p:ph type="body" sz="quarter" idx="24"/>
+          </p:nvPr>
+        </p:nvSpPr>
+        <p:spPr>
+          <a:xfrm>
+            <a:off x="15214600" y="5396930"/>
+            <a:ext cx="13579475" cy="754045"/>
+          </a:xfrm>
+          <a:solidFill>
+            <a:schemeClr val="tx2">
+              <a:lumMod val="60000"/>
+              <a:lumOff val="40000"/>
+            </a:schemeClr>
+          </a:solidFill>
+        </p:spPr>
+        <p:txBody>
+          <a:bodyPr>
+            <a:noAutofit/>
+          </a:bodyPr>
+          <a:lstStyle/>
+          <a:p>
+            <a:r>
+              <a:rPr lang="en-US" sz="4800" dirty="0">
+                <a:latin typeface="Times New Roman" pitchFamily="18" charset="0"/>
+                <a:cs typeface="Times New Roman" pitchFamily="18" charset="0"/>
+              </a:rPr>
+              <a:t>Determinism for </a:t>
+            </a:r>
+            <a:r>
+              <a:rPr lang="el-GR" sz="4800" dirty="0">
+                <a:latin typeface="Times New Roman" pitchFamily="18" charset="0"/>
+                <a:cs typeface="Times New Roman" pitchFamily="18" charset="0"/>
+              </a:rPr>
+              <a:t>λ</a:t>
+            </a:r>
+            <a:r>
+              <a:rPr lang="en-US" sz="4800" dirty="0">
+                <a:latin typeface="Times New Roman" pitchFamily="18" charset="0"/>
+                <a:cs typeface="Times New Roman" pitchFamily="18" charset="0"/>
+              </a:rPr>
+              <a:t> LVar</a:t>
+            </a:r>
+            <a:endParaRPr lang="en-US" sz="4800" dirty="0">
+              <a:latin typeface="Times New Roman" pitchFamily="18" charset="0"/>
+              <a:cs typeface="Times New Roman" pitchFamily="18" charset="0"/>
+            </a:endParaRPr>
+          </a:p>
+        </p:txBody>
+      </p:sp>
+      <p:sp>
+        <p:nvSpPr>
+          <p:cNvPr id="85" name="Text Placeholder 385"/>
+          <p:cNvSpPr>
+            <a:spLocks noGrp="1"/>
+          </p:cNvSpPr>
+          <p:nvPr>
+            <p:ph type="body" sz="quarter" idx="23"/>
+          </p:nvPr>
+        </p:nvSpPr>
+        <p:spPr>
+          <a:xfrm>
+            <a:off x="15222538" y="22298886"/>
+            <a:ext cx="13571537" cy="3111800"/>
+          </a:xfrm>
+        </p:spPr>
+        <p:txBody>
+          <a:bodyPr>
+            <a:noAutofit/>
+          </a:bodyPr>
+          <a:lstStyle/>
+          <a:p>
+            <a:pPr algn="just"/>
+            <a:r>
+              <a:rPr lang="en-US" sz="2800" dirty="0" smtClean="0"/>
+              <a:t>Figure 2 shows two different parallel program flow charts. The one on the left will always be deterministic since </a:t>
+            </a:r>
+            <a:r>
+              <a:rPr lang="en-US" sz="2800" dirty="0" smtClean="0"/>
+              <a:t>the puts and gets are done separately. The one on the right though will be nondeterministic since the put and get are evaluated in parallel. Even though the program seemingly operates simultaneously, it actually does the operations separately in a random order depending on what the system decides to do first. This could cause problems if the system decides to operate the get before the put. </a:t>
+            </a:r>
+            <a:endParaRPr lang="en-US" sz="2800" dirty="0" smtClean="0"/>
+          </a:p>
+        </p:txBody>
+      </p:sp>
+      <p:sp>
+        <p:nvSpPr>
+          <p:cNvPr id="86" name="Text Placeholder 553"/>
+          <p:cNvSpPr>
+            <a:spLocks noGrp="1"/>
+          </p:cNvSpPr>
+          <p:nvPr>
+            <p:ph type="body" sz="quarter" idx="25"/>
+          </p:nvPr>
+        </p:nvSpPr>
+        <p:spPr>
+          <a:xfrm>
+            <a:off x="15200908" y="25466747"/>
+            <a:ext cx="13576029" cy="923322"/>
+          </a:xfrm>
+          <a:solidFill>
+            <a:schemeClr val="tx2">
+              <a:lumMod val="60000"/>
+              <a:lumOff val="40000"/>
+            </a:schemeClr>
+          </a:solidFill>
+        </p:spPr>
+        <p:txBody>
+          <a:bodyPr/>
+          <a:lstStyle/>
+          <a:p>
+            <a:r>
+              <a:rPr lang="en-US" sz="4800" dirty="0" smtClean="0">
+                <a:latin typeface="Times New Roman" pitchFamily="18" charset="0"/>
+                <a:cs typeface="Times New Roman" pitchFamily="18" charset="0"/>
+              </a:rPr>
+              <a:t>Summary</a:t>
+            </a:r>
+            <a:endParaRPr lang="en-US" sz="4800" dirty="0">
+              <a:latin typeface="Times New Roman" pitchFamily="18" charset="0"/>
+              <a:cs typeface="Times New Roman" pitchFamily="18" charset="0"/>
+            </a:endParaRPr>
+          </a:p>
+        </p:txBody>
+      </p:sp>
+      <p:sp>
+        <p:nvSpPr>
+          <p:cNvPr id="87" name="Text Placeholder 385"/>
+          <p:cNvSpPr>
+            <a:spLocks noGrp="1"/>
+          </p:cNvSpPr>
+          <p:nvPr>
+            <p:ph type="body" sz="quarter" idx="23"/>
+          </p:nvPr>
+        </p:nvSpPr>
+        <p:spPr>
+          <a:xfrm>
+            <a:off x="15140908" y="26390069"/>
+            <a:ext cx="13571537" cy="5792607"/>
+          </a:xfrm>
+        </p:spPr>
+        <p:txBody>
+          <a:bodyPr>
+            <a:noAutofit/>
+          </a:bodyPr>
+          <a:lstStyle/>
+          <a:p>
+            <a:pPr algn="just"/>
+            <a:r>
+              <a:rPr lang="en-US" sz="2800" dirty="0"/>
+              <a:t>In this project, we worked on extending </a:t>
+            </a:r>
+            <a:r>
+              <a:rPr lang="en-US" sz="2800" dirty="0" err="1"/>
+              <a:t>lambdaLVar</a:t>
+            </a:r>
+            <a:r>
+              <a:rPr lang="en-US" sz="2800" dirty="0"/>
+              <a:t>, a small programming language that uses LVars.  Because </a:t>
+            </a:r>
+            <a:r>
+              <a:rPr lang="en-US" sz="2800" dirty="0" err="1"/>
+              <a:t>lambdaLVar</a:t>
+            </a:r>
+            <a:r>
+              <a:rPr lang="en-US" sz="2800" dirty="0"/>
+              <a:t> is based on a lattice that is specified by the language user, </a:t>
+            </a:r>
+            <a:r>
+              <a:rPr lang="en-US" sz="2800" dirty="0" err="1"/>
+              <a:t>lambdaLVar</a:t>
+            </a:r>
+            <a:r>
+              <a:rPr lang="en-US" sz="2800" dirty="0"/>
+              <a:t> is actually not just one language, but a family of languages: instantiate </a:t>
+            </a:r>
+            <a:r>
+              <a:rPr lang="en-US" sz="2800" dirty="0" err="1"/>
+              <a:t>lambdaLVar</a:t>
+            </a:r>
+            <a:r>
+              <a:rPr lang="en-US" sz="2800" dirty="0"/>
+              <a:t> with one lattice and you get one deterministic parallel language; with another lattice, and you get </a:t>
+            </a:r>
+            <a:r>
+              <a:rPr lang="en-US" sz="2800" dirty="0" smtClean="0"/>
+              <a:t>another.</a:t>
+            </a:r>
+          </a:p>
+          <a:p>
+            <a:pPr algn="just"/>
+            <a:r>
+              <a:rPr lang="en-US" sz="2800" dirty="0" smtClean="0"/>
+              <a:t>In </a:t>
+            </a:r>
+            <a:r>
+              <a:rPr lang="en-US" sz="2800" dirty="0"/>
+              <a:t>this project we looked at some ways to instantiate </a:t>
+            </a:r>
+            <a:r>
+              <a:rPr lang="en-US" sz="2800" dirty="0" err="1"/>
+              <a:t>lambdaLVar</a:t>
+            </a:r>
+            <a:r>
+              <a:rPr lang="en-US" sz="2800" dirty="0"/>
+              <a:t> with new lattices.  We found that to instantiate </a:t>
+            </a:r>
+            <a:r>
+              <a:rPr lang="en-US" sz="2800" dirty="0" err="1"/>
+              <a:t>lambdaLVar</a:t>
+            </a:r>
+            <a:r>
+              <a:rPr lang="en-US" sz="2800" dirty="0"/>
+              <a:t> with a lattice, one has to specify a "least upper bound" (</a:t>
+            </a:r>
+            <a:r>
+              <a:rPr lang="en-US" sz="2800" dirty="0" err="1"/>
+              <a:t>lub</a:t>
+            </a:r>
+            <a:r>
+              <a:rPr lang="en-US" sz="2800" dirty="0"/>
+              <a:t>) operation that specifies how two lattice elements should be combined together.  This </a:t>
+            </a:r>
+            <a:r>
+              <a:rPr lang="en-US" sz="2800" dirty="0" err="1"/>
+              <a:t>lub</a:t>
+            </a:r>
+            <a:r>
+              <a:rPr lang="en-US" sz="2800" dirty="0"/>
+              <a:t> operation corresponds to how, when two threads write to a variable, the writes done by the two threads are merged together after the two threads finish </a:t>
+            </a:r>
+            <a:r>
+              <a:rPr lang="en-US" sz="2800" dirty="0" smtClean="0"/>
+              <a:t>running.</a:t>
+            </a:r>
+          </a:p>
+        </p:txBody>
+      </p:sp>
       <p:pic>
         <p:nvPicPr>
-          <p:cNvPr id="1027" name="Picture 3"/>
+          <p:cNvPr id="1029" name="Picture 5"/>
           <p:cNvPicPr>
             <a:picLocks noChangeAspect="1" noChangeArrowheads="1"/>
           </p:cNvPicPr>
@@ -19412,15 +19788,20 @@
         </p:blipFill>
         <p:spPr bwMode="auto">
           <a:xfrm>
-            <a:off x="37354164" y="13336527"/>
-            <a:ext cx="2942074" cy="2870607"/>
+            <a:off x="1350167" y="18883140"/>
+            <a:ext cx="12715875" cy="6753225"/>
           </a:xfrm>
           <a:prstGeom prst="rect">
             <a:avLst/>
           </a:prstGeom>
           <a:noFill/>
-          <a:ln>
-            <a:noFill/>
+          <a:ln w="9525">
+            <a:solidFill>
+              <a:schemeClr val="tx1"/>
+            </a:solidFill>
+            <a:miter lim="800000"/>
+            <a:headEnd/>
+            <a:tailEnd/>
           </a:ln>
           <a:extLst>
             <a:ext uri="{909E8E84-426E-40DD-AFC4-6F175D3DCCD1}">
@@ -19430,511 +19811,9 @@
                 </a:solidFill>
               </a14:hiddenFill>
             </a:ext>
-            <a:ext uri="{91240B29-F687-4F45-9708-019B960494DF}">
-              <a14:hiddenLine xmlns:a14="http://schemas.microsoft.com/office/drawing/2010/main" w="9525">
-                <a:solidFill>
-                  <a:schemeClr val="tx1"/>
-                </a:solidFill>
-                <a:miter lim="800000"/>
-                <a:headEnd/>
-                <a:tailEnd/>
-              </a14:hiddenLine>
-            </a:ext>
           </a:extLst>
         </p:spPr>
       </p:pic>
-      <p:sp>
-        <p:nvSpPr>
-          <p:cNvPr id="66" name="Text Placeholder 386"/>
-          <p:cNvSpPr>
-            <a:spLocks noGrp="1"/>
-          </p:cNvSpPr>
-          <p:nvPr>
-            <p:ph type="body" sz="quarter" idx="24"/>
-          </p:nvPr>
-        </p:nvSpPr>
-        <p:spPr>
-          <a:xfrm>
-            <a:off x="915295" y="10753163"/>
-            <a:ext cx="13579475" cy="754045"/>
-          </a:xfrm>
-          <a:solidFill>
-            <a:schemeClr val="tx2">
-              <a:lumMod val="60000"/>
-              <a:lumOff val="40000"/>
-            </a:schemeClr>
-          </a:solidFill>
-        </p:spPr>
-        <p:txBody>
-          <a:bodyPr>
-            <a:noAutofit/>
-          </a:bodyPr>
-          <a:lstStyle/>
-          <a:p>
-            <a:r>
-              <a:rPr lang="en-US" sz="4800" dirty="0" smtClean="0"/>
-              <a:t>The Problem</a:t>
-            </a:r>
-            <a:endParaRPr lang="en-US" sz="4800" dirty="0"/>
-          </a:p>
-        </p:txBody>
-      </p:sp>
-      <p:pic>
-        <p:nvPicPr>
-          <p:cNvPr id="1028" name="Picture 4"/>
-          <p:cNvPicPr>
-            <a:picLocks noChangeAspect="1" noChangeArrowheads="1"/>
-          </p:cNvPicPr>
-          <p:nvPr/>
-        </p:nvPicPr>
-        <p:blipFill>
-          <a:blip r:embed="rId9">
-            <a:clrChange>
-              <a:clrFrom>
-                <a:srgbClr val="FFFFFF"/>
-              </a:clrFrom>
-              <a:clrTo>
-                <a:srgbClr val="FFFFFF">
-                  <a:alpha val="0"/>
-                </a:srgbClr>
-              </a:clrTo>
-            </a:clrChange>
-            <a:extLst>
-              <a:ext uri="{28A0092B-C50C-407E-A947-70E740481C1C}">
-                <a14:useLocalDpi xmlns:a14="http://schemas.microsoft.com/office/drawing/2010/main" val="0"/>
-              </a:ext>
-            </a:extLst>
-          </a:blip>
-          <a:srcRect/>
-          <a:stretch>
-            <a:fillRect/>
-          </a:stretch>
-        </p:blipFill>
-        <p:spPr bwMode="auto">
-          <a:xfrm>
-            <a:off x="1376112" y="17596022"/>
-            <a:ext cx="12744450" cy="6858000"/>
-          </a:xfrm>
-          <a:prstGeom prst="rect">
-            <a:avLst/>
-          </a:prstGeom>
-          <a:noFill/>
-          <a:ln>
-            <a:noFill/>
-          </a:ln>
-          <a:extLst>
-            <a:ext uri="{909E8E84-426E-40DD-AFC4-6F175D3DCCD1}">
-              <a14:hiddenFill xmlns:a14="http://schemas.microsoft.com/office/drawing/2010/main">
-                <a:solidFill>
-                  <a:schemeClr val="accent1"/>
-                </a:solidFill>
-              </a14:hiddenFill>
-            </a:ext>
-            <a:ext uri="{91240B29-F687-4F45-9708-019B960494DF}">
-              <a14:hiddenLine xmlns:a14="http://schemas.microsoft.com/office/drawing/2010/main" w="9525">
-                <a:solidFill>
-                  <a:schemeClr val="tx1"/>
-                </a:solidFill>
-                <a:miter lim="800000"/>
-                <a:headEnd/>
-                <a:tailEnd/>
-              </a14:hiddenLine>
-            </a:ext>
-          </a:extLst>
-        </p:spPr>
-      </p:pic>
-      <p:sp>
-        <p:nvSpPr>
-          <p:cNvPr id="78" name="Text Placeholder 385"/>
-          <p:cNvSpPr>
-            <a:spLocks noGrp="1"/>
-          </p:cNvSpPr>
-          <p:nvPr>
-            <p:ph type="body" sz="quarter" idx="23"/>
-          </p:nvPr>
-        </p:nvSpPr>
-        <p:spPr>
-          <a:xfrm>
-            <a:off x="15200908" y="6150975"/>
-            <a:ext cx="13571538" cy="3753110"/>
-          </a:xfrm>
-        </p:spPr>
-        <p:txBody>
-          <a:bodyPr>
-            <a:noAutofit/>
-          </a:bodyPr>
-          <a:lstStyle/>
-          <a:p>
-            <a:r>
-              <a:rPr lang="en-US" sz="2800" dirty="0" smtClean="0"/>
-              <a:t>This is the part where I talk about determinism in our program based on figure 2</a:t>
-            </a:r>
-          </a:p>
-        </p:txBody>
-      </p:sp>
-      <p:sp>
-        <p:nvSpPr>
-          <p:cNvPr id="79" name="Text Placeholder 385"/>
-          <p:cNvSpPr>
-            <a:spLocks noGrp="1"/>
-          </p:cNvSpPr>
-          <p:nvPr>
-            <p:ph type="body" sz="quarter" idx="23"/>
-          </p:nvPr>
-        </p:nvSpPr>
-        <p:spPr>
-          <a:xfrm>
-            <a:off x="29409578" y="6265790"/>
-            <a:ext cx="13571537" cy="2685705"/>
-          </a:xfrm>
-        </p:spPr>
-        <p:txBody>
-          <a:bodyPr>
-            <a:noAutofit/>
-          </a:bodyPr>
-          <a:lstStyle/>
-          <a:p>
-            <a:pPr algn="just"/>
-            <a:r>
-              <a:rPr lang="en-US" sz="2800" dirty="0"/>
-              <a:t>For some lattices, the least upper bound operation was a simple built-in function like taking the maximum of two numbers; for other lattices it was more sophisticated and required us to write our own function.</a:t>
-            </a:r>
-          </a:p>
-          <a:p>
-            <a:pPr algn="just"/>
-            <a:r>
-              <a:rPr lang="en-US" sz="2800" dirty="0"/>
-              <a:t>We instantiated </a:t>
-            </a:r>
-            <a:r>
-              <a:rPr lang="en-US" sz="2800" dirty="0" err="1"/>
-              <a:t>lambdaLVar</a:t>
-            </a:r>
-            <a:r>
-              <a:rPr lang="en-US" sz="2800" dirty="0"/>
-              <a:t> in a variety of ways, and for each instantiation, we created test suites to check if the programs we wrote were working the way we intended.</a:t>
-            </a:r>
-          </a:p>
-          <a:p>
-            <a:pPr algn="just"/>
-            <a:endParaRPr lang="en-US" sz="3600" dirty="0" smtClean="0"/>
-          </a:p>
-        </p:txBody>
-      </p:sp>
-      <p:sp>
-        <p:nvSpPr>
-          <p:cNvPr id="6" name="TextBox 5"/>
-          <p:cNvSpPr txBox="1"/>
-          <p:nvPr/>
-        </p:nvSpPr>
-        <p:spPr>
-          <a:xfrm>
-            <a:off x="26384196" y="21459091"/>
-            <a:ext cx="1019638" cy="400110"/>
-          </a:xfrm>
-          <a:prstGeom prst="rect">
-            <a:avLst/>
-          </a:prstGeom>
-          <a:noFill/>
-          <a:ln w="57150">
-            <a:solidFill>
-              <a:schemeClr val="tx1"/>
-            </a:solidFill>
-          </a:ln>
-        </p:spPr>
-        <p:txBody>
-          <a:bodyPr wrap="none" rtlCol="0">
-            <a:spAutoFit/>
-          </a:bodyPr>
-          <a:lstStyle/>
-          <a:p>
-            <a:r>
-              <a:rPr lang="en-US" sz="2000" dirty="0" smtClean="0"/>
-              <a:t>Figure 3</a:t>
-            </a:r>
-            <a:endParaRPr lang="en-US" sz="2000" dirty="0"/>
-          </a:p>
-        </p:txBody>
-      </p:sp>
-      <p:sp>
-        <p:nvSpPr>
-          <p:cNvPr id="81" name="TextBox 80"/>
-          <p:cNvSpPr txBox="1"/>
-          <p:nvPr/>
-        </p:nvSpPr>
-        <p:spPr>
-          <a:xfrm>
-            <a:off x="12725308" y="31272049"/>
-            <a:ext cx="1019638" cy="400110"/>
-          </a:xfrm>
-          <a:prstGeom prst="rect">
-            <a:avLst/>
-          </a:prstGeom>
-          <a:noFill/>
-          <a:ln w="57150">
-            <a:solidFill>
-              <a:schemeClr val="tx1"/>
-            </a:solidFill>
-          </a:ln>
-        </p:spPr>
-        <p:txBody>
-          <a:bodyPr wrap="none" rtlCol="0">
-            <a:spAutoFit/>
-          </a:bodyPr>
-          <a:lstStyle/>
-          <a:p>
-            <a:r>
-              <a:rPr lang="en-US" sz="2000" dirty="0" smtClean="0"/>
-              <a:t>Figure 2</a:t>
-            </a:r>
-            <a:endParaRPr lang="en-US" sz="2000" dirty="0"/>
-          </a:p>
-        </p:txBody>
-      </p:sp>
-      <p:sp>
-        <p:nvSpPr>
-          <p:cNvPr id="84" name="Text Placeholder 386"/>
-          <p:cNvSpPr>
-            <a:spLocks noGrp="1"/>
-          </p:cNvSpPr>
-          <p:nvPr>
-            <p:ph type="body" sz="quarter" idx="24"/>
-          </p:nvPr>
-        </p:nvSpPr>
-        <p:spPr>
-          <a:xfrm>
-            <a:off x="15214600" y="5396930"/>
-            <a:ext cx="13579475" cy="754045"/>
-          </a:xfrm>
-          <a:solidFill>
-            <a:schemeClr val="tx2">
-              <a:lumMod val="60000"/>
-              <a:lumOff val="40000"/>
-            </a:schemeClr>
-          </a:solidFill>
-        </p:spPr>
-        <p:txBody>
-          <a:bodyPr>
-            <a:noAutofit/>
-          </a:bodyPr>
-          <a:lstStyle/>
-          <a:p>
-            <a:r>
-              <a:rPr lang="en-US" sz="4800" dirty="0">
-                <a:latin typeface="Times New Roman" pitchFamily="18" charset="0"/>
-                <a:cs typeface="Times New Roman" pitchFamily="18" charset="0"/>
-              </a:rPr>
-              <a:t>Determinism for </a:t>
-            </a:r>
-            <a:r>
-              <a:rPr lang="el-GR" sz="4800" dirty="0">
-                <a:latin typeface="Times New Roman" pitchFamily="18" charset="0"/>
-                <a:cs typeface="Times New Roman" pitchFamily="18" charset="0"/>
-              </a:rPr>
-              <a:t>λ</a:t>
-            </a:r>
-            <a:r>
-              <a:rPr lang="en-US" sz="4800" dirty="0">
-                <a:latin typeface="Times New Roman" pitchFamily="18" charset="0"/>
-                <a:cs typeface="Times New Roman" pitchFamily="18" charset="0"/>
-              </a:rPr>
-              <a:t> LVar</a:t>
-            </a:r>
-            <a:endParaRPr lang="en-US" sz="4800" dirty="0">
-              <a:latin typeface="Times New Roman" pitchFamily="18" charset="0"/>
-              <a:cs typeface="Times New Roman" pitchFamily="18" charset="0"/>
-            </a:endParaRPr>
-          </a:p>
-        </p:txBody>
-      </p:sp>
-      <p:sp>
-        <p:nvSpPr>
-          <p:cNvPr id="85" name="Text Placeholder 385"/>
-          <p:cNvSpPr>
-            <a:spLocks noGrp="1"/>
-          </p:cNvSpPr>
-          <p:nvPr>
-            <p:ph type="body" sz="quarter" idx="23"/>
-          </p:nvPr>
-        </p:nvSpPr>
-        <p:spPr>
-          <a:xfrm>
-            <a:off x="15222538" y="22298886"/>
-            <a:ext cx="13571537" cy="3111800"/>
-          </a:xfrm>
-        </p:spPr>
-        <p:txBody>
-          <a:bodyPr>
-            <a:noAutofit/>
-          </a:bodyPr>
-          <a:lstStyle/>
-          <a:p>
-            <a:pPr algn="just"/>
-            <a:r>
-              <a:rPr lang="en-US" sz="2800" dirty="0" smtClean="0"/>
-              <a:t>Figure 3 shows two different parallel program flow charts. The one on the left will always be deterministic since </a:t>
-            </a:r>
-            <a:r>
-              <a:rPr lang="en-US" sz="2800" dirty="0" smtClean="0"/>
-              <a:t>the puts and gets are done separately. The one on the right though will be nondeterministic since the put and get are evaluated in parallel. Even though the program seemingly operates simultaneously, it actually does the operations separately in a random order depending on what the system decides to do first. This could cause problems if the system decides to operate the get before the put. </a:t>
-            </a:r>
-            <a:endParaRPr lang="en-US" sz="2800" dirty="0" smtClean="0"/>
-          </a:p>
-        </p:txBody>
-      </p:sp>
-      <p:sp>
-        <p:nvSpPr>
-          <p:cNvPr id="86" name="Text Placeholder 553"/>
-          <p:cNvSpPr>
-            <a:spLocks noGrp="1"/>
-          </p:cNvSpPr>
-          <p:nvPr>
-            <p:ph type="body" sz="quarter" idx="25"/>
-          </p:nvPr>
-        </p:nvSpPr>
-        <p:spPr>
-          <a:xfrm>
-            <a:off x="15200908" y="25466747"/>
-            <a:ext cx="13576029" cy="923322"/>
-          </a:xfrm>
-          <a:solidFill>
-            <a:schemeClr val="tx2">
-              <a:lumMod val="60000"/>
-              <a:lumOff val="40000"/>
-            </a:schemeClr>
-          </a:solidFill>
-        </p:spPr>
-        <p:txBody>
-          <a:bodyPr/>
-          <a:lstStyle/>
-          <a:p>
-            <a:r>
-              <a:rPr lang="en-US" sz="4800" dirty="0" smtClean="0">
-                <a:latin typeface="Times New Roman" pitchFamily="18" charset="0"/>
-                <a:cs typeface="Times New Roman" pitchFamily="18" charset="0"/>
-              </a:rPr>
-              <a:t>Summary</a:t>
-            </a:r>
-            <a:endParaRPr lang="en-US" sz="4800" dirty="0">
-              <a:latin typeface="Times New Roman" pitchFamily="18" charset="0"/>
-              <a:cs typeface="Times New Roman" pitchFamily="18" charset="0"/>
-            </a:endParaRPr>
-          </a:p>
-        </p:txBody>
-      </p:sp>
-      <p:sp>
-        <p:nvSpPr>
-          <p:cNvPr id="87" name="Text Placeholder 385"/>
-          <p:cNvSpPr>
-            <a:spLocks noGrp="1"/>
-          </p:cNvSpPr>
-          <p:nvPr>
-            <p:ph type="body" sz="quarter" idx="23"/>
-          </p:nvPr>
-        </p:nvSpPr>
-        <p:spPr>
-          <a:xfrm>
-            <a:off x="15140908" y="26390069"/>
-            <a:ext cx="13571537" cy="5792607"/>
-          </a:xfrm>
-        </p:spPr>
-        <p:txBody>
-          <a:bodyPr>
-            <a:noAutofit/>
-          </a:bodyPr>
-          <a:lstStyle/>
-          <a:p>
-            <a:pPr algn="just"/>
-            <a:r>
-              <a:rPr lang="en-US" sz="2800" dirty="0"/>
-              <a:t>In this project, we worked on extending </a:t>
-            </a:r>
-            <a:r>
-              <a:rPr lang="en-US" sz="2800" dirty="0" err="1"/>
-              <a:t>lambdaLVar</a:t>
-            </a:r>
-            <a:r>
-              <a:rPr lang="en-US" sz="2800" dirty="0"/>
-              <a:t>, a small programming language that uses LVars.  Because </a:t>
-            </a:r>
-            <a:r>
-              <a:rPr lang="en-US" sz="2800" dirty="0" err="1"/>
-              <a:t>lambdaLVar</a:t>
-            </a:r>
-            <a:r>
-              <a:rPr lang="en-US" sz="2800" dirty="0"/>
-              <a:t> is based on a lattice that is specified by the language user, </a:t>
-            </a:r>
-            <a:r>
-              <a:rPr lang="en-US" sz="2800" dirty="0" err="1"/>
-              <a:t>lambdaLVar</a:t>
-            </a:r>
-            <a:r>
-              <a:rPr lang="en-US" sz="2800" dirty="0"/>
-              <a:t> is actually not just one language, but a family of languages: instantiate </a:t>
-            </a:r>
-            <a:r>
-              <a:rPr lang="en-US" sz="2800" dirty="0" err="1"/>
-              <a:t>lambdaLVar</a:t>
-            </a:r>
-            <a:r>
-              <a:rPr lang="en-US" sz="2800" dirty="0"/>
-              <a:t> with one lattice and you get one deterministic parallel language; with another lattice, and you get </a:t>
-            </a:r>
-            <a:r>
-              <a:rPr lang="en-US" sz="2800" dirty="0" smtClean="0"/>
-              <a:t>another.</a:t>
-            </a:r>
-          </a:p>
-          <a:p>
-            <a:pPr algn="just"/>
-            <a:r>
-              <a:rPr lang="en-US" sz="2800" dirty="0" smtClean="0"/>
-              <a:t>In </a:t>
-            </a:r>
-            <a:r>
-              <a:rPr lang="en-US" sz="2800" dirty="0"/>
-              <a:t>this project we looked at some ways to instantiate </a:t>
-            </a:r>
-            <a:r>
-              <a:rPr lang="en-US" sz="2800" dirty="0" err="1"/>
-              <a:t>lambdaLVar</a:t>
-            </a:r>
-            <a:r>
-              <a:rPr lang="en-US" sz="2800" dirty="0"/>
-              <a:t> with new lattices.  We found that to instantiate </a:t>
-            </a:r>
-            <a:r>
-              <a:rPr lang="en-US" sz="2800" dirty="0" err="1"/>
-              <a:t>lambdaLVar</a:t>
-            </a:r>
-            <a:r>
-              <a:rPr lang="en-US" sz="2800" dirty="0"/>
-              <a:t> with a lattice, one has to specify a "least upper bound" (</a:t>
-            </a:r>
-            <a:r>
-              <a:rPr lang="en-US" sz="2800" dirty="0" err="1"/>
-              <a:t>lub</a:t>
-            </a:r>
-            <a:r>
-              <a:rPr lang="en-US" sz="2800" dirty="0"/>
-              <a:t>) operation that specifies how two lattice elements should be combined together.  This </a:t>
-            </a:r>
-            <a:r>
-              <a:rPr lang="en-US" sz="2800" dirty="0" err="1"/>
-              <a:t>lub</a:t>
-            </a:r>
-            <a:r>
-              <a:rPr lang="en-US" sz="2800" dirty="0"/>
-              <a:t> operation corresponds to how, when two threads write to a variable, the writes done by the two threads are merged together after the two threads finish </a:t>
-            </a:r>
-            <a:r>
-              <a:rPr lang="en-US" sz="2800" dirty="0" smtClean="0"/>
-              <a:t>running.</a:t>
-            </a:r>
-          </a:p>
-        </p:txBody>
-      </p:sp>
     </p:spTree>
     <p:extLst>
       <p:ext uri="{BB962C8B-B14F-4D97-AF65-F5344CB8AC3E}">

--- a/poster/Parallel Programming Poster.pptx
+++ b/poster/Parallel Programming Poster.pptx
@@ -17348,7 +17348,7 @@
         <p:spPr>
           <a:xfrm>
             <a:off x="904186" y="6295353"/>
-            <a:ext cx="13591277" cy="12095597"/>
+            <a:ext cx="13591277" cy="16490646"/>
           </a:xfrm>
         </p:spPr>
         <p:txBody>
@@ -17357,156 +17357,112 @@
           <a:p>
             <a:pPr algn="just"/>
             <a:r>
-              <a:rPr lang="en-US" sz="2800" dirty="0" smtClean="0"/>
+              <a:rPr lang="en-US" sz="3000" dirty="0" smtClean="0"/>
               <a:t>Parallel programming is </a:t>
             </a:r>
             <a:r>
-              <a:rPr lang="en-US" sz="2800" dirty="0"/>
+              <a:rPr lang="en-US" sz="3000" dirty="0"/>
               <a:t>a form of computation in which </a:t>
             </a:r>
             <a:r>
-              <a:rPr lang="en-US" sz="2800" dirty="0" smtClean="0"/>
+              <a:rPr lang="en-US" sz="3000" dirty="0" smtClean="0"/>
               <a:t>multiple </a:t>
             </a:r>
             <a:r>
-              <a:rPr lang="en-US" sz="2800" dirty="0"/>
+              <a:rPr lang="en-US" sz="3000" dirty="0"/>
               <a:t>calculations are carried out simultaneously</a:t>
             </a:r>
             <a:r>
-              <a:rPr lang="en-US" sz="2800" dirty="0" smtClean="0"/>
+              <a:rPr lang="en-US" sz="3000" dirty="0" smtClean="0"/>
               <a:t>, </a:t>
             </a:r>
             <a:r>
-              <a:rPr lang="en-US" sz="2800" dirty="0"/>
+              <a:rPr lang="en-US" sz="3000" dirty="0"/>
               <a:t>operating on the principle that large problems can often be divided into smaller ones, which are then solved </a:t>
             </a:r>
             <a:r>
-              <a:rPr lang="en-US" sz="2800" dirty="0" smtClean="0"/>
+              <a:rPr lang="en-US" sz="3000" dirty="0" smtClean="0"/>
               <a:t>concurrently</a:t>
             </a:r>
             <a:r>
-              <a:rPr lang="en-US" sz="2800" dirty="0" smtClean="0"/>
+              <a:rPr lang="en-US" sz="3000" dirty="0" smtClean="0"/>
               <a:t>. This allows programs to </a:t>
             </a:r>
             <a:r>
-              <a:rPr lang="en-US" sz="2800" dirty="0" smtClean="0"/>
+              <a:rPr lang="en-US" sz="3000" dirty="0" smtClean="0"/>
               <a:t>operate faster. One of the most challenging parts of parallel programming is dealing with shared state between computations. A program could behave differently on different runs, depending on the ordering of state-changing operations. This is called nondeterminism. </a:t>
             </a:r>
             <a:r>
-              <a:rPr lang="en-US" sz="2800" dirty="0" smtClean="0"/>
+              <a:rPr lang="en-US" sz="3000" dirty="0" smtClean="0"/>
               <a:t> Our goal is to create a language that will allow a program to run various operations in parallel while still remaining deterministic. </a:t>
             </a:r>
           </a:p>
           <a:p>
             <a:pPr algn="just"/>
-            <a:r>
-              <a:rPr lang="en-US" sz="2800" dirty="0" smtClean="0"/>
+            <a:endParaRPr lang="en-US" sz="3000" dirty="0" smtClean="0"/>
+          </a:p>
+          <a:p>
+            <a:pPr algn="just"/>
+            <a:r>
+              <a:rPr lang="en-US" sz="3000" dirty="0" smtClean="0"/>
               <a:t>In </a:t>
             </a:r>
             <a:r>
-              <a:rPr lang="en-US" sz="2800" dirty="0"/>
-              <a:t>this project, we worked on extending </a:t>
-            </a:r>
-            <a:r>
-              <a:rPr lang="en-US" sz="2800" dirty="0" err="1"/>
-              <a:t>lambdaLVar</a:t>
-            </a:r>
-            <a:r>
-              <a:rPr lang="en-US" sz="2800" dirty="0"/>
-              <a:t>, a small programming language that uses LVars. An LVar </a:t>
-            </a:r>
-            <a:r>
-              <a:rPr lang="en-US" sz="2800" dirty="0" smtClean="0"/>
+              <a:rPr lang="en-US" sz="3000" dirty="0"/>
+              <a:t>this project, we worked on extending lambdaLVar, a small programming language that uses LVars. An LVar </a:t>
+            </a:r>
+            <a:r>
+              <a:rPr lang="en-US" sz="3000" dirty="0" smtClean="0"/>
               <a:t>is a variable </a:t>
             </a:r>
             <a:r>
-              <a:rPr lang="en-US" sz="2800" dirty="0"/>
-              <a:t>that can take on various states that form a lattice. Figure 1 shows some examples of typical LVars.  Because </a:t>
-            </a:r>
-            <a:r>
-              <a:rPr lang="en-US" sz="2800" dirty="0" err="1"/>
-              <a:t>lambdaLVar</a:t>
-            </a:r>
-            <a:r>
-              <a:rPr lang="en-US" sz="2800" dirty="0"/>
-              <a:t> is based on a lattice that is specified by the language user, </a:t>
-            </a:r>
-            <a:r>
-              <a:rPr lang="en-US" sz="2800" dirty="0" err="1"/>
-              <a:t>lambdaLVar</a:t>
-            </a:r>
-            <a:r>
-              <a:rPr lang="en-US" sz="2800" dirty="0"/>
-              <a:t> is actually not just one language, but a family of languages: instantiate </a:t>
-            </a:r>
-            <a:r>
-              <a:rPr lang="en-US" sz="2800" dirty="0" err="1"/>
-              <a:t>lambdaLVar</a:t>
-            </a:r>
-            <a:r>
-              <a:rPr lang="en-US" sz="2800" dirty="0"/>
-              <a:t> with one lattice and you get one deterministic parallel language; with another lattice, and you get another.</a:t>
+              <a:rPr lang="en-US" sz="3000" dirty="0"/>
+              <a:t>that can take on various states that form a lattice. Figure 1 shows some examples of typical LVars.  Because lambdaLVar is based on a lattice that is specified by the language user, lambdaLVar is actually not just one language, but a family of languages: instantiate lambdaLVar with one lattice and you get one deterministic parallel language; with another lattice, and you get another</a:t>
+            </a:r>
+            <a:r>
+              <a:rPr lang="en-US" sz="3000" dirty="0" smtClean="0"/>
+              <a:t>.</a:t>
             </a:r>
           </a:p>
           <a:p>
             <a:pPr algn="just"/>
-            <a:r>
-              <a:rPr lang="en-US" sz="2800" dirty="0"/>
-              <a:t>In this project we looked at some ways to instantiate </a:t>
-            </a:r>
-            <a:r>
-              <a:rPr lang="en-US" sz="2800" dirty="0" err="1"/>
-              <a:t>lambdaLVar</a:t>
-            </a:r>
-            <a:r>
-              <a:rPr lang="en-US" sz="2800" dirty="0"/>
-              <a:t> with new lattices.  We found that to instantiate </a:t>
-            </a:r>
-            <a:r>
-              <a:rPr lang="en-US" sz="2800" dirty="0" err="1"/>
-              <a:t>lambdaLVar</a:t>
-            </a:r>
-            <a:r>
-              <a:rPr lang="en-US" sz="2800" dirty="0"/>
-              <a:t> with a lattice, one has to specify a "least upper bound" (</a:t>
-            </a:r>
-            <a:r>
-              <a:rPr lang="en-US" sz="2800" dirty="0" err="1"/>
-              <a:t>lub</a:t>
-            </a:r>
-            <a:r>
-              <a:rPr lang="en-US" sz="2800" dirty="0"/>
-              <a:t>) operation that specifies how two lattice elements should be combined together.  This </a:t>
-            </a:r>
-            <a:r>
-              <a:rPr lang="en-US" sz="2800" dirty="0" err="1"/>
-              <a:t>lub</a:t>
-            </a:r>
-            <a:r>
-              <a:rPr lang="en-US" sz="2800" dirty="0"/>
-              <a:t> operation corresponds to how, when two threads write to a variable, the writes done by the two threads are merged together after the two threads finish running.</a:t>
-            </a:r>
+            <a:endParaRPr lang="en-US" sz="3000" dirty="0"/>
           </a:p>
           <a:p>
             <a:pPr algn="just"/>
             <a:r>
-              <a:rPr lang="en-US" sz="2800" dirty="0"/>
-              <a:t>For some lattices, the least upper bound operation was a simple built-in function like taking the maximum of two numbers; for other lattices it was more sophisticated and required us to write our own function.</a:t>
+              <a:rPr lang="en-US" sz="3000" dirty="0"/>
+              <a:t>In this project we looked at some ways to instantiate lambdaLVar with new lattices.  We found that to instantiate lambdaLVar with a lattice, one has to specify a "least upper bound" (lub) operation that specifies how two lattice elements should be combined together.  This lub operation corresponds to how, when two threads write to a variable, the writes done by the two threads are merged together after the two threads finish running</a:t>
+            </a:r>
+            <a:r>
+              <a:rPr lang="en-US" sz="3000" dirty="0" smtClean="0"/>
+              <a:t>.</a:t>
             </a:r>
           </a:p>
           <a:p>
             <a:pPr algn="just"/>
-            <a:r>
-              <a:rPr lang="en-US" sz="2800" dirty="0"/>
-              <a:t>We instantiated </a:t>
-            </a:r>
-            <a:r>
-              <a:rPr lang="en-US" sz="2800" dirty="0" err="1"/>
-              <a:t>lambdaLVar</a:t>
-            </a:r>
-            <a:r>
-              <a:rPr lang="en-US" sz="2800" dirty="0"/>
-              <a:t> in a variety of ways, and for each instantiation, we created test suites to check if the programs we wrote were working the way we intended.</a:t>
+            <a:endParaRPr lang="en-US" sz="3000" dirty="0"/>
+          </a:p>
+          <a:p>
+            <a:pPr algn="just"/>
+            <a:r>
+              <a:rPr lang="en-US" sz="3000" dirty="0"/>
+              <a:t>For some lattices, the least upper bound operation was a simple built-in function like taking the maximum of two numbers; for other lattices it was more sophisticated and required us to write our own function</a:t>
+            </a:r>
+            <a:r>
+              <a:rPr lang="en-US" sz="3000" dirty="0" smtClean="0"/>
+              <a:t>.</a:t>
+            </a:r>
+          </a:p>
+          <a:p>
+            <a:pPr algn="just"/>
+            <a:endParaRPr lang="en-US" sz="3000" dirty="0"/>
+          </a:p>
+          <a:p>
+            <a:pPr algn="just"/>
+            <a:r>
+              <a:rPr lang="en-US" sz="3000" dirty="0"/>
+              <a:t>We instantiated lambdaLVar in a variety of ways, and for each instantiation, we created test suites to check if the programs we wrote were working the way we intended.</a:t>
             </a:r>
           </a:p>
           <a:p>
@@ -17527,8 +17483,8 @@
         </p:nvSpPr>
         <p:spPr>
           <a:xfrm>
-            <a:off x="913648" y="5351225"/>
-            <a:ext cx="13573126" cy="838683"/>
+            <a:off x="913647" y="5388752"/>
+            <a:ext cx="13588166" cy="923322"/>
           </a:xfrm>
           <a:solidFill>
             <a:schemeClr val="tx2">
@@ -17561,289 +17517,43 @@
         </p:nvSpPr>
         <p:spPr>
           <a:xfrm>
-            <a:off x="15450748" y="9458465"/>
-            <a:ext cx="12972724" cy="14012470"/>
-          </a:xfrm>
+            <a:off x="15445681" y="14657760"/>
+            <a:ext cx="12972724" cy="12801287"/>
+          </a:xfrm>
+          <a:solidFill>
+            <a:schemeClr val="bg1"/>
+          </a:solidFill>
+          <a:ln w="12700">
+            <a:solidFill>
+              <a:schemeClr val="tx1"/>
+            </a:solidFill>
+          </a:ln>
         </p:spPr>
         <p:txBody>
           <a:bodyPr/>
           <a:lstStyle/>
           <a:p>
-            <a:r>
-              <a:rPr lang="en-US" sz="2800" dirty="0"/>
-              <a:t>let par a = ...</a:t>
-            </a:r>
-            <a:br>
-              <a:rPr lang="en-US" sz="2800" dirty="0"/>
-            </a:br>
-            <a:r>
-              <a:rPr lang="en-US" sz="2800" dirty="0"/>
-              <a:t>            let par x = ...</a:t>
-            </a:r>
-            <a:br>
-              <a:rPr lang="en-US" sz="2800" dirty="0"/>
-            </a:br>
-            <a:r>
-              <a:rPr lang="en-US" sz="2800" dirty="0"/>
-              <a:t>                    y = ...</a:t>
-            </a:r>
-            <a:br>
-              <a:rPr lang="en-US" sz="2800" dirty="0"/>
-            </a:br>
-            <a:r>
-              <a:rPr lang="en-US" sz="2800" dirty="0"/>
-              <a:t>             in ...</a:t>
-            </a:r>
-            <a:br>
-              <a:rPr lang="en-US" sz="2800" dirty="0"/>
-            </a:br>
-            <a:r>
-              <a:rPr lang="en-US" sz="2800" dirty="0"/>
-              <a:t>        b = ...</a:t>
-            </a:r>
-            <a:br>
-              <a:rPr lang="en-US" sz="2800" dirty="0"/>
-            </a:br>
-            <a:r>
-              <a:rPr lang="en-US" sz="2800" dirty="0"/>
-              <a:t> in </a:t>
-            </a:r>
-            <a:r>
-              <a:rPr lang="en-US" sz="2800" dirty="0" smtClean="0"/>
-              <a:t>...</a:t>
-            </a:r>
-          </a:p>
-          <a:p>
             <a:endParaRPr lang="en-US" sz="2800" dirty="0"/>
           </a:p>
           <a:p>
-            <a:endParaRPr lang="en-US" sz="2800" dirty="0" smtClean="0"/>
-          </a:p>
-          <a:p>
             <a:endParaRPr lang="en-US" sz="2800" dirty="0"/>
           </a:p>
-          <a:p>
-            <a:endParaRPr lang="en-US" sz="2800" dirty="0" smtClean="0"/>
-          </a:p>
-          <a:p>
-            <a:endParaRPr lang="en-US" sz="2800" dirty="0"/>
-          </a:p>
-          <a:p>
-            <a:endParaRPr lang="en-US" sz="2800" dirty="0" smtClean="0"/>
-          </a:p>
-          <a:p>
-            <a:endParaRPr lang="en-US" sz="2800" dirty="0"/>
-          </a:p>
-          <a:p>
-            <a:endParaRPr lang="en-US" sz="2800" dirty="0" smtClean="0"/>
-          </a:p>
-          <a:p>
-            <a:endParaRPr lang="en-US" sz="2800" dirty="0"/>
-          </a:p>
-          <a:p>
-            <a:endParaRPr lang="en-US" sz="2800" dirty="0" smtClean="0"/>
-          </a:p>
-          <a:p>
-            <a:endParaRPr lang="en-US" sz="2800" dirty="0"/>
-          </a:p>
-          <a:p>
-            <a:endParaRPr lang="en-US" sz="2800" dirty="0" smtClean="0"/>
-          </a:p>
-          <a:p>
-            <a:endParaRPr lang="en-US" sz="2800" dirty="0"/>
-          </a:p>
-          <a:p>
-            <a:endParaRPr lang="en-US" sz="2800" dirty="0" smtClean="0"/>
-          </a:p>
-          <a:p>
-            <a:r>
-              <a:rPr lang="en-US" sz="2800" dirty="0"/>
-              <a:t>let par a = ...</a:t>
-            </a:r>
-            <a:br>
-              <a:rPr lang="en-US" sz="2800" dirty="0"/>
-            </a:br>
-            <a:r>
-              <a:rPr lang="en-US" sz="2800" dirty="0"/>
-              <a:t>            let par x = ... </a:t>
-            </a:r>
-            <a:r>
-              <a:rPr lang="en-US" sz="2800" b="1" dirty="0">
-                <a:solidFill>
-                  <a:srgbClr val="FF0000"/>
-                </a:solidFill>
-              </a:rPr>
-              <a:t>Put(l)</a:t>
-            </a:r>
-            <a:r>
-              <a:rPr lang="en-US" sz="2800" dirty="0"/>
-              <a:t> ...</a:t>
-            </a:r>
-            <a:br>
-              <a:rPr lang="en-US" sz="2800" dirty="0"/>
-            </a:br>
-            <a:r>
-              <a:rPr lang="en-US" sz="2800" dirty="0"/>
-              <a:t>                    y = ...</a:t>
-            </a:r>
-            <a:br>
-              <a:rPr lang="en-US" sz="2800" dirty="0"/>
-            </a:br>
-            <a:r>
-              <a:rPr lang="en-US" sz="2800" dirty="0"/>
-              <a:t>             in ...</a:t>
-            </a:r>
-            <a:br>
-              <a:rPr lang="en-US" sz="2800" dirty="0"/>
-            </a:br>
-            <a:r>
-              <a:rPr lang="en-US" sz="2800" dirty="0"/>
-              <a:t>        b = ... </a:t>
-            </a:r>
-            <a:r>
-              <a:rPr lang="en-US" sz="2800" b="1" dirty="0">
-                <a:solidFill>
-                  <a:srgbClr val="FF0000"/>
-                </a:solidFill>
-              </a:rPr>
-              <a:t>Get(l)</a:t>
-            </a:r>
-            <a:r>
-              <a:rPr lang="en-US" sz="2800" dirty="0"/>
-              <a:t> ...</a:t>
-            </a:r>
-            <a:br>
-              <a:rPr lang="en-US" sz="2800" dirty="0"/>
-            </a:br>
-            <a:r>
-              <a:rPr lang="en-US" sz="2800" dirty="0"/>
-              <a:t> in ...</a:t>
-            </a:r>
-          </a:p>
-          <a:p>
-            <a:endParaRPr lang="en-US" sz="2800" dirty="0"/>
-          </a:p>
-          <a:p>
-            <a:endParaRPr lang="en-US" sz="2800" dirty="0"/>
-          </a:p>
-        </p:txBody>
-      </p:sp>
-      <p:sp>
-        <p:nvSpPr>
-          <p:cNvPr id="9" name="Text Placeholder 8"/>
-          <p:cNvSpPr>
-            <a:spLocks noGrp="1"/>
-          </p:cNvSpPr>
-          <p:nvPr>
-            <p:ph type="body" sz="quarter" idx="20"/>
-          </p:nvPr>
-        </p:nvSpPr>
-        <p:spPr>
-          <a:xfrm>
-            <a:off x="15200908" y="25187183"/>
-            <a:ext cx="13573125" cy="2120572"/>
-          </a:xfrm>
-        </p:spPr>
-        <p:txBody>
-          <a:bodyPr/>
-          <a:lstStyle/>
-          <a:p>
-            <a:endParaRPr lang="en-US" dirty="0" smtClean="0"/>
-          </a:p>
-          <a:p>
-            <a:endParaRPr lang="en-US" dirty="0"/>
-          </a:p>
-          <a:p>
-            <a:endParaRPr lang="en-US" dirty="0" smtClean="0"/>
-          </a:p>
-        </p:txBody>
-      </p:sp>
-      <p:sp>
-        <p:nvSpPr>
-          <p:cNvPr id="18" name="Text Placeholder 17"/>
-          <p:cNvSpPr>
-            <a:spLocks noGrp="1"/>
-          </p:cNvSpPr>
-          <p:nvPr>
-            <p:ph type="body" sz="quarter" idx="21"/>
-          </p:nvPr>
-        </p:nvSpPr>
-        <p:spPr>
-          <a:xfrm>
-            <a:off x="961769" y="25732617"/>
-            <a:ext cx="13571534" cy="6235531"/>
-          </a:xfrm>
-        </p:spPr>
-        <p:txBody>
-          <a:bodyPr/>
-          <a:lstStyle/>
-          <a:p>
-            <a:pPr algn="just"/>
-            <a:r>
-              <a:rPr lang="en-US" sz="2800" dirty="0" smtClean="0"/>
-              <a:t>Before </a:t>
-            </a:r>
-            <a:r>
-              <a:rPr lang="en-US" sz="2800" dirty="0" smtClean="0"/>
-              <a:t>I began working on this project, there was already an implementation of the counter </a:t>
-            </a:r>
-            <a:r>
-              <a:rPr lang="en-US" sz="2800" dirty="0" smtClean="0"/>
-              <a:t>LVar, figure 1c. The counter LVar keeps track of the max value that has been entered. If the user were to put in values x and y into the LVar, it would keep track of max( x, y ). If the user were to then use the get function on any value that is less than or equal to max( x, y ), it would return true. If they were to call get with a value greater than max( x, y), </a:t>
-            </a:r>
-            <a:r>
-              <a:rPr lang="en-US" sz="2800" dirty="0" smtClean="0"/>
-              <a:t>the call would block the program until the value you asked for is reached</a:t>
-            </a:r>
-            <a:r>
-              <a:rPr lang="en-US" sz="2800" dirty="0" smtClean="0"/>
-              <a:t>.</a:t>
-            </a:r>
-            <a:endParaRPr lang="en-US" sz="2800" dirty="0" smtClean="0"/>
-          </a:p>
-          <a:p>
-            <a:pPr algn="just"/>
-            <a:endParaRPr lang="en-US" sz="2800" dirty="0" smtClean="0"/>
-          </a:p>
-          <a:p>
-            <a:pPr algn="just"/>
-            <a:r>
-              <a:rPr lang="en-US" sz="2800" dirty="0" smtClean="0"/>
-              <a:t>The pair </a:t>
-            </a:r>
-            <a:r>
-              <a:rPr lang="en-US" sz="2800" dirty="0" smtClean="0"/>
-              <a:t>LVar, figure 1b, </a:t>
-            </a:r>
-            <a:r>
-              <a:rPr lang="en-US" sz="2800" dirty="0" smtClean="0"/>
-              <a:t>allows </a:t>
-            </a:r>
-            <a:r>
-              <a:rPr lang="en-US" sz="2800" dirty="0" smtClean="0"/>
-              <a:t>for pairs of values. </a:t>
-            </a:r>
-            <a:r>
-              <a:rPr lang="en-US" sz="2800" dirty="0" smtClean="0"/>
-              <a:t>This LVar only allows for one value in each index. The order in which the program puts in the values isn’t important. This LVar will also allow for inputting both values in parallel. Once it has both values assigned, if the program would attempt to put another value it, the LVar would reach top which would throw an error. Being able to implement this LVar is on way of solving our problem of keeping a parallel program deterministic. </a:t>
-            </a:r>
-          </a:p>
-        </p:txBody>
-      </p:sp>
-      <p:sp>
-        <p:nvSpPr>
-          <p:cNvPr id="387" name="Text Placeholder 386"/>
-          <p:cNvSpPr>
-            <a:spLocks noGrp="1"/>
-          </p:cNvSpPr>
-          <p:nvPr>
-            <p:ph type="body" sz="quarter" idx="24"/>
-          </p:nvPr>
-        </p:nvSpPr>
-        <p:spPr>
-          <a:xfrm>
-            <a:off x="15192971" y="7928868"/>
-            <a:ext cx="13579475" cy="754045"/>
+        </p:txBody>
+      </p:sp>
+      <p:sp>
+        <p:nvSpPr>
+          <p:cNvPr id="554" name="Text Placeholder 553"/>
+          <p:cNvSpPr>
+            <a:spLocks noGrp="1"/>
+          </p:cNvSpPr>
+          <p:nvPr>
+            <p:ph type="body" sz="quarter" idx="25"/>
+          </p:nvPr>
+        </p:nvSpPr>
+        <p:spPr>
+          <a:xfrm>
+            <a:off x="29399667" y="5388751"/>
+            <a:ext cx="13576029" cy="923322"/>
           </a:xfrm>
           <a:solidFill>
             <a:schemeClr val="tx2">
@@ -17853,34 +17563,16 @@
           </a:solidFill>
         </p:spPr>
         <p:txBody>
-          <a:bodyPr>
-            <a:noAutofit/>
-          </a:bodyPr>
+          <a:bodyPr/>
           <a:lstStyle/>
           <a:p>
             <a:r>
-              <a:rPr lang="en-US" sz="4800" dirty="0">
-                <a:latin typeface="Times New Roman" pitchFamily="18" charset="0"/>
+              <a:rPr lang="en-US" sz="4800" dirty="0" smtClean="0">
                 <a:cs typeface="Times New Roman" pitchFamily="18" charset="0"/>
               </a:rPr>
-              <a:t>Determinism for </a:t>
-            </a:r>
-            <a:r>
-              <a:rPr lang="el-GR" sz="4800" dirty="0">
-                <a:latin typeface="Times New Roman" pitchFamily="18" charset="0"/>
-                <a:cs typeface="Times New Roman" pitchFamily="18" charset="0"/>
-              </a:rPr>
-              <a:t>λ</a:t>
-            </a:r>
-            <a:r>
-              <a:rPr lang="en-US" sz="4800" dirty="0">
-                <a:latin typeface="Times New Roman" pitchFamily="18" charset="0"/>
-                <a:cs typeface="Times New Roman" pitchFamily="18" charset="0"/>
-              </a:rPr>
-              <a:t> LVar</a:t>
+              <a:t>Tools Used</a:t>
             </a:r>
             <a:endParaRPr lang="en-US" sz="4800" dirty="0">
-              <a:latin typeface="Times New Roman" pitchFamily="18" charset="0"/>
               <a:cs typeface="Times New Roman" pitchFamily="18" charset="0"/>
             </a:endParaRPr>
           </a:p>
@@ -17888,46 +17580,6 @@
       </p:sp>
       <p:sp>
         <p:nvSpPr>
-          <p:cNvPr id="554" name="Text Placeholder 553"/>
-          <p:cNvSpPr>
-            <a:spLocks noGrp="1"/>
-          </p:cNvSpPr>
-          <p:nvPr>
-            <p:ph type="body" sz="quarter" idx="25"/>
-          </p:nvPr>
-        </p:nvSpPr>
-        <p:spPr>
-          <a:xfrm>
-            <a:off x="29395741" y="5347358"/>
-            <a:ext cx="13576029" cy="923322"/>
-          </a:xfrm>
-          <a:solidFill>
-            <a:schemeClr val="tx2">
-              <a:lumMod val="60000"/>
-              <a:lumOff val="40000"/>
-            </a:schemeClr>
-          </a:solidFill>
-        </p:spPr>
-        <p:txBody>
-          <a:bodyPr/>
-          <a:lstStyle/>
-          <a:p>
-            <a:r>
-              <a:rPr lang="en-US" sz="4800" dirty="0" smtClean="0">
-                <a:latin typeface="Times New Roman" pitchFamily="18" charset="0"/>
-                <a:cs typeface="Times New Roman" pitchFamily="18" charset="0"/>
-              </a:rPr>
-              <a:t>Summary</a:t>
-            </a:r>
-            <a:endParaRPr lang="en-US" sz="4800" dirty="0">
-              <a:latin typeface="Times New Roman" pitchFamily="18" charset="0"/>
-              <a:cs typeface="Times New Roman" pitchFamily="18" charset="0"/>
-            </a:endParaRPr>
-          </a:p>
-        </p:txBody>
-      </p:sp>
-      <p:sp>
-        <p:nvSpPr>
           <p:cNvPr id="559" name="Text Placeholder 558"/>
           <p:cNvSpPr>
             <a:spLocks noGrp="1"/>
@@ -17938,7 +17590,7 @@
         </p:nvSpPr>
         <p:spPr>
           <a:xfrm>
-            <a:off x="29395742" y="29863621"/>
+            <a:off x="29407264" y="29832984"/>
             <a:ext cx="13581061" cy="2505279"/>
           </a:xfrm>
         </p:spPr>
@@ -18295,18 +17947,284 @@
           </a:p>
         </p:txBody>
       </p:sp>
-      <p:sp>
-        <p:nvSpPr>
-          <p:cNvPr id="562" name="Picture Placeholder 561"/>
-          <p:cNvSpPr>
-            <a:spLocks noGrp="1"/>
-          </p:cNvSpPr>
+      <p:graphicFrame>
+        <p:nvGraphicFramePr>
+          <p:cNvPr id="19" name="Picture Placeholder 18"/>
+          <p:cNvGraphicFramePr>
+            <a:graphicFrameLocks noGrp="1"/>
+          </p:cNvGraphicFramePr>
           <p:nvPr>
             <p:ph type="pic" sz="quarter" idx="115"/>
-          </p:nvPr>
-        </p:nvSpPr>
-        <p:spPr/>
-      </p:sp>
+            <p:extLst>
+              <p:ext uri="{D42A27DB-BD31-4B8C-83A1-F6EECF244321}">
+                <p14:modId xmlns:p14="http://schemas.microsoft.com/office/powerpoint/2010/main" val="1817778534"/>
+              </p:ext>
+            </p:extLst>
+          </p:nvPr>
+        </p:nvGraphicFramePr>
+        <p:xfrm>
+          <a:off x="16047050" y="15464606"/>
+          <a:ext cx="11866602" cy="2590800"/>
+        </p:xfrm>
+        <a:graphic>
+          <a:graphicData uri="http://schemas.openxmlformats.org/drawingml/2006/table">
+            <a:tbl>
+              <a:tblPr>
+                <a:tableStyleId>{073A0DAA-6AF3-43AB-8588-CEC1D06C72B9}</a:tableStyleId>
+              </a:tblPr>
+              <a:tblGrid>
+                <a:gridCol w="5933301"/>
+                <a:gridCol w="5933301"/>
+              </a:tblGrid>
+              <a:tr h="370840">
+                <a:tc>
+                  <a:txBody>
+                    <a:bodyPr/>
+                    <a:lstStyle/>
+                    <a:p>
+                      <a:pPr marL="0" marR="0" indent="0" algn="l" defTabSz="4388900" rtl="0" eaLnBrk="1" fontAlgn="auto" latinLnBrk="0" hangingPunct="1">
+                        <a:lnSpc>
+                          <a:spcPct val="100000"/>
+                        </a:lnSpc>
+                        <a:spcBef>
+                          <a:spcPts val="0"/>
+                        </a:spcBef>
+                        <a:spcAft>
+                          <a:spcPts val="0"/>
+                        </a:spcAft>
+                        <a:buClrTx/>
+                        <a:buSzTx/>
+                        <a:buFontTx/>
+                        <a:buNone/>
+                        <a:tabLst/>
+                        <a:defRPr/>
+                      </a:pPr>
+                      <a:r>
+                        <a:rPr lang="en-US" sz="2000" dirty="0" smtClean="0">
+                          <a:latin typeface="Courier New" pitchFamily="49" charset="0"/>
+                          <a:cs typeface="Courier New" pitchFamily="49" charset="0"/>
+                        </a:rPr>
+                        <a:t>let par a = ...</a:t>
+                      </a:r>
+                      <a:br>
+                        <a:rPr lang="en-US" sz="2000" dirty="0" smtClean="0">
+                          <a:latin typeface="Courier New" pitchFamily="49" charset="0"/>
+                          <a:cs typeface="Courier New" pitchFamily="49" charset="0"/>
+                        </a:rPr>
+                      </a:br>
+                      <a:r>
+                        <a:rPr lang="en-US" sz="2000" dirty="0" smtClean="0">
+                          <a:latin typeface="Courier New" pitchFamily="49" charset="0"/>
+                          <a:cs typeface="Courier New" pitchFamily="49" charset="0"/>
+                        </a:rPr>
+                        <a:t>            let par x = ...</a:t>
+                      </a:r>
+                      <a:br>
+                        <a:rPr lang="en-US" sz="2000" dirty="0" smtClean="0">
+                          <a:latin typeface="Courier New" pitchFamily="49" charset="0"/>
+                          <a:cs typeface="Courier New" pitchFamily="49" charset="0"/>
+                        </a:rPr>
+                      </a:br>
+                      <a:r>
+                        <a:rPr lang="en-US" sz="2000" dirty="0" smtClean="0">
+                          <a:latin typeface="Courier New" pitchFamily="49" charset="0"/>
+                          <a:cs typeface="Courier New" pitchFamily="49" charset="0"/>
+                        </a:rPr>
+                        <a:t>                    y = ...</a:t>
+                      </a:r>
+                      <a:br>
+                        <a:rPr lang="en-US" sz="2000" dirty="0" smtClean="0">
+                          <a:latin typeface="Courier New" pitchFamily="49" charset="0"/>
+                          <a:cs typeface="Courier New" pitchFamily="49" charset="0"/>
+                        </a:rPr>
+                      </a:br>
+                      <a:r>
+                        <a:rPr lang="en-US" sz="2000" dirty="0" smtClean="0">
+                          <a:latin typeface="Courier New" pitchFamily="49" charset="0"/>
+                          <a:cs typeface="Courier New" pitchFamily="49" charset="0"/>
+                        </a:rPr>
+                        <a:t>             in ...</a:t>
+                      </a:r>
+                      <a:br>
+                        <a:rPr lang="en-US" sz="2000" dirty="0" smtClean="0">
+                          <a:latin typeface="Courier New" pitchFamily="49" charset="0"/>
+                          <a:cs typeface="Courier New" pitchFamily="49" charset="0"/>
+                        </a:rPr>
+                      </a:br>
+                      <a:r>
+                        <a:rPr lang="en-US" sz="2000" dirty="0" smtClean="0">
+                          <a:latin typeface="Courier New" pitchFamily="49" charset="0"/>
+                          <a:cs typeface="Courier New" pitchFamily="49" charset="0"/>
+                        </a:rPr>
+                        <a:t>        b = ...</a:t>
+                      </a:r>
+                      <a:br>
+                        <a:rPr lang="en-US" sz="2000" dirty="0" smtClean="0">
+                          <a:latin typeface="Courier New" pitchFamily="49" charset="0"/>
+                          <a:cs typeface="Courier New" pitchFamily="49" charset="0"/>
+                        </a:rPr>
+                      </a:br>
+                      <a:r>
+                        <a:rPr lang="en-US" sz="2000" dirty="0" smtClean="0">
+                          <a:latin typeface="Courier New" pitchFamily="49" charset="0"/>
+                          <a:cs typeface="Courier New" pitchFamily="49" charset="0"/>
+                        </a:rPr>
+                        <a:t> in ...</a:t>
+                      </a:r>
+                    </a:p>
+                    <a:p>
+                      <a:endParaRPr lang="en-US" sz="2400" dirty="0">
+                        <a:solidFill>
+                          <a:schemeClr val="tx1"/>
+                        </a:solidFill>
+                        <a:latin typeface="Times New Roman" pitchFamily="18" charset="0"/>
+                        <a:cs typeface="Times New Roman" pitchFamily="18" charset="0"/>
+                      </a:endParaRPr>
+                    </a:p>
+                  </a:txBody>
+                  <a:tcPr>
+                    <a:noFill/>
+                  </a:tcPr>
+                </a:tc>
+                <a:tc>
+                  <a:txBody>
+                    <a:bodyPr/>
+                    <a:lstStyle/>
+                    <a:p>
+                      <a:pPr marL="0" marR="0" indent="0" algn="l" defTabSz="4388900" rtl="0" eaLnBrk="1" fontAlgn="auto" latinLnBrk="0" hangingPunct="1">
+                        <a:lnSpc>
+                          <a:spcPct val="100000"/>
+                        </a:lnSpc>
+                        <a:spcBef>
+                          <a:spcPts val="0"/>
+                        </a:spcBef>
+                        <a:spcAft>
+                          <a:spcPts val="0"/>
+                        </a:spcAft>
+                        <a:buClrTx/>
+                        <a:buSzTx/>
+                        <a:buFontTx/>
+                        <a:buNone/>
+                        <a:tabLst/>
+                        <a:defRPr/>
+                      </a:pPr>
+                      <a:r>
+                        <a:rPr lang="en-US" sz="2000" dirty="0" smtClean="0">
+                          <a:latin typeface="Courier New" pitchFamily="49" charset="0"/>
+                          <a:cs typeface="Courier New" pitchFamily="49" charset="0"/>
+                        </a:rPr>
+                        <a:t>let par a = ...</a:t>
+                      </a:r>
+                      <a:br>
+                        <a:rPr lang="en-US" sz="2000" dirty="0" smtClean="0">
+                          <a:latin typeface="Courier New" pitchFamily="49" charset="0"/>
+                          <a:cs typeface="Courier New" pitchFamily="49" charset="0"/>
+                        </a:rPr>
+                      </a:br>
+                      <a:r>
+                        <a:rPr lang="en-US" sz="2000" dirty="0" smtClean="0">
+                          <a:latin typeface="Courier New" pitchFamily="49" charset="0"/>
+                          <a:cs typeface="Courier New" pitchFamily="49" charset="0"/>
+                        </a:rPr>
+                        <a:t>            let par x = ... </a:t>
+                      </a:r>
+                      <a:r>
+                        <a:rPr lang="en-US" sz="2000" b="1" dirty="0" smtClean="0">
+                          <a:latin typeface="Courier New" pitchFamily="49" charset="0"/>
+                          <a:cs typeface="Courier New" pitchFamily="49" charset="0"/>
+                        </a:rPr>
+                        <a:t>Put(l) </a:t>
+                      </a:r>
+                      <a:r>
+                        <a:rPr lang="en-US" sz="2000" dirty="0" smtClean="0">
+                          <a:latin typeface="Courier New" pitchFamily="49" charset="0"/>
+                          <a:cs typeface="Courier New" pitchFamily="49" charset="0"/>
+                        </a:rPr>
+                        <a:t>...</a:t>
+                      </a:r>
+                      <a:br>
+                        <a:rPr lang="en-US" sz="2000" dirty="0" smtClean="0">
+                          <a:latin typeface="Courier New" pitchFamily="49" charset="0"/>
+                          <a:cs typeface="Courier New" pitchFamily="49" charset="0"/>
+                        </a:rPr>
+                      </a:br>
+                      <a:r>
+                        <a:rPr lang="en-US" sz="2000" dirty="0" smtClean="0">
+                          <a:latin typeface="Courier New" pitchFamily="49" charset="0"/>
+                          <a:cs typeface="Courier New" pitchFamily="49" charset="0"/>
+                        </a:rPr>
+                        <a:t>                    y = ...</a:t>
+                      </a:r>
+                      <a:br>
+                        <a:rPr lang="en-US" sz="2000" dirty="0" smtClean="0">
+                          <a:latin typeface="Courier New" pitchFamily="49" charset="0"/>
+                          <a:cs typeface="Courier New" pitchFamily="49" charset="0"/>
+                        </a:rPr>
+                      </a:br>
+                      <a:r>
+                        <a:rPr lang="en-US" sz="2000" dirty="0" smtClean="0">
+                          <a:latin typeface="Courier New" pitchFamily="49" charset="0"/>
+                          <a:cs typeface="Courier New" pitchFamily="49" charset="0"/>
+                        </a:rPr>
+                        <a:t>             in ...</a:t>
+                      </a:r>
+                      <a:br>
+                        <a:rPr lang="en-US" sz="2000" dirty="0" smtClean="0">
+                          <a:latin typeface="Courier New" pitchFamily="49" charset="0"/>
+                          <a:cs typeface="Courier New" pitchFamily="49" charset="0"/>
+                        </a:rPr>
+                      </a:br>
+                      <a:r>
+                        <a:rPr lang="en-US" sz="2000" dirty="0" smtClean="0">
+                          <a:latin typeface="Courier New" pitchFamily="49" charset="0"/>
+                          <a:cs typeface="Courier New" pitchFamily="49" charset="0"/>
+                        </a:rPr>
+                        <a:t>        b = ... </a:t>
+                      </a:r>
+                      <a:r>
+                        <a:rPr lang="en-US" sz="2000" b="1" dirty="0" smtClean="0">
+                          <a:latin typeface="Courier New" pitchFamily="49" charset="0"/>
+                          <a:cs typeface="Courier New" pitchFamily="49" charset="0"/>
+                        </a:rPr>
+                        <a:t>Get(l) </a:t>
+                      </a:r>
+                      <a:r>
+                        <a:rPr lang="en-US" sz="2000" dirty="0" smtClean="0">
+                          <a:latin typeface="Courier New" pitchFamily="49" charset="0"/>
+                          <a:cs typeface="Courier New" pitchFamily="49" charset="0"/>
+                        </a:rPr>
+                        <a:t>...</a:t>
+                      </a:r>
+                      <a:br>
+                        <a:rPr lang="en-US" sz="2000" dirty="0" smtClean="0">
+                          <a:latin typeface="Courier New" pitchFamily="49" charset="0"/>
+                          <a:cs typeface="Courier New" pitchFamily="49" charset="0"/>
+                        </a:rPr>
+                      </a:br>
+                      <a:r>
+                        <a:rPr lang="en-US" sz="2000" dirty="0" smtClean="0">
+                          <a:latin typeface="Courier New" pitchFamily="49" charset="0"/>
+                          <a:cs typeface="Courier New" pitchFamily="49" charset="0"/>
+                        </a:rPr>
+                        <a:t> in ...</a:t>
+                      </a:r>
+                    </a:p>
+                    <a:p>
+                      <a:endParaRPr lang="en-US" sz="2400" dirty="0">
+                        <a:latin typeface="Times New Roman" pitchFamily="18" charset="0"/>
+                        <a:cs typeface="Times New Roman" pitchFamily="18" charset="0"/>
+                      </a:endParaRPr>
+                    </a:p>
+                  </a:txBody>
+                  <a:tcPr>
+                    <a:noFill/>
+                  </a:tcPr>
+                </a:tc>
+              </a:tr>
+            </a:tbl>
+          </a:graphicData>
+        </a:graphic>
+      </p:graphicFrame>
       <p:sp>
         <p:nvSpPr>
           <p:cNvPr id="573" name="Picture Placeholder 572"/>
@@ -18726,7 +18644,7 @@
         </p:blipFill>
         <p:spPr bwMode="auto">
           <a:xfrm>
-            <a:off x="16069897" y="11142331"/>
+            <a:off x="15740127" y="16760006"/>
             <a:ext cx="12173525" cy="9317322"/>
           </a:xfrm>
           <a:prstGeom prst="rect">
@@ -18925,7 +18843,7 @@
         </p:nvSpPr>
         <p:spPr>
           <a:xfrm>
-            <a:off x="29455390" y="17810478"/>
+            <a:off x="29407264" y="13071887"/>
             <a:ext cx="13573126" cy="923322"/>
           </a:xfrm>
           <a:solidFill>
@@ -18959,8 +18877,8 @@
         </p:nvSpPr>
         <p:spPr>
           <a:xfrm>
-            <a:off x="29395741" y="18706461"/>
-            <a:ext cx="13571537" cy="860425"/>
+            <a:off x="29456979" y="13920091"/>
+            <a:ext cx="13571537" cy="12366520"/>
           </a:xfrm>
         </p:spPr>
         <p:txBody>
@@ -18969,193 +18887,197 @@
           </a:bodyPr>
           <a:lstStyle/>
           <a:p>
-            <a:r>
-              <a:rPr lang="en-US" sz="2800" dirty="0"/>
-              <a:t>Future work on </a:t>
-            </a:r>
-            <a:r>
-              <a:rPr lang="en-US" sz="2800" dirty="0" err="1"/>
-              <a:t>lambdaLVar</a:t>
-            </a:r>
-            <a:r>
-              <a:rPr lang="en-US" sz="2800" dirty="0"/>
-              <a:t>: </a:t>
-            </a:r>
-          </a:p>
-          <a:p>
-            <a:pPr lvl="1"/>
-            <a:r>
-              <a:rPr lang="en-US" sz="2800" dirty="0"/>
-              <a:t>Automatic test generation: The flexibility of </a:t>
-            </a:r>
-            <a:r>
-              <a:rPr lang="en-US" sz="2800" dirty="0" err="1"/>
-              <a:t>lambdaLVar</a:t>
-            </a:r>
-            <a:r>
-              <a:rPr lang="en-US" sz="2800" dirty="0"/>
-              <a:t> means that there is always more work to do: we can create new languages with </a:t>
-            </a:r>
-            <a:r>
-              <a:rPr lang="en-US" sz="2800" dirty="0" err="1"/>
-              <a:t>lambdaLVar</a:t>
-            </a:r>
-            <a:r>
-              <a:rPr lang="en-US" sz="2800" dirty="0"/>
-              <a:t>, but for each new language, if we want to see if it's working in the way we intend, we have to manually write tests.  In the future, we would like to exploit the random test generation features of </a:t>
-            </a:r>
-            <a:r>
-              <a:rPr lang="en-US" sz="2800" dirty="0" err="1"/>
-              <a:t>Redex</a:t>
-            </a:r>
-            <a:r>
-              <a:rPr lang="en-US" sz="2800" dirty="0"/>
-              <a:t> to automate some of this work for us.</a:t>
-            </a:r>
-          </a:p>
-          <a:p>
-            <a:pPr lvl="1"/>
-            <a:r>
-              <a:rPr lang="en-US" sz="2800" dirty="0"/>
+            <a:pPr algn="just"/>
+            <a:r>
+              <a:rPr lang="en-US" sz="3000" dirty="0">
+                <a:solidFill>
+                  <a:srgbClr val="002060"/>
+                </a:solidFill>
+              </a:rPr>
+              <a:t>Future work on lambdaLVar: </a:t>
+            </a:r>
+          </a:p>
+          <a:p>
+            <a:pPr lvl="1" algn="just"/>
+            <a:r>
+              <a:rPr lang="en-US" sz="3000" dirty="0">
+                <a:solidFill>
+                  <a:srgbClr val="002060"/>
+                </a:solidFill>
+                <a:latin typeface="Times New Roman" pitchFamily="18" charset="0"/>
+                <a:cs typeface="Times New Roman" pitchFamily="18" charset="0"/>
+              </a:rPr>
+              <a:t>Automatic test generation: The flexibility of lambdaLVar means that there is always more work to do: we can create new languages with lambdaLVar, but for each new language, if we want to see if it's working in the way we intend, we have to manually write tests.  In the future, we would like to exploit the random test generation features of Redex to automate some of this work for </a:t>
+            </a:r>
+            <a:r>
+              <a:rPr lang="en-US" sz="3000" dirty="0" smtClean="0">
+                <a:solidFill>
+                  <a:srgbClr val="002060"/>
+                </a:solidFill>
+                <a:latin typeface="Times New Roman" pitchFamily="18" charset="0"/>
+                <a:cs typeface="Times New Roman" pitchFamily="18" charset="0"/>
+              </a:rPr>
+              <a:t>us.</a:t>
+            </a:r>
+          </a:p>
+          <a:p>
+            <a:pPr lvl="1" algn="just"/>
+            <a:r>
+              <a:rPr lang="en-US" sz="3000" dirty="0" smtClean="0">
+                <a:solidFill>
+                  <a:srgbClr val="002060"/>
+                </a:solidFill>
+                <a:latin typeface="Times New Roman" pitchFamily="18" charset="0"/>
+                <a:cs typeface="Times New Roman" pitchFamily="18" charset="0"/>
+              </a:rPr>
               <a:t>Decoupling </a:t>
             </a:r>
             <a:r>
-              <a:rPr lang="en-US" sz="2800" dirty="0" err="1"/>
-              <a:t>lambdaLVar</a:t>
-            </a:r>
-            <a:r>
-              <a:rPr lang="en-US" sz="2800" dirty="0"/>
-              <a:t> from </a:t>
-            </a:r>
-            <a:r>
-              <a:rPr lang="en-US" sz="2800" dirty="0" err="1"/>
-              <a:t>Redex</a:t>
-            </a:r>
-            <a:r>
-              <a:rPr lang="en-US" sz="2800" dirty="0"/>
-              <a:t>: </a:t>
-            </a:r>
-            <a:r>
-              <a:rPr lang="en-US" sz="2800" dirty="0" err="1"/>
-              <a:t>lambdaLVar</a:t>
-            </a:r>
-            <a:r>
-              <a:rPr lang="en-US" sz="2800" dirty="0"/>
-              <a:t> programs can be cumbersome to work with because one has to write them inside the </a:t>
-            </a:r>
-            <a:r>
-              <a:rPr lang="en-US" sz="2800" dirty="0" err="1"/>
-              <a:t>Redex</a:t>
-            </a:r>
-            <a:r>
-              <a:rPr lang="en-US" sz="2800" dirty="0"/>
-              <a:t> framework.  In the future, though, we should be able to decouple </a:t>
-            </a:r>
-            <a:r>
-              <a:rPr lang="en-US" sz="2800" dirty="0" err="1"/>
-              <a:t>lambdaLVar</a:t>
-            </a:r>
-            <a:r>
-              <a:rPr lang="en-US" sz="2800" dirty="0"/>
-              <a:t> programs and write them independently from </a:t>
-            </a:r>
-            <a:r>
-              <a:rPr lang="en-US" sz="2800" dirty="0" err="1"/>
-              <a:t>Redex</a:t>
-            </a:r>
-            <a:r>
-              <a:rPr lang="en-US" sz="2800" dirty="0"/>
-              <a:t>, using Racket's "#</a:t>
-            </a:r>
-            <a:r>
-              <a:rPr lang="en-US" sz="2800" dirty="0" err="1"/>
+              <a:rPr lang="en-US" sz="3000" dirty="0">
+                <a:solidFill>
+                  <a:srgbClr val="002060"/>
+                </a:solidFill>
+                <a:latin typeface="Times New Roman" pitchFamily="18" charset="0"/>
+                <a:cs typeface="Times New Roman" pitchFamily="18" charset="0"/>
+              </a:rPr>
+              <a:t>lambdaLVar from Redex: lambdaLVar programs can be cumbersome to work with because one has to write them inside the Redex framework.  In the future, though, we should be able to decouple lambdaLVar programs and write them independently from Redex, using Racket's "#</a:t>
+            </a:r>
+            <a:r>
+              <a:rPr lang="en-US" sz="3000" dirty="0" err="1">
+                <a:solidFill>
+                  <a:srgbClr val="002060"/>
+                </a:solidFill>
+                <a:latin typeface="Times New Roman" pitchFamily="18" charset="0"/>
+                <a:cs typeface="Times New Roman" pitchFamily="18" charset="0"/>
+              </a:rPr>
               <a:t>lang</a:t>
             </a:r>
             <a:r>
-              <a:rPr lang="en-US" sz="2800" dirty="0"/>
-              <a:t>" protocol.  They would still run on the </a:t>
-            </a:r>
-            <a:r>
-              <a:rPr lang="en-US" sz="2800" dirty="0" err="1"/>
-              <a:t>Redex</a:t>
-            </a:r>
-            <a:r>
-              <a:rPr lang="en-US" sz="2800" dirty="0"/>
-              <a:t> infrastructure, but it would be hidden from the user.  Even better, we could add things like syntax highlighting.  Then </a:t>
-            </a:r>
-            <a:r>
-              <a:rPr lang="en-US" sz="2800" dirty="0" err="1"/>
-              <a:t>lambdaLVar</a:t>
-            </a:r>
-            <a:r>
-              <a:rPr lang="en-US" sz="2800" dirty="0"/>
-              <a:t> programs would begin to "feel" more like programs, rather than just pieces of data that </a:t>
-            </a:r>
-            <a:r>
-              <a:rPr lang="en-US" sz="2800" dirty="0" err="1"/>
-              <a:t>Redex</a:t>
-            </a:r>
-            <a:r>
-              <a:rPr lang="en-US" sz="2800" dirty="0"/>
-              <a:t> is manipulating.</a:t>
-            </a:r>
-            <a:br>
-              <a:rPr lang="en-US" sz="2800" dirty="0"/>
-            </a:br>
-            <a:endParaRPr lang="en-US" sz="2800" dirty="0"/>
-          </a:p>
-          <a:p>
-            <a:r>
-              <a:rPr lang="en-US" sz="2800" dirty="0"/>
+              <a:rPr lang="en-US" sz="3000" dirty="0">
+                <a:solidFill>
+                  <a:srgbClr val="002060"/>
+                </a:solidFill>
+                <a:latin typeface="Times New Roman" pitchFamily="18" charset="0"/>
+                <a:cs typeface="Times New Roman" pitchFamily="18" charset="0"/>
+              </a:rPr>
+              <a:t>" protocol.  They would still run on the Redex infrastructure, but it would be hidden from the user.  Even better, we could add things like syntax highlighting.  Then lambdaLVar programs would begin to "feel" more like programs, rather than just pieces of </a:t>
+            </a:r>
+            <a:r>
+              <a:rPr lang="en-US" sz="3000" dirty="0" smtClean="0">
+                <a:solidFill>
+                  <a:srgbClr val="002060"/>
+                </a:solidFill>
+                <a:latin typeface="Times New Roman" pitchFamily="18" charset="0"/>
+                <a:cs typeface="Times New Roman" pitchFamily="18" charset="0"/>
+              </a:rPr>
+              <a:t>data that Reddex is manipulating.</a:t>
+            </a:r>
+          </a:p>
+          <a:p>
+            <a:pPr lvl="1" algn="just"/>
+            <a:endParaRPr lang="en-US" sz="3000" dirty="0">
+              <a:solidFill>
+                <a:srgbClr val="002060"/>
+              </a:solidFill>
+              <a:latin typeface="Times New Roman" pitchFamily="18" charset="0"/>
+              <a:cs typeface="Times New Roman" pitchFamily="18" charset="0"/>
+            </a:endParaRPr>
+          </a:p>
+          <a:p>
+            <a:pPr algn="just"/>
+            <a:r>
+              <a:rPr lang="en-US" sz="3000" dirty="0">
+                <a:solidFill>
+                  <a:srgbClr val="002060"/>
+                </a:solidFill>
+              </a:rPr>
               <a:t>Future work on LVars in general:</a:t>
             </a:r>
           </a:p>
           <a:p>
-            <a:pPr lvl="1"/>
-            <a:r>
-              <a:rPr lang="en-US" sz="2800" dirty="0"/>
-              <a:t>There is still much work to be done to figure out effective ways of programming with LVars.  We want LVar libraries to be available for use in languages beyond the special-purpose </a:t>
-            </a:r>
-            <a:r>
-              <a:rPr lang="en-US" sz="2800" dirty="0" err="1"/>
-              <a:t>lambdaLVar</a:t>
-            </a:r>
-            <a:r>
-              <a:rPr lang="en-US" sz="2800" dirty="0"/>
-              <a:t> language, and eventually, we want to build libraries of efficient concurrent data structures on top of LVars.  (Ask Lindsey for more details on the current roadmap for LVars!)</a:t>
-            </a:r>
-          </a:p>
-          <a:p>
-            <a:r>
-              <a:rPr lang="en-US" sz="2800" dirty="0"/>
+            <a:pPr lvl="1" algn="just"/>
+            <a:r>
+              <a:rPr lang="en-US" sz="3000" dirty="0">
+                <a:solidFill>
+                  <a:srgbClr val="002060"/>
+                </a:solidFill>
+                <a:latin typeface="Times New Roman" pitchFamily="18" charset="0"/>
+                <a:cs typeface="Times New Roman" pitchFamily="18" charset="0"/>
+              </a:rPr>
+              <a:t>There is still much work to be done to figure out effective ways of programming with LVars.  We want LVar libraries to be available for use in languages beyond the special-purpose lambdaLVar language, and eventually, we want to build libraries of efficient concurrent data structures on top of LVars.  (Ask Lindsey for more details on the current roadmap for LVars</a:t>
+            </a:r>
+            <a:r>
+              <a:rPr lang="en-US" sz="3000" dirty="0" smtClean="0">
+                <a:solidFill>
+                  <a:srgbClr val="002060"/>
+                </a:solidFill>
+                <a:latin typeface="Times New Roman" pitchFamily="18" charset="0"/>
+                <a:cs typeface="Times New Roman" pitchFamily="18" charset="0"/>
+              </a:rPr>
+              <a:t>!)</a:t>
+            </a:r>
+          </a:p>
+          <a:p>
+            <a:pPr lvl="1" algn="just"/>
+            <a:endParaRPr lang="en-US" sz="3000" dirty="0">
+              <a:solidFill>
+                <a:srgbClr val="002060"/>
+              </a:solidFill>
+              <a:latin typeface="Times New Roman" pitchFamily="18" charset="0"/>
+              <a:cs typeface="Times New Roman" pitchFamily="18" charset="0"/>
+            </a:endParaRPr>
+          </a:p>
+          <a:p>
+            <a:pPr algn="just"/>
+            <a:r>
+              <a:rPr lang="en-US" sz="3000" dirty="0">
+                <a:solidFill>
+                  <a:srgbClr val="002060"/>
+                </a:solidFill>
+              </a:rPr>
               <a:t>Future work on the </a:t>
             </a:r>
             <a:r>
-              <a:rPr lang="en-US" sz="2800" dirty="0" err="1"/>
+              <a:rPr lang="en-US" sz="3000" dirty="0" err="1">
+                <a:solidFill>
+                  <a:srgbClr val="002060"/>
+                </a:solidFill>
+              </a:rPr>
               <a:t>metatheory</a:t>
             </a:r>
             <a:r>
-              <a:rPr lang="en-US" sz="2800" dirty="0"/>
-              <a:t> of LVars:</a:t>
-            </a:r>
-            <a:br>
-              <a:rPr lang="en-US" sz="2800" dirty="0"/>
-            </a:br>
-            <a:endParaRPr lang="en-US" sz="2800" dirty="0"/>
-          </a:p>
-          <a:p>
-            <a:pPr lvl="1"/>
-            <a:r>
-              <a:rPr lang="en-US" sz="2800" dirty="0"/>
-              <a:t>As we work out better ways to program with LVars in general, what we learn will inform the design of the next version of </a:t>
-            </a:r>
-            <a:r>
-              <a:rPr lang="en-US" sz="2800" dirty="0" err="1"/>
-              <a:t>lambdaLVar</a:t>
-            </a:r>
-            <a:r>
-              <a:rPr lang="en-US" sz="2800" dirty="0"/>
-              <a:t>, so we'll need to state and prove a determinism property for that new and improved language.</a:t>
+              <a:rPr lang="en-US" sz="3000" dirty="0">
+                <a:solidFill>
+                  <a:srgbClr val="002060"/>
+                </a:solidFill>
+              </a:rPr>
+              <a:t> of LVars</a:t>
+            </a:r>
+            <a:r>
+              <a:rPr lang="en-US" sz="3000" dirty="0" smtClean="0">
+                <a:solidFill>
+                  <a:srgbClr val="002060"/>
+                </a:solidFill>
+              </a:rPr>
+              <a:t>:</a:t>
+            </a:r>
+            <a:endParaRPr lang="en-US" sz="3000" dirty="0">
+              <a:solidFill>
+                <a:srgbClr val="002060"/>
+              </a:solidFill>
+            </a:endParaRPr>
+          </a:p>
+          <a:p>
+            <a:pPr lvl="1" algn="just"/>
+            <a:r>
+              <a:rPr lang="en-US" sz="3000" dirty="0">
+                <a:solidFill>
+                  <a:srgbClr val="002060"/>
+                </a:solidFill>
+                <a:latin typeface="Times New Roman" pitchFamily="18" charset="0"/>
+                <a:cs typeface="Times New Roman" pitchFamily="18" charset="0"/>
+              </a:rPr>
+              <a:t>As we work out better ways to program with LVars in general, what we learn will inform the design of the next version of lambdaLVar, so we'll need to state and prove a determinism property for that new and improved language.</a:t>
             </a:r>
           </a:p>
         </p:txBody>
@@ -19172,7 +19094,7 @@
         </p:nvSpPr>
         <p:spPr>
           <a:xfrm>
-            <a:off x="29407393" y="28838948"/>
+            <a:off x="29383201" y="28926910"/>
             <a:ext cx="13573126" cy="923322"/>
           </a:xfrm>
           <a:solidFill>
@@ -19196,40 +19118,6 @@
       </p:sp>
       <p:sp>
         <p:nvSpPr>
-          <p:cNvPr id="76" name="Text Placeholder 2"/>
-          <p:cNvSpPr>
-            <a:spLocks noGrp="1"/>
-          </p:cNvSpPr>
-          <p:nvPr>
-            <p:ph type="body" sz="quarter" idx="11"/>
-          </p:nvPr>
-        </p:nvSpPr>
-        <p:spPr>
-          <a:xfrm>
-            <a:off x="29407989" y="8985826"/>
-            <a:ext cx="13573126" cy="923322"/>
-          </a:xfrm>
-          <a:solidFill>
-            <a:schemeClr val="tx2">
-              <a:lumMod val="60000"/>
-              <a:lumOff val="40000"/>
-            </a:schemeClr>
-          </a:solidFill>
-        </p:spPr>
-        <p:txBody>
-          <a:bodyPr/>
-          <a:lstStyle/>
-          <a:p>
-            <a:r>
-              <a:rPr lang="en-US" sz="4800" dirty="0" smtClean="0"/>
-              <a:t>Tools Used</a:t>
-            </a:r>
-            <a:endParaRPr lang="en-US" sz="4800" dirty="0"/>
-          </a:p>
-        </p:txBody>
-      </p:sp>
-      <p:sp>
-        <p:nvSpPr>
           <p:cNvPr id="77" name="Text Placeholder 385"/>
           <p:cNvSpPr>
             <a:spLocks noGrp="1"/>
@@ -19240,8 +19128,8 @@
         </p:nvSpPr>
         <p:spPr>
           <a:xfrm>
-            <a:off x="29455390" y="9904085"/>
-            <a:ext cx="13571537" cy="7519973"/>
+            <a:off x="29742151" y="6463318"/>
+            <a:ext cx="13571537" cy="6479987"/>
           </a:xfrm>
         </p:spPr>
         <p:txBody>
@@ -19252,18 +19140,22 @@
           <a:p>
             <a:pPr algn="just"/>
             <a:r>
-              <a:rPr lang="en-US" sz="2800" dirty="0" smtClean="0"/>
-              <a:t>We developed our language in Reddex</a:t>
-            </a:r>
-            <a:r>
-              <a:rPr lang="en-US" sz="2800" dirty="0" smtClean="0"/>
-              <a:t>. Reddex is a programming language used for creating programming languages which is embedded in the racket language. Our development software of choice was Dr. Racket, shown below</a:t>
-            </a:r>
-            <a:r>
-              <a:rPr lang="en-US" sz="2400" dirty="0" smtClean="0"/>
-              <a:t>.</a:t>
-            </a:r>
-            <a:endParaRPr lang="en-US" sz="2400" dirty="0" smtClean="0"/>
+              <a:rPr lang="en-US" sz="3000" dirty="0" smtClean="0"/>
+              <a:t>We developed our language in Redex</a:t>
+            </a:r>
+            <a:r>
+              <a:rPr lang="en-US" sz="3000" dirty="0" smtClean="0"/>
+              <a:t>. Redex is a programming language used for creating programming languages which is embedded in the Racket language. Our development software of choice was </a:t>
+            </a:r>
+            <a:r>
+              <a:rPr lang="en-US" sz="3000" dirty="0" err="1" smtClean="0"/>
+              <a:t>DrRacket</a:t>
+            </a:r>
+            <a:r>
+              <a:rPr lang="en-US" sz="3000" dirty="0" smtClean="0"/>
+              <a:t>, shown below.</a:t>
+            </a:r>
+            <a:endParaRPr lang="en-US" sz="3000" dirty="0" smtClean="0"/>
           </a:p>
         </p:txBody>
       </p:sp>
@@ -19290,8 +19182,8 @@
         </p:blipFill>
         <p:spPr bwMode="auto">
           <a:xfrm>
-            <a:off x="30699086" y="11689912"/>
-            <a:ext cx="10832554" cy="5822498"/>
+            <a:off x="30726862" y="8407175"/>
+            <a:ext cx="8320387" cy="4472208"/>
           </a:xfrm>
           <a:prstGeom prst="rect">
             <a:avLst/>
@@ -19331,6 +19223,16 @@
         </p:nvPicPr>
         <p:blipFill>
           <a:blip r:embed="rId7">
+            <a:clrChange>
+              <a:clrFrom>
+                <a:srgbClr val="FFFFFF"/>
+              </a:clrFrom>
+              <a:clrTo>
+                <a:srgbClr val="FFFFFF">
+                  <a:alpha val="0"/>
+                </a:srgbClr>
+              </a:clrTo>
+            </a:clrChange>
             <a:extLst>
               <a:ext uri="{28A0092B-C50C-407E-A947-70E740481C1C}">
                 <a14:useLocalDpi xmlns:a14="http://schemas.microsoft.com/office/drawing/2010/main" val="0"/>
@@ -19344,7 +19246,7 @@
         </p:blipFill>
         <p:spPr bwMode="auto">
           <a:xfrm>
-            <a:off x="37354164" y="13336527"/>
+            <a:off x="39652074" y="9068281"/>
             <a:ext cx="2942074" cy="2870607"/>
           </a:xfrm>
           <a:prstGeom prst="rect">
@@ -19387,7 +19289,7 @@
         </p:nvSpPr>
         <p:spPr>
           <a:xfrm>
-            <a:off x="953828" y="17758793"/>
+            <a:off x="922338" y="22785999"/>
             <a:ext cx="13579475" cy="754045"/>
           </a:xfrm>
           <a:solidFill>
@@ -19413,88 +19315,13 @@
       </p:sp>
       <p:sp>
         <p:nvSpPr>
-          <p:cNvPr id="78" name="Text Placeholder 385"/>
-          <p:cNvSpPr>
-            <a:spLocks noGrp="1"/>
-          </p:cNvSpPr>
-          <p:nvPr>
-            <p:ph type="body" sz="quarter" idx="23"/>
-          </p:nvPr>
-        </p:nvSpPr>
-        <p:spPr>
-          <a:xfrm>
-            <a:off x="15200908" y="6150975"/>
-            <a:ext cx="13571538" cy="971720"/>
-          </a:xfrm>
-        </p:spPr>
-        <p:txBody>
-          <a:bodyPr>
-            <a:noAutofit/>
-          </a:bodyPr>
-          <a:lstStyle/>
-          <a:p>
-            <a:endParaRPr lang="en-US" sz="2800" dirty="0" smtClean="0"/>
-          </a:p>
-        </p:txBody>
-      </p:sp>
-      <p:sp>
-        <p:nvSpPr>
-          <p:cNvPr id="79" name="Text Placeholder 385"/>
-          <p:cNvSpPr>
-            <a:spLocks noGrp="1"/>
-          </p:cNvSpPr>
-          <p:nvPr>
-            <p:ph type="body" sz="quarter" idx="23"/>
-          </p:nvPr>
-        </p:nvSpPr>
-        <p:spPr>
-          <a:xfrm>
-            <a:off x="29409578" y="6265790"/>
-            <a:ext cx="13571537" cy="2685705"/>
-          </a:xfrm>
-        </p:spPr>
-        <p:txBody>
-          <a:bodyPr>
-            <a:noAutofit/>
-          </a:bodyPr>
-          <a:lstStyle/>
-          <a:p>
-            <a:pPr algn="just"/>
-            <a:r>
-              <a:rPr lang="en-US" sz="2800" dirty="0"/>
-              <a:t>For some lattices, the least upper bound operation was a simple built-in function like taking the maximum of two numbers; for other lattices it was more sophisticated and required us to write our own function.</a:t>
-            </a:r>
-          </a:p>
-          <a:p>
-            <a:pPr algn="just"/>
-            <a:r>
-              <a:rPr lang="en-US" sz="2800" dirty="0"/>
-              <a:t>We instantiated </a:t>
-            </a:r>
-            <a:r>
-              <a:rPr lang="en-US" sz="2800" dirty="0" err="1"/>
-              <a:t>lambdaLVar</a:t>
-            </a:r>
-            <a:r>
-              <a:rPr lang="en-US" sz="2800" dirty="0"/>
-              <a:t> in a variety of ways, and for each instantiation, we created test suites to check if the programs we wrote were working the way we intended.</a:t>
-            </a:r>
-          </a:p>
-          <a:p>
-            <a:pPr algn="just"/>
-            <a:endParaRPr lang="en-US" sz="3600" dirty="0" smtClean="0"/>
-          </a:p>
-        </p:txBody>
-      </p:sp>
-      <p:sp>
-        <p:nvSpPr>
           <p:cNvPr id="6" name="TextBox 5"/>
           <p:cNvSpPr txBox="1"/>
           <p:nvPr/>
         </p:nvSpPr>
         <p:spPr>
           <a:xfrm>
-            <a:off x="26384196" y="21459091"/>
+            <a:off x="26865848" y="26699408"/>
             <a:ext cx="1019638" cy="400110"/>
           </a:xfrm>
           <a:prstGeom prst="rect">
@@ -19533,8 +19360,8 @@
         </p:nvSpPr>
         <p:spPr>
           <a:xfrm>
-            <a:off x="15214600" y="5396930"/>
-            <a:ext cx="13579475" cy="754045"/>
+            <a:off x="15166474" y="5396930"/>
+            <a:ext cx="13579475" cy="915143"/>
           </a:xfrm>
           <a:solidFill>
             <a:schemeClr val="tx2">
@@ -19550,30 +19377,10 @@
           <a:lstStyle/>
           <a:p>
             <a:r>
-              <a:rPr lang="en-US" sz="4800" dirty="0">
-                <a:latin typeface="Times New Roman" pitchFamily="18" charset="0"/>
-                <a:cs typeface="Times New Roman" pitchFamily="18" charset="0"/>
-              </a:rPr>
-              <a:t>Determinism for </a:t>
-            </a:r>
-            <a:r>
-              <a:rPr lang="el-GR" sz="4800" dirty="0">
-                <a:latin typeface="Times New Roman" pitchFamily="18" charset="0"/>
-                <a:cs typeface="Times New Roman" pitchFamily="18" charset="0"/>
-              </a:rPr>
-              <a:t>λ</a:t>
-            </a:r>
-            <a:r>
-              <a:rPr lang="en-US" sz="4800" dirty="0">
-                <a:latin typeface="Times New Roman" pitchFamily="18" charset="0"/>
-                <a:cs typeface="Times New Roman" pitchFamily="18" charset="0"/>
-              </a:rPr>
-              <a:t> LVar</a:t>
-            </a:r>
-            <a:endParaRPr lang="en-US" sz="4800" dirty="0">
-              <a:latin typeface="Times New Roman" pitchFamily="18" charset="0"/>
-              <a:cs typeface="Times New Roman" pitchFamily="18" charset="0"/>
-            </a:endParaRPr>
+              <a:rPr lang="en-US" sz="4800" dirty="0"/>
+              <a:t>Lattices &amp; LVars</a:t>
+            </a:r>
+            <a:endParaRPr lang="en-US" sz="4800" dirty="0"/>
           </a:p>
         </p:txBody>
       </p:sp>
@@ -19589,7 +19396,7 @@
         </p:nvSpPr>
         <p:spPr>
           <a:xfrm>
-            <a:off x="15222538" y="22298886"/>
+            <a:off x="15154277" y="28053702"/>
             <a:ext cx="13571537" cy="3111800"/>
           </a:xfrm>
         </p:spPr>
@@ -19601,166 +19408,12 @@
           <a:p>
             <a:pPr algn="just"/>
             <a:r>
-              <a:rPr lang="en-US" sz="2800" dirty="0" smtClean="0"/>
+              <a:rPr lang="en-US" sz="3000" dirty="0" smtClean="0"/>
               <a:t>Figure 2 shows two different parallel program flow charts. The one on the left will always be deterministic since </a:t>
             </a:r>
             <a:r>
-              <a:rPr lang="en-US" sz="2800" dirty="0" smtClean="0"/>
-              <a:t>the puts and gets are done separately. The one on the right though will be nondeterministic since the put and get are evaluated in parallel. Even though the program seemingly operates simultaneously, it actually does the operations separately in a random order depending on what the system decides to do first. This could cause problems if the system decides to operate the get before the put. </a:t>
-            </a:r>
-            <a:endParaRPr lang="en-US" sz="2800" dirty="0" smtClean="0"/>
-          </a:p>
-        </p:txBody>
-      </p:sp>
-      <p:sp>
-        <p:nvSpPr>
-          <p:cNvPr id="86" name="Text Placeholder 553"/>
-          <p:cNvSpPr>
-            <a:spLocks noGrp="1"/>
-          </p:cNvSpPr>
-          <p:nvPr>
-            <p:ph type="body" sz="quarter" idx="25"/>
-          </p:nvPr>
-        </p:nvSpPr>
-        <p:spPr>
-          <a:xfrm>
-            <a:off x="15200908" y="25466747"/>
-            <a:ext cx="13576029" cy="923322"/>
-          </a:xfrm>
-          <a:solidFill>
-            <a:schemeClr val="tx2">
-              <a:lumMod val="60000"/>
-              <a:lumOff val="40000"/>
-            </a:schemeClr>
-          </a:solidFill>
-        </p:spPr>
-        <p:txBody>
-          <a:bodyPr/>
-          <a:lstStyle/>
-          <a:p>
-            <a:r>
-              <a:rPr lang="en-US" sz="4800" dirty="0" smtClean="0">
-                <a:latin typeface="Times New Roman" pitchFamily="18" charset="0"/>
-                <a:cs typeface="Times New Roman" pitchFamily="18" charset="0"/>
-              </a:rPr>
-              <a:t>Summary</a:t>
-            </a:r>
-            <a:endParaRPr lang="en-US" sz="4800" dirty="0">
-              <a:latin typeface="Times New Roman" pitchFamily="18" charset="0"/>
-              <a:cs typeface="Times New Roman" pitchFamily="18" charset="0"/>
-            </a:endParaRPr>
-          </a:p>
-        </p:txBody>
-      </p:sp>
-      <p:sp>
-        <p:nvSpPr>
-          <p:cNvPr id="87" name="Text Placeholder 385"/>
-          <p:cNvSpPr>
-            <a:spLocks noGrp="1"/>
-          </p:cNvSpPr>
-          <p:nvPr>
-            <p:ph type="body" sz="quarter" idx="23"/>
-          </p:nvPr>
-        </p:nvSpPr>
-        <p:spPr>
-          <a:xfrm>
-            <a:off x="15140908" y="26390069"/>
-            <a:ext cx="13571537" cy="5792607"/>
-          </a:xfrm>
-        </p:spPr>
-        <p:txBody>
-          <a:bodyPr>
-            <a:noAutofit/>
-          </a:bodyPr>
-          <a:lstStyle/>
-          <a:p>
-            <a:pPr algn="just"/>
-            <a:r>
-              <a:rPr lang="en-US" sz="2800" dirty="0"/>
-              <a:t>In this project, we worked on extending </a:t>
-            </a:r>
-            <a:r>
-              <a:rPr lang="en-US" sz="2800" dirty="0" err="1"/>
-              <a:t>lambdaLVar</a:t>
-            </a:r>
-            <a:r>
-              <a:rPr lang="en-US" sz="2800" dirty="0"/>
-              <a:t>, a small programming language that uses LVars.  Because </a:t>
-            </a:r>
-            <a:r>
-              <a:rPr lang="en-US" sz="2800" dirty="0" err="1"/>
-              <a:t>lambdaLVar</a:t>
-            </a:r>
-            <a:r>
-              <a:rPr lang="en-US" sz="2800" dirty="0"/>
-              <a:t> is based on a lattice that is specified by the language user, </a:t>
-            </a:r>
-            <a:r>
-              <a:rPr lang="en-US" sz="2800" dirty="0" err="1"/>
-              <a:t>lambdaLVar</a:t>
-            </a:r>
-            <a:r>
-              <a:rPr lang="en-US" sz="2800" dirty="0"/>
-              <a:t> is actually not just one language, but a family of languages: instantiate </a:t>
-            </a:r>
-            <a:r>
-              <a:rPr lang="en-US" sz="2800" dirty="0" err="1"/>
-              <a:t>lambdaLVar</a:t>
-            </a:r>
-            <a:r>
-              <a:rPr lang="en-US" sz="2800" dirty="0"/>
-              <a:t> with one lattice and you get one deterministic parallel language; with another lattice, and you get </a:t>
-            </a:r>
-            <a:r>
-              <a:rPr lang="en-US" sz="2800" dirty="0" smtClean="0"/>
-              <a:t>another.</a:t>
-            </a:r>
-          </a:p>
-          <a:p>
-            <a:pPr algn="just"/>
-            <a:r>
-              <a:rPr lang="en-US" sz="2800" dirty="0" smtClean="0"/>
-              <a:t>In </a:t>
-            </a:r>
-            <a:r>
-              <a:rPr lang="en-US" sz="2800" dirty="0"/>
-              <a:t>this project we looked at some ways to instantiate </a:t>
-            </a:r>
-            <a:r>
-              <a:rPr lang="en-US" sz="2800" dirty="0" err="1"/>
-              <a:t>lambdaLVar</a:t>
-            </a:r>
-            <a:r>
-              <a:rPr lang="en-US" sz="2800" dirty="0"/>
-              <a:t> with new lattices.  We found that to instantiate </a:t>
-            </a:r>
-            <a:r>
-              <a:rPr lang="en-US" sz="2800" dirty="0" err="1"/>
-              <a:t>lambdaLVar</a:t>
-            </a:r>
-            <a:r>
-              <a:rPr lang="en-US" sz="2800" dirty="0"/>
-              <a:t> with a lattice, one has to specify a "least upper bound" (</a:t>
-            </a:r>
-            <a:r>
-              <a:rPr lang="en-US" sz="2800" dirty="0" err="1"/>
-              <a:t>lub</a:t>
-            </a:r>
-            <a:r>
-              <a:rPr lang="en-US" sz="2800" dirty="0"/>
-              <a:t>) operation that specifies how two lattice elements should be combined together.  This </a:t>
-            </a:r>
-            <a:r>
-              <a:rPr lang="en-US" sz="2800" dirty="0" err="1"/>
-              <a:t>lub</a:t>
-            </a:r>
-            <a:r>
-              <a:rPr lang="en-US" sz="2800" dirty="0"/>
-              <a:t> operation corresponds to how, when two threads write to a variable, the writes done by the two threads are merged together after the two threads finish </a:t>
-            </a:r>
-            <a:r>
-              <a:rPr lang="en-US" sz="2800" dirty="0" smtClean="0"/>
-              <a:t>running.</a:t>
+              <a:rPr lang="en-US" sz="3000" dirty="0" smtClean="0"/>
+              <a:t>it doesn’t have any put or get operations. The one on the right though will be nondeterministic since the put and get are evaluated in parallel. The put and get could evaluate simultaneously or in an arbitrary order depending on the system. This could cause nondeterminism. LVars address this problem by insuring the program behaves the same way regardless of the order of the put and get. </a:t>
             </a:r>
           </a:p>
         </p:txBody>
@@ -19788,7 +19441,7 @@
         </p:blipFill>
         <p:spPr bwMode="auto">
           <a:xfrm>
-            <a:off x="1350167" y="18883140"/>
+            <a:off x="1350165" y="23996880"/>
             <a:ext cx="12715875" cy="6753225"/>
           </a:xfrm>
           <a:prstGeom prst="rect">
@@ -19814,6 +19467,90 @@
           </a:extLst>
         </p:spPr>
       </p:pic>
+      <p:sp>
+        <p:nvSpPr>
+          <p:cNvPr id="22" name="Text Placeholder 21"/>
+          <p:cNvSpPr>
+            <a:spLocks noGrp="1"/>
+          </p:cNvSpPr>
+          <p:nvPr>
+            <p:ph type="body" sz="quarter" idx="23"/>
+          </p:nvPr>
+        </p:nvSpPr>
+        <p:spPr>
+          <a:xfrm>
+            <a:off x="15162215" y="6295353"/>
+            <a:ext cx="13571534" cy="6647952"/>
+          </a:xfrm>
+        </p:spPr>
+        <p:txBody>
+          <a:bodyPr/>
+          <a:lstStyle/>
+          <a:p>
+            <a:pPr algn="just"/>
+            <a:r>
+              <a:rPr lang="en-US" sz="3000" dirty="0"/>
+              <a:t>The counter LVar, figure 1c, keeps track of the max value that has been entered. If the user were to put in values x and y into the LVar, it would keep track of max( x, y ). If the user were to then use the get function on any value that is less than or equal to max( x, y ), it would return that value. If they were to call get with a value greater than max( x, y), the call would block the program until the value you asked for is reached</a:t>
+            </a:r>
+            <a:r>
+              <a:rPr lang="en-US" sz="3000" dirty="0" smtClean="0"/>
+              <a:t>.</a:t>
+            </a:r>
+            <a:endParaRPr lang="en-US" sz="3000" dirty="0"/>
+          </a:p>
+          <a:p>
+            <a:pPr algn="just"/>
+            <a:endParaRPr lang="en-US" sz="3000" dirty="0" smtClean="0"/>
+          </a:p>
+          <a:p>
+            <a:pPr algn="just"/>
+            <a:r>
+              <a:rPr lang="en-US" sz="3000" dirty="0" smtClean="0"/>
+              <a:t>The </a:t>
+            </a:r>
+            <a:r>
+              <a:rPr lang="en-US" sz="3000" dirty="0"/>
+              <a:t>pair LVar, figure 1b, allows for pairs of values. This LVar only allows for one value in each index. The order in which the program puts in the values isn’t important. This LVar will also allow for inputting both values in parallel. Once it has both values assigned, if the program would attempt to put another value it, the LVar would reach top which would throw an error. Being able to implement this LVar is on way of solving our problem of keeping a parallel program deterministic</a:t>
+            </a:r>
+          </a:p>
+        </p:txBody>
+      </p:sp>
+      <p:sp>
+        <p:nvSpPr>
+          <p:cNvPr id="99" name="Text Placeholder 386"/>
+          <p:cNvSpPr>
+            <a:spLocks noGrp="1"/>
+          </p:cNvSpPr>
+          <p:nvPr>
+            <p:ph type="body" sz="quarter" idx="24"/>
+          </p:nvPr>
+        </p:nvSpPr>
+        <p:spPr>
+          <a:xfrm>
+            <a:off x="15162215" y="13460684"/>
+            <a:ext cx="13579475" cy="754045"/>
+          </a:xfrm>
+          <a:solidFill>
+            <a:schemeClr val="tx2">
+              <a:lumMod val="60000"/>
+              <a:lumOff val="40000"/>
+            </a:schemeClr>
+          </a:solidFill>
+        </p:spPr>
+        <p:txBody>
+          <a:bodyPr>
+            <a:noAutofit/>
+          </a:bodyPr>
+          <a:lstStyle/>
+          <a:p>
+            <a:r>
+              <a:rPr lang="en-US" sz="4800" dirty="0" smtClean="0"/>
+              <a:t>State &amp; Nondeterminism</a:t>
+            </a:r>
+            <a:endParaRPr lang="en-US" sz="4800" dirty="0"/>
+          </a:p>
+        </p:txBody>
+      </p:sp>
     </p:spTree>
     <p:extLst>
       <p:ext uri="{BB962C8B-B14F-4D97-AF65-F5344CB8AC3E}">

--- a/poster/Parallel Programming Poster.pptx
+++ b/poster/Parallel Programming Poster.pptx
@@ -17347,121 +17347,105 @@
         </p:nvSpPr>
         <p:spPr>
           <a:xfrm>
-            <a:off x="904186" y="6295353"/>
-            <a:ext cx="13591277" cy="16490646"/>
+            <a:off x="751786" y="6295353"/>
+            <a:ext cx="13591277" cy="16466024"/>
           </a:xfrm>
         </p:spPr>
         <p:txBody>
           <a:bodyPr/>
           <a:lstStyle/>
           <a:p>
-            <a:pPr algn="just"/>
-            <a:r>
-              <a:rPr lang="en-US" sz="3000" dirty="0" smtClean="0"/>
-              <a:t>Parallel programming is </a:t>
-            </a:r>
-            <a:r>
-              <a:rPr lang="en-US" sz="3000" dirty="0"/>
-              <a:t>a form of computation in which </a:t>
-            </a:r>
-            <a:r>
-              <a:rPr lang="en-US" sz="3000" dirty="0" smtClean="0"/>
-              <a:t>multiple </a:t>
-            </a:r>
-            <a:r>
-              <a:rPr lang="en-US" sz="3000" dirty="0"/>
-              <a:t>calculations are carried out simultaneously</a:t>
-            </a:r>
-            <a:r>
-              <a:rPr lang="en-US" sz="3000" dirty="0" smtClean="0"/>
-              <a:t>, </a:t>
-            </a:r>
-            <a:r>
-              <a:rPr lang="en-US" sz="3000" dirty="0"/>
-              <a:t>operating on the principle that large problems can often be divided into smaller ones, which are then solved </a:t>
-            </a:r>
-            <a:r>
-              <a:rPr lang="en-US" sz="3000" dirty="0" smtClean="0"/>
-              <a:t>concurrently</a:t>
-            </a:r>
-            <a:r>
-              <a:rPr lang="en-US" sz="3000" dirty="0" smtClean="0"/>
-              <a:t>. This allows programs to </a:t>
-            </a:r>
-            <a:r>
-              <a:rPr lang="en-US" sz="3000" dirty="0" smtClean="0"/>
-              <a:t>operate faster. One of the most challenging parts of parallel programming is dealing with shared state between computations. A program could behave differently on different runs, depending on the ordering of state-changing operations. This is called nondeterminism. </a:t>
-            </a:r>
-            <a:r>
-              <a:rPr lang="en-US" sz="3000" dirty="0" smtClean="0"/>
+            <a:pPr indent="0" algn="just"/>
+            <a:r>
+              <a:rPr lang="en-US" sz="3400" dirty="0" smtClean="0"/>
+              <a:t>One of the most challenging parts of parallel programming is dealing with shared state between computations. A program could behave differently on different runs, depending on the ordering of state-changing operations. This is called nondeterminism. </a:t>
+            </a:r>
+            <a:r>
+              <a:rPr lang="en-US" sz="3400" dirty="0" smtClean="0"/>
               <a:t> Our goal is to create a language that will allow a program to run various operations in parallel while still remaining deterministic. </a:t>
             </a:r>
           </a:p>
           <a:p>
-            <a:pPr algn="just"/>
-            <a:endParaRPr lang="en-US" sz="3000" dirty="0" smtClean="0"/>
-          </a:p>
-          <a:p>
-            <a:pPr algn="just"/>
-            <a:r>
-              <a:rPr lang="en-US" sz="3000" dirty="0" smtClean="0"/>
+            <a:pPr indent="0" algn="just"/>
+            <a:endParaRPr lang="en-US" sz="3400" dirty="0" smtClean="0"/>
+          </a:p>
+          <a:p>
+            <a:pPr indent="0" algn="just"/>
+            <a:r>
+              <a:rPr lang="en-US" sz="3400" dirty="0" smtClean="0"/>
               <a:t>In </a:t>
             </a:r>
             <a:r>
-              <a:rPr lang="en-US" sz="3000" dirty="0"/>
+              <a:rPr lang="en-US" sz="3400" dirty="0"/>
               <a:t>this project, we worked on extending lambdaLVar, a small programming language that uses LVars. An LVar </a:t>
             </a:r>
             <a:r>
-              <a:rPr lang="en-US" sz="3000" dirty="0" smtClean="0"/>
+              <a:rPr lang="en-US" sz="3400" dirty="0" smtClean="0"/>
               <a:t>is a variable </a:t>
             </a:r>
             <a:r>
-              <a:rPr lang="en-US" sz="3000" dirty="0"/>
-              <a:t>that can take on various states that form a lattice. Figure 1 shows some examples of typical LVars.  Because lambdaLVar is based on a lattice that is specified by the language user, lambdaLVar is actually not just one language, but a family of languages: instantiate lambdaLVar with one lattice and you get one deterministic parallel language; with another lattice, and you get another</a:t>
-            </a:r>
-            <a:r>
-              <a:rPr lang="en-US" sz="3000" dirty="0" smtClean="0"/>
+              <a:rPr lang="en-US" sz="3400" dirty="0"/>
+              <a:t>that can take on various states that form a lattice. Figure 1 shows some examples of typical </a:t>
+            </a:r>
+            <a:r>
+              <a:rPr lang="en-US" sz="3400" dirty="0" smtClean="0"/>
+              <a:t>LVars. The lambdaLVar language </a:t>
+            </a:r>
+            <a:r>
+              <a:rPr lang="en-US" sz="3400" dirty="0"/>
+              <a:t>is actually not just one language, but a family of </a:t>
+            </a:r>
+            <a:r>
+              <a:rPr lang="en-US" sz="3400" dirty="0" smtClean="0"/>
+              <a:t>languages, depending on the user-specified lattice.</a:t>
+            </a:r>
+          </a:p>
+          <a:p>
+            <a:pPr indent="0" algn="just"/>
+            <a:endParaRPr lang="en-US" sz="3400" dirty="0"/>
+          </a:p>
+          <a:p>
+            <a:pPr indent="0" algn="just"/>
+            <a:r>
+              <a:rPr lang="en-US" sz="3400" dirty="0"/>
+              <a:t>In this project we looked at some ways to instantiate lambdaLVar with new lattices.  </a:t>
+            </a:r>
+            <a:r>
+              <a:rPr lang="en-US" sz="3400" dirty="0" smtClean="0"/>
+              <a:t>To instantiate </a:t>
+            </a:r>
+            <a:r>
+              <a:rPr lang="en-US" sz="3400" dirty="0"/>
+              <a:t>lambdaLVar with a lattice, one has to specify a "least upper bound" (lub) operation that specifies how two lattice elements should be combined together.  This lub operation corresponds to how, when two threads write to a variable, the writes done by the two threads are merged together after the two threads finish running</a:t>
+            </a:r>
+            <a:r>
+              <a:rPr lang="en-US" sz="3400" dirty="0" smtClean="0"/>
               <a:t>.</a:t>
             </a:r>
           </a:p>
           <a:p>
-            <a:pPr algn="just"/>
-            <a:endParaRPr lang="en-US" sz="3000" dirty="0"/>
-          </a:p>
-          <a:p>
-            <a:pPr algn="just"/>
-            <a:r>
-              <a:rPr lang="en-US" sz="3000" dirty="0"/>
-              <a:t>In this project we looked at some ways to instantiate lambdaLVar with new lattices.  We found that to instantiate lambdaLVar with a lattice, one has to specify a "least upper bound" (lub) operation that specifies how two lattice elements should be combined together.  This lub operation corresponds to how, when two threads write to a variable, the writes done by the two threads are merged together after the two threads finish running</a:t>
-            </a:r>
-            <a:r>
-              <a:rPr lang="en-US" sz="3000" dirty="0" smtClean="0"/>
+            <a:pPr indent="0" algn="just"/>
+            <a:endParaRPr lang="en-US" sz="3400" dirty="0"/>
+          </a:p>
+          <a:p>
+            <a:pPr indent="0" algn="just"/>
+            <a:r>
+              <a:rPr lang="en-US" sz="3400" dirty="0"/>
+              <a:t>For some lattices, the least upper bound operation was a simple built-in function like taking the maximum of two numbers; for other lattices it was more sophisticated and required us to write our own function</a:t>
+            </a:r>
+            <a:r>
+              <a:rPr lang="en-US" sz="3400" dirty="0" smtClean="0"/>
               <a:t>.</a:t>
             </a:r>
           </a:p>
           <a:p>
-            <a:pPr algn="just"/>
-            <a:endParaRPr lang="en-US" sz="3000" dirty="0"/>
-          </a:p>
-          <a:p>
-            <a:pPr algn="just"/>
-            <a:r>
-              <a:rPr lang="en-US" sz="3000" dirty="0"/>
-              <a:t>For some lattices, the least upper bound operation was a simple built-in function like taking the maximum of two numbers; for other lattices it was more sophisticated and required us to write our own function</a:t>
-            </a:r>
-            <a:r>
-              <a:rPr lang="en-US" sz="3000" dirty="0" smtClean="0"/>
-              <a:t>.</a:t>
-            </a:r>
-          </a:p>
-          <a:p>
-            <a:pPr algn="just"/>
-            <a:endParaRPr lang="en-US" sz="3000" dirty="0"/>
-          </a:p>
-          <a:p>
-            <a:pPr algn="just"/>
-            <a:r>
-              <a:rPr lang="en-US" sz="3000" dirty="0"/>
+            <a:pPr indent="0" algn="just"/>
+            <a:endParaRPr lang="en-US" sz="3400" dirty="0"/>
+          </a:p>
+          <a:p>
+            <a:pPr indent="0" algn="just"/>
+            <a:r>
+              <a:rPr lang="en-US" sz="3400" dirty="0"/>
               <a:t>We instantiated lambdaLVar in a variety of ways, and for each instantiation, we created test suites to check if the programs we wrote were working the way we intended.</a:t>
             </a:r>
           </a:p>
@@ -17483,25 +17467,20 @@
         </p:nvSpPr>
         <p:spPr>
           <a:xfrm>
-            <a:off x="913647" y="5388752"/>
-            <a:ext cx="13588166" cy="923322"/>
-          </a:xfrm>
-          <a:solidFill>
-            <a:schemeClr val="tx2">
-              <a:lumMod val="60000"/>
-              <a:lumOff val="40000"/>
-            </a:schemeClr>
-          </a:solidFill>
+            <a:off x="913647" y="5296420"/>
+            <a:ext cx="13588166" cy="1107988"/>
+          </a:xfrm>
+          <a:noFill/>
         </p:spPr>
         <p:txBody>
           <a:bodyPr/>
           <a:lstStyle/>
           <a:p>
             <a:r>
-              <a:rPr lang="en-US" sz="4800" dirty="0" smtClean="0"/>
+              <a:rPr lang="en-US" sz="6000" dirty="0" smtClean="0"/>
               <a:t>Introduction</a:t>
             </a:r>
-            <a:endParaRPr lang="en-US" sz="4800" dirty="0"/>
+            <a:endParaRPr lang="en-US" sz="6000" dirty="0"/>
           </a:p>
         </p:txBody>
       </p:sp>
@@ -17552,27 +17531,22 @@
         </p:nvSpPr>
         <p:spPr>
           <a:xfrm>
-            <a:off x="29399667" y="5388751"/>
-            <a:ext cx="13576029" cy="923322"/>
-          </a:xfrm>
-          <a:solidFill>
-            <a:schemeClr val="tx2">
-              <a:lumMod val="60000"/>
-              <a:lumOff val="40000"/>
-            </a:schemeClr>
-          </a:solidFill>
+            <a:off x="29383201" y="5304598"/>
+            <a:ext cx="13568432" cy="1107988"/>
+          </a:xfrm>
+          <a:noFill/>
         </p:spPr>
         <p:txBody>
           <a:bodyPr/>
           <a:lstStyle/>
           <a:p>
             <a:r>
-              <a:rPr lang="en-US" sz="4800" dirty="0" smtClean="0">
+              <a:rPr lang="en-US" sz="6000" dirty="0" smtClean="0">
                 <a:cs typeface="Times New Roman" pitchFamily="18" charset="0"/>
               </a:rPr>
               <a:t>Tools Used</a:t>
             </a:r>
-            <a:endParaRPr lang="en-US" sz="4800" dirty="0">
+            <a:endParaRPr lang="en-US" sz="6000" dirty="0">
               <a:cs typeface="Times New Roman" pitchFamily="18" charset="0"/>
             </a:endParaRPr>
           </a:p>
@@ -17590,8 +17564,8 @@
         </p:nvSpPr>
         <p:spPr>
           <a:xfrm>
-            <a:off x="29407264" y="29832984"/>
-            <a:ext cx="13581061" cy="2505279"/>
+            <a:off x="29375266" y="28323236"/>
+            <a:ext cx="13581061" cy="2640701"/>
           </a:xfrm>
         </p:spPr>
         <p:txBody>
@@ -17600,14 +17574,14 @@
           <a:p>
             <a:pPr algn="ctr"/>
             <a:r>
-              <a:rPr lang="en-US" sz="3200" dirty="0" smtClean="0"/>
+              <a:rPr lang="en-US" sz="3600" dirty="0" smtClean="0"/>
               <a:t>Isaiah Weating --- iweating@indiana.edu</a:t>
             </a:r>
           </a:p>
           <a:p>
             <a:pPr algn="ctr"/>
             <a:r>
-              <a:rPr lang="en-US" sz="3200" dirty="0" smtClean="0"/>
+              <a:rPr lang="en-US" sz="3600" dirty="0" smtClean="0"/>
               <a:t>Lindsey Kuper – lkuper@cs.indiana.edu</a:t>
             </a:r>
           </a:p>
@@ -17631,68 +17605,8 @@
         </p:nvSpPr>
         <p:spPr>
           <a:xfrm>
-            <a:off x="5064459" y="3498247"/>
-            <a:ext cx="32867102" cy="1280160"/>
-          </a:xfrm>
-        </p:spPr>
-        <p:txBody>
-          <a:bodyPr/>
-          <a:lstStyle/>
-          <a:p>
-            <a:r>
-              <a:rPr lang="en-US" dirty="0" smtClean="0"/>
-              <a:t> School of Informatics and Computing - Indiana University</a:t>
-            </a:r>
-            <a:endParaRPr lang="en-US" dirty="0"/>
-          </a:p>
-        </p:txBody>
-      </p:sp>
-      <p:sp>
-        <p:nvSpPr>
-          <p:cNvPr id="410" name="Text Placeholder 409"/>
-          <p:cNvSpPr>
-            <a:spLocks noGrp="1"/>
-          </p:cNvSpPr>
-          <p:nvPr>
-            <p:ph type="body" sz="quarter" idx="151"/>
-          </p:nvPr>
-        </p:nvSpPr>
-        <p:spPr>
-          <a:xfrm>
-            <a:off x="5064459" y="2076633"/>
-            <a:ext cx="32867102" cy="1514794"/>
-          </a:xfrm>
-        </p:spPr>
-        <p:txBody>
-          <a:bodyPr>
-            <a:normAutofit/>
-          </a:bodyPr>
-          <a:lstStyle/>
-          <a:p>
-            <a:r>
-              <a:rPr lang="en-US" dirty="0"/>
-              <a:t>Isaiah Weating &amp; Lindsey Kuper</a:t>
-            </a:r>
-          </a:p>
-          <a:p>
-            <a:endParaRPr lang="en-US" dirty="0"/>
-          </a:p>
-        </p:txBody>
-      </p:sp>
-      <p:sp>
-        <p:nvSpPr>
-          <p:cNvPr id="411" name="Text Placeholder 410"/>
-          <p:cNvSpPr>
-            <a:spLocks noGrp="1"/>
-          </p:cNvSpPr>
-          <p:nvPr>
-            <p:ph type="body" sz="quarter" idx="153"/>
-          </p:nvPr>
-        </p:nvSpPr>
-        <p:spPr>
-          <a:xfrm>
-            <a:off x="5064459" y="632979"/>
-            <a:ext cx="32867102" cy="1637973"/>
+            <a:off x="5285439" y="3326797"/>
+            <a:ext cx="18283221" cy="899349"/>
           </a:xfrm>
         </p:spPr>
         <p:txBody>
@@ -17701,6 +17615,89 @@
           </a:bodyPr>
           <a:lstStyle/>
           <a:p>
+            <a:pPr algn="l"/>
+            <a:r>
+              <a:rPr lang="en-US" dirty="0" smtClean="0"/>
+              <a:t> School of Informatics and </a:t>
+            </a:r>
+            <a:r>
+              <a:rPr lang="en-US" dirty="0" smtClean="0"/>
+              <a:t>Computing, </a:t>
+            </a:r>
+            <a:r>
+              <a:rPr lang="en-US" dirty="0" smtClean="0"/>
+              <a:t>Indiana University</a:t>
+            </a:r>
+            <a:endParaRPr lang="en-US" dirty="0"/>
+          </a:p>
+        </p:txBody>
+      </p:sp>
+      <p:sp>
+        <p:nvSpPr>
+          <p:cNvPr id="410" name="Text Placeholder 409"/>
+          <p:cNvSpPr>
+            <a:spLocks noGrp="1"/>
+          </p:cNvSpPr>
+          <p:nvPr>
+            <p:ph type="body" sz="quarter" idx="151"/>
+          </p:nvPr>
+        </p:nvSpPr>
+        <p:spPr>
+          <a:xfrm>
+            <a:off x="5273039" y="1794176"/>
+            <a:ext cx="14508481" cy="1514794"/>
+          </a:xfrm>
+        </p:spPr>
+        <p:txBody>
+          <a:bodyPr>
+            <a:normAutofit fontScale="92500"/>
+          </a:bodyPr>
+          <a:lstStyle/>
+          <a:p>
+            <a:pPr algn="l"/>
+            <a:r>
+              <a:rPr lang="en-US" dirty="0"/>
+              <a:t>Isaiah Weating </a:t>
+            </a:r>
+            <a:r>
+              <a:rPr lang="en-US" dirty="0" smtClean="0"/>
+              <a:t>and </a:t>
+            </a:r>
+            <a:r>
+              <a:rPr lang="en-US" dirty="0"/>
+              <a:t>Lindsey </a:t>
+            </a:r>
+            <a:r>
+              <a:rPr lang="en-US" dirty="0" smtClean="0"/>
+              <a:t>Kuper</a:t>
+            </a:r>
+            <a:endParaRPr lang="en-US" dirty="0"/>
+          </a:p>
+        </p:txBody>
+      </p:sp>
+      <p:sp>
+        <p:nvSpPr>
+          <p:cNvPr id="411" name="Text Placeholder 410"/>
+          <p:cNvSpPr>
+            <a:spLocks noGrp="1"/>
+          </p:cNvSpPr>
+          <p:nvPr>
+            <p:ph type="body" sz="quarter" idx="153"/>
+          </p:nvPr>
+        </p:nvSpPr>
+        <p:spPr>
+          <a:xfrm>
+            <a:off x="4739639" y="359403"/>
+            <a:ext cx="18191957" cy="1637973"/>
+          </a:xfrm>
+        </p:spPr>
+        <p:txBody>
+          <a:bodyPr>
+            <a:normAutofit fontScale="92500" lnSpcReduction="10000"/>
+          </a:bodyPr>
+          <a:lstStyle/>
+          <a:p>
+            <a:pPr algn="l"/>
             <a:r>
               <a:rPr lang="en-US" dirty="0"/>
               <a:t>LVars </a:t>
@@ -17711,10 +17708,12 @@
             </a:r>
             <a:r>
               <a:rPr lang="en-US" dirty="0"/>
-              <a:t>Parallel Programming</a:t>
-            </a:r>
-          </a:p>
-          <a:p>
+              <a:t>Parallel </a:t>
+            </a:r>
+            <a:r>
+              <a:rPr lang="en-US" dirty="0" smtClean="0"/>
+              <a:t>Programming</a:t>
+            </a:r>
             <a:endParaRPr lang="en-US" dirty="0"/>
           </a:p>
         </p:txBody>
@@ -18677,14 +18676,393 @@
       </p:pic>
       <p:pic>
         <p:nvPicPr>
-          <p:cNvPr id="1030" name="Picture 6" descr="http://womenshealthresearch.us/wp-content/uploads/2013/02/iu_logo.jpg"/>
+          <p:cNvPr id="1031" name="Picture 7"/>
           <p:cNvPicPr>
             <a:picLocks noChangeAspect="1" noChangeArrowheads="1"/>
           </p:cNvPicPr>
           <p:nvPr/>
         </p:nvPicPr>
         <p:blipFill>
-          <a:blip r:embed="rId4" cstate="print">
+          <a:blip r:embed="rId4">
+            <a:extLst>
+              <a:ext uri="{28A0092B-C50C-407E-A947-70E740481C1C}">
+                <a14:useLocalDpi xmlns:a14="http://schemas.microsoft.com/office/drawing/2010/main" val="0"/>
+              </a:ext>
+            </a:extLst>
+          </a:blip>
+          <a:srcRect/>
+          <a:stretch>
+            <a:fillRect/>
+          </a:stretch>
+        </p:blipFill>
+        <p:spPr bwMode="auto">
+          <a:xfrm>
+            <a:off x="922338" y="32182676"/>
+            <a:ext cx="4486275" cy="609600"/>
+          </a:xfrm>
+          <a:prstGeom prst="rect">
+            <a:avLst/>
+          </a:prstGeom>
+          <a:noFill/>
+          <a:ln>
+            <a:noFill/>
+          </a:ln>
+          <a:extLst>
+            <a:ext uri="{909E8E84-426E-40DD-AFC4-6F175D3DCCD1}">
+              <a14:hiddenFill xmlns:a14="http://schemas.microsoft.com/office/drawing/2010/main">
+                <a:solidFill>
+                  <a:schemeClr val="accent1"/>
+                </a:solidFill>
+              </a14:hiddenFill>
+            </a:ext>
+            <a:ext uri="{91240B29-F687-4F45-9708-019B960494DF}">
+              <a14:hiddenLine xmlns:a14="http://schemas.microsoft.com/office/drawing/2010/main" w="9525">
+                <a:solidFill>
+                  <a:schemeClr val="tx1"/>
+                </a:solidFill>
+                <a:miter lim="800000"/>
+                <a:headEnd/>
+                <a:tailEnd/>
+              </a14:hiddenLine>
+            </a:ext>
+          </a:extLst>
+        </p:spPr>
+      </p:pic>
+      <p:sp>
+        <p:nvSpPr>
+          <p:cNvPr id="71" name="Text Placeholder 2"/>
+          <p:cNvSpPr>
+            <a:spLocks noGrp="1"/>
+          </p:cNvSpPr>
+          <p:nvPr>
+            <p:ph type="body" sz="quarter" idx="11"/>
+          </p:nvPr>
+        </p:nvSpPr>
+        <p:spPr>
+          <a:xfrm>
+            <a:off x="29407264" y="15722755"/>
+            <a:ext cx="13573126" cy="1107988"/>
+          </a:xfrm>
+          <a:noFill/>
+        </p:spPr>
+        <p:txBody>
+          <a:bodyPr/>
+          <a:lstStyle/>
+          <a:p>
+            <a:r>
+              <a:rPr lang="en-US" sz="6000" dirty="0" smtClean="0"/>
+              <a:t>Future Work</a:t>
+            </a:r>
+            <a:endParaRPr lang="en-US" sz="6000" dirty="0"/>
+          </a:p>
+        </p:txBody>
+      </p:sp>
+      <p:sp>
+        <p:nvSpPr>
+          <p:cNvPr id="73" name="Text Placeholder 385"/>
+          <p:cNvSpPr>
+            <a:spLocks noGrp="1"/>
+          </p:cNvSpPr>
+          <p:nvPr>
+            <p:ph type="body" sz="quarter" idx="23"/>
+          </p:nvPr>
+        </p:nvSpPr>
+        <p:spPr>
+          <a:xfrm>
+            <a:off x="29355379" y="17171291"/>
+            <a:ext cx="13571537" cy="12366520"/>
+          </a:xfrm>
+        </p:spPr>
+        <p:txBody>
+          <a:bodyPr>
+            <a:noAutofit/>
+          </a:bodyPr>
+          <a:lstStyle/>
+          <a:p>
+            <a:pPr algn="just"/>
+            <a:r>
+              <a:rPr lang="en-US" sz="3400" dirty="0">
+                <a:solidFill>
+                  <a:srgbClr val="002060"/>
+                </a:solidFill>
+              </a:rPr>
+              <a:t>Future work on lambdaLVar: </a:t>
+            </a:r>
+          </a:p>
+          <a:p>
+            <a:pPr lvl="1" algn="just"/>
+            <a:r>
+              <a:rPr lang="en-US" sz="3400" dirty="0">
+                <a:solidFill>
+                  <a:srgbClr val="002060"/>
+                </a:solidFill>
+                <a:latin typeface="Times New Roman" pitchFamily="18" charset="0"/>
+                <a:cs typeface="Times New Roman" pitchFamily="18" charset="0"/>
+              </a:rPr>
+              <a:t>Automatic test generation: </a:t>
+            </a:r>
+            <a:r>
+              <a:rPr lang="en-US" sz="3400" dirty="0" smtClean="0">
+                <a:solidFill>
+                  <a:srgbClr val="002060"/>
+                </a:solidFill>
+                <a:latin typeface="Times New Roman" pitchFamily="18" charset="0"/>
+                <a:cs typeface="Times New Roman" pitchFamily="18" charset="0"/>
+              </a:rPr>
+              <a:t>Currently we manually write tests for lambdaLVar. In </a:t>
+            </a:r>
+            <a:r>
+              <a:rPr lang="en-US" sz="3400" dirty="0">
+                <a:solidFill>
+                  <a:srgbClr val="002060"/>
+                </a:solidFill>
+                <a:latin typeface="Times New Roman" pitchFamily="18" charset="0"/>
+                <a:cs typeface="Times New Roman" pitchFamily="18" charset="0"/>
+              </a:rPr>
+              <a:t>the future, </a:t>
+            </a:r>
+            <a:r>
+              <a:rPr lang="en-US" sz="3400" dirty="0" smtClean="0">
+                <a:solidFill>
+                  <a:srgbClr val="002060"/>
+                </a:solidFill>
+                <a:latin typeface="Times New Roman" pitchFamily="18" charset="0"/>
+                <a:cs typeface="Times New Roman" pitchFamily="18" charset="0"/>
+              </a:rPr>
+              <a:t>we will </a:t>
+            </a:r>
+            <a:r>
+              <a:rPr lang="en-US" sz="3400" dirty="0">
+                <a:solidFill>
+                  <a:srgbClr val="002060"/>
+                </a:solidFill>
+                <a:latin typeface="Times New Roman" pitchFamily="18" charset="0"/>
+                <a:cs typeface="Times New Roman" pitchFamily="18" charset="0"/>
+              </a:rPr>
+              <a:t>exploit the random test generation features of Redex to automate some of this work for </a:t>
+            </a:r>
+            <a:r>
+              <a:rPr lang="en-US" sz="3400" dirty="0" smtClean="0">
+                <a:solidFill>
+                  <a:srgbClr val="002060"/>
+                </a:solidFill>
+                <a:latin typeface="Times New Roman" pitchFamily="18" charset="0"/>
+                <a:cs typeface="Times New Roman" pitchFamily="18" charset="0"/>
+              </a:rPr>
+              <a:t>us.</a:t>
+            </a:r>
+          </a:p>
+          <a:p>
+            <a:pPr lvl="1" algn="just"/>
+            <a:r>
+              <a:rPr lang="en-US" sz="3400" dirty="0" smtClean="0">
+                <a:solidFill>
+                  <a:srgbClr val="002060"/>
+                </a:solidFill>
+                <a:latin typeface="Times New Roman" pitchFamily="18" charset="0"/>
+                <a:cs typeface="Times New Roman" pitchFamily="18" charset="0"/>
+              </a:rPr>
+              <a:t>Decoupling </a:t>
+            </a:r>
+            <a:r>
+              <a:rPr lang="en-US" sz="3400" dirty="0">
+                <a:solidFill>
+                  <a:srgbClr val="002060"/>
+                </a:solidFill>
+                <a:latin typeface="Times New Roman" pitchFamily="18" charset="0"/>
+                <a:cs typeface="Times New Roman" pitchFamily="18" charset="0"/>
+              </a:rPr>
+              <a:t>lambdaLVar from Redex: lambdaLVar programs can be cumbersome to work with because one has to write them inside the Redex framework. </a:t>
+            </a:r>
+            <a:r>
+              <a:rPr lang="en-US" sz="3400" dirty="0" smtClean="0">
+                <a:solidFill>
+                  <a:srgbClr val="002060"/>
+                </a:solidFill>
+                <a:latin typeface="Times New Roman" pitchFamily="18" charset="0"/>
+                <a:cs typeface="Times New Roman" pitchFamily="18" charset="0"/>
+              </a:rPr>
+              <a:t>In the future, we will write lambdaLVar programs independently from Redex.</a:t>
+            </a:r>
+          </a:p>
+          <a:p>
+            <a:pPr lvl="1" algn="just"/>
+            <a:endParaRPr lang="en-US" sz="3400" dirty="0">
+              <a:solidFill>
+                <a:srgbClr val="002060"/>
+              </a:solidFill>
+              <a:latin typeface="Times New Roman" pitchFamily="18" charset="0"/>
+              <a:cs typeface="Times New Roman" pitchFamily="18" charset="0"/>
+            </a:endParaRPr>
+          </a:p>
+          <a:p>
+            <a:pPr algn="just"/>
+            <a:r>
+              <a:rPr lang="en-US" sz="3400" dirty="0">
+                <a:solidFill>
+                  <a:srgbClr val="002060"/>
+                </a:solidFill>
+              </a:rPr>
+              <a:t>Future work on LVars in general:</a:t>
+            </a:r>
+          </a:p>
+          <a:p>
+            <a:pPr lvl="1" algn="just"/>
+            <a:r>
+              <a:rPr lang="en-US" sz="3400" dirty="0">
+                <a:solidFill>
+                  <a:srgbClr val="002060"/>
+                </a:solidFill>
+                <a:latin typeface="Times New Roman" pitchFamily="18" charset="0"/>
+                <a:cs typeface="Times New Roman" pitchFamily="18" charset="0"/>
+              </a:rPr>
+              <a:t>There is still much work to be done </a:t>
+            </a:r>
+            <a:r>
+              <a:rPr lang="en-US" sz="3400" dirty="0" smtClean="0">
+                <a:solidFill>
+                  <a:srgbClr val="002060"/>
+                </a:solidFill>
+                <a:latin typeface="Times New Roman" pitchFamily="18" charset="0"/>
+                <a:cs typeface="Times New Roman" pitchFamily="18" charset="0"/>
+              </a:rPr>
+              <a:t>on effective </a:t>
+            </a:r>
+            <a:r>
+              <a:rPr lang="en-US" sz="3400" dirty="0">
+                <a:solidFill>
+                  <a:srgbClr val="002060"/>
+                </a:solidFill>
+                <a:latin typeface="Times New Roman" pitchFamily="18" charset="0"/>
+                <a:cs typeface="Times New Roman" pitchFamily="18" charset="0"/>
+              </a:rPr>
+              <a:t>ways of programming with </a:t>
+            </a:r>
+            <a:r>
+              <a:rPr lang="en-US" sz="3400" dirty="0" smtClean="0">
+                <a:solidFill>
+                  <a:srgbClr val="002060"/>
+                </a:solidFill>
+                <a:latin typeface="Times New Roman" pitchFamily="18" charset="0"/>
+                <a:cs typeface="Times New Roman" pitchFamily="18" charset="0"/>
+              </a:rPr>
+              <a:t>LVars beyond </a:t>
+            </a:r>
+            <a:r>
+              <a:rPr lang="en-US" sz="3400" dirty="0">
+                <a:solidFill>
+                  <a:srgbClr val="002060"/>
+                </a:solidFill>
+                <a:latin typeface="Times New Roman" pitchFamily="18" charset="0"/>
+                <a:cs typeface="Times New Roman" pitchFamily="18" charset="0"/>
+              </a:rPr>
+              <a:t>the special-purpose lambdaLVar language, and eventually, we want to build libraries of efficient concurrent data structures on top of LVars.  (Ask Lindsey for more details on the current roadmap for LVars</a:t>
+            </a:r>
+            <a:r>
+              <a:rPr lang="en-US" sz="3400" dirty="0" smtClean="0">
+                <a:solidFill>
+                  <a:srgbClr val="002060"/>
+                </a:solidFill>
+                <a:latin typeface="Times New Roman" pitchFamily="18" charset="0"/>
+                <a:cs typeface="Times New Roman" pitchFamily="18" charset="0"/>
+              </a:rPr>
+              <a:t>!)</a:t>
+            </a:r>
+          </a:p>
+          <a:p>
+            <a:pPr lvl="1" algn="just"/>
+            <a:endParaRPr lang="en-US" sz="3000" dirty="0">
+              <a:solidFill>
+                <a:srgbClr val="002060"/>
+              </a:solidFill>
+              <a:latin typeface="Times New Roman" pitchFamily="18" charset="0"/>
+              <a:cs typeface="Times New Roman" pitchFamily="18" charset="0"/>
+            </a:endParaRPr>
+          </a:p>
+        </p:txBody>
+      </p:sp>
+      <p:sp>
+        <p:nvSpPr>
+          <p:cNvPr id="74" name="Text Placeholder 2"/>
+          <p:cNvSpPr>
+            <a:spLocks noGrp="1"/>
+          </p:cNvSpPr>
+          <p:nvPr>
+            <p:ph type="body" sz="quarter" idx="11"/>
+          </p:nvPr>
+        </p:nvSpPr>
+        <p:spPr>
+          <a:xfrm>
+            <a:off x="29383201" y="26834007"/>
+            <a:ext cx="13573126" cy="1107988"/>
+          </a:xfrm>
+          <a:noFill/>
+        </p:spPr>
+        <p:txBody>
+          <a:bodyPr/>
+          <a:lstStyle/>
+          <a:p>
+            <a:r>
+              <a:rPr lang="en-US" sz="6000" dirty="0" smtClean="0"/>
+              <a:t>Contacts</a:t>
+            </a:r>
+            <a:endParaRPr lang="en-US" sz="6000" dirty="0"/>
+          </a:p>
+        </p:txBody>
+      </p:sp>
+      <p:sp>
+        <p:nvSpPr>
+          <p:cNvPr id="77" name="Text Placeholder 385"/>
+          <p:cNvSpPr>
+            <a:spLocks noGrp="1"/>
+          </p:cNvSpPr>
+          <p:nvPr>
+            <p:ph type="body" sz="quarter" idx="23"/>
+          </p:nvPr>
+        </p:nvSpPr>
+        <p:spPr>
+          <a:xfrm>
+            <a:off x="29305972" y="6818918"/>
+            <a:ext cx="13571537" cy="6479987"/>
+          </a:xfrm>
+        </p:spPr>
+        <p:txBody>
+          <a:bodyPr>
+            <a:noAutofit/>
+          </a:bodyPr>
+          <a:lstStyle/>
+          <a:p>
+            <a:pPr indent="0" algn="just"/>
+            <a:r>
+              <a:rPr lang="en-US" sz="3400" dirty="0" smtClean="0"/>
+              <a:t>We developed our language in Redex</a:t>
+            </a:r>
+            <a:r>
+              <a:rPr lang="en-US" sz="3400" dirty="0" smtClean="0"/>
+              <a:t>. Redex is a framework for creating programming languages which is embedded in the Racket language. Our development software of choice was </a:t>
+            </a:r>
+            <a:r>
+              <a:rPr lang="en-US" sz="3400" dirty="0" err="1" smtClean="0"/>
+              <a:t>DrRacket</a:t>
+            </a:r>
+            <a:r>
+              <a:rPr lang="en-US" sz="3400" dirty="0" smtClean="0"/>
+              <a:t>, shown below.</a:t>
+            </a:r>
+            <a:endParaRPr lang="en-US" sz="3400" dirty="0" smtClean="0"/>
+          </a:p>
+        </p:txBody>
+      </p:sp>
+      <p:pic>
+        <p:nvPicPr>
+          <p:cNvPr id="1027" name="Picture 3"/>
+          <p:cNvPicPr>
+            <a:picLocks noChangeAspect="1" noChangeArrowheads="1"/>
+          </p:cNvPicPr>
+          <p:nvPr/>
+        </p:nvPicPr>
+        <p:blipFill>
+          <a:blip r:embed="rId5">
             <a:clrChange>
               <a:clrFrom>
                 <a:srgbClr val="FFFFFF"/>
@@ -18708,100 +19086,8 @@
         </p:blipFill>
         <p:spPr bwMode="auto">
           <a:xfrm>
-            <a:off x="2833083" y="836177"/>
-            <a:ext cx="2231376" cy="2869550"/>
-          </a:xfrm>
-          <a:prstGeom prst="rect">
-            <a:avLst/>
-          </a:prstGeom>
-          <a:noFill/>
-          <a:extLst>
-            <a:ext uri="{909E8E84-426E-40DD-AFC4-6F175D3DCCD1}">
-              <a14:hiddenFill xmlns:a14="http://schemas.microsoft.com/office/drawing/2010/main">
-                <a:solidFill>
-                  <a:srgbClr val="FFFFFF"/>
-                </a:solidFill>
-              </a14:hiddenFill>
-            </a:ext>
-          </a:extLst>
-        </p:spPr>
-      </p:pic>
-      <p:pic>
-        <p:nvPicPr>
-          <p:cNvPr id="63" name="Picture 6" descr="http://womenshealthresearch.us/wp-content/uploads/2013/02/iu_logo.jpg"/>
-          <p:cNvPicPr>
-            <a:picLocks noChangeAspect="1" noChangeArrowheads="1"/>
-          </p:cNvPicPr>
-          <p:nvPr/>
-        </p:nvPicPr>
-        <p:blipFill>
-          <a:blip r:embed="rId4" cstate="print">
-            <a:clrChange>
-              <a:clrFrom>
-                <a:srgbClr val="FFFFFF"/>
-              </a:clrFrom>
-              <a:clrTo>
-                <a:srgbClr val="FFFFFF">
-                  <a:alpha val="0"/>
-                </a:srgbClr>
-              </a:clrTo>
-            </a:clrChange>
-            <a:extLst>
-              <a:ext uri="{28A0092B-C50C-407E-A947-70E740481C1C}">
-                <a14:useLocalDpi xmlns:a14="http://schemas.microsoft.com/office/drawing/2010/main" val="0"/>
-              </a:ext>
-            </a:extLst>
-          </a:blip>
-          <a:srcRect/>
-          <a:stretch>
-            <a:fillRect/>
-          </a:stretch>
-        </p:blipFill>
-        <p:spPr bwMode="auto">
-          <a:xfrm>
-            <a:off x="37931561" y="836177"/>
-            <a:ext cx="2231376" cy="2869550"/>
-          </a:xfrm>
-          <a:prstGeom prst="rect">
-            <a:avLst/>
-          </a:prstGeom>
-          <a:noFill/>
-          <a:extLst>
-            <a:ext uri="{909E8E84-426E-40DD-AFC4-6F175D3DCCD1}">
-              <a14:hiddenFill xmlns:a14="http://schemas.microsoft.com/office/drawing/2010/main">
-                <a:solidFill>
-                  <a:srgbClr val="FFFFFF"/>
-                </a:solidFill>
-              </a14:hiddenFill>
-            </a:ext>
-          </a:extLst>
-        </p:spPr>
-      </p:pic>
-      <p:pic>
-        <p:nvPicPr>
-          <p:cNvPr id="1031" name="Picture 7"/>
-          <p:cNvPicPr>
-            <a:picLocks noChangeAspect="1" noChangeArrowheads="1"/>
-          </p:cNvPicPr>
-          <p:nvPr/>
-        </p:nvPicPr>
-        <p:blipFill>
-          <a:blip r:embed="rId5">
-            <a:extLst>
-              <a:ext uri="{28A0092B-C50C-407E-A947-70E740481C1C}">
-                <a14:useLocalDpi xmlns:a14="http://schemas.microsoft.com/office/drawing/2010/main" val="0"/>
-              </a:ext>
-            </a:extLst>
-          </a:blip>
-          <a:srcRect/>
-          <a:stretch>
-            <a:fillRect/>
-          </a:stretch>
-        </p:blipFill>
-        <p:spPr bwMode="auto">
-          <a:xfrm>
-            <a:off x="922338" y="32182676"/>
-            <a:ext cx="4486275" cy="609600"/>
+            <a:off x="39634056" y="10996487"/>
+            <a:ext cx="3315691" cy="3235148"/>
           </a:xfrm>
           <a:prstGeom prst="rect">
             <a:avLst/>
@@ -18833,53 +19119,20 @@
       </p:pic>
       <p:sp>
         <p:nvSpPr>
-          <p:cNvPr id="71" name="Text Placeholder 2"/>
-          <p:cNvSpPr>
-            <a:spLocks noGrp="1"/>
-          </p:cNvSpPr>
-          <p:nvPr>
-            <p:ph type="body" sz="quarter" idx="11"/>
-          </p:nvPr>
-        </p:nvSpPr>
-        <p:spPr>
-          <a:xfrm>
-            <a:off x="29407264" y="13071887"/>
-            <a:ext cx="13573126" cy="923322"/>
-          </a:xfrm>
-          <a:solidFill>
-            <a:schemeClr val="tx2">
-              <a:lumMod val="60000"/>
-              <a:lumOff val="40000"/>
-            </a:schemeClr>
-          </a:solidFill>
-        </p:spPr>
-        <p:txBody>
-          <a:bodyPr/>
-          <a:lstStyle/>
-          <a:p>
-            <a:r>
-              <a:rPr lang="en-US" sz="4800" dirty="0" smtClean="0"/>
-              <a:t>Future Work</a:t>
-            </a:r>
-            <a:endParaRPr lang="en-US" sz="4800" dirty="0"/>
-          </a:p>
-        </p:txBody>
-      </p:sp>
-      <p:sp>
-        <p:nvSpPr>
-          <p:cNvPr id="73" name="Text Placeholder 385"/>
-          <p:cNvSpPr>
-            <a:spLocks noGrp="1"/>
-          </p:cNvSpPr>
-          <p:nvPr>
-            <p:ph type="body" sz="quarter" idx="23"/>
-          </p:nvPr>
-        </p:nvSpPr>
-        <p:spPr>
-          <a:xfrm>
-            <a:off x="29456979" y="13920091"/>
-            <a:ext cx="13571537" cy="12366520"/>
-          </a:xfrm>
+          <p:cNvPr id="66" name="Text Placeholder 386"/>
+          <p:cNvSpPr>
+            <a:spLocks noGrp="1"/>
+          </p:cNvSpPr>
+          <p:nvPr>
+            <p:ph type="body" sz="quarter" idx="24"/>
+          </p:nvPr>
+        </p:nvSpPr>
+        <p:spPr>
+          <a:xfrm>
+            <a:off x="922338" y="22785999"/>
+            <a:ext cx="13579475" cy="754045"/>
+          </a:xfrm>
+          <a:noFill/>
         </p:spPr>
         <p:txBody>
           <a:bodyPr>
@@ -18887,250 +19140,65 @@
           </a:bodyPr>
           <a:lstStyle/>
           <a:p>
-            <a:pPr algn="just"/>
-            <a:r>
-              <a:rPr lang="en-US" sz="3000" dirty="0">
-                <a:solidFill>
-                  <a:srgbClr val="002060"/>
-                </a:solidFill>
-              </a:rPr>
-              <a:t>Future work on lambdaLVar: </a:t>
-            </a:r>
-          </a:p>
-          <a:p>
-            <a:pPr lvl="1" algn="just"/>
-            <a:r>
-              <a:rPr lang="en-US" sz="3000" dirty="0">
-                <a:solidFill>
-                  <a:srgbClr val="002060"/>
-                </a:solidFill>
-                <a:latin typeface="Times New Roman" pitchFamily="18" charset="0"/>
-                <a:cs typeface="Times New Roman" pitchFamily="18" charset="0"/>
-              </a:rPr>
-              <a:t>Automatic test generation: The flexibility of lambdaLVar means that there is always more work to do: we can create new languages with lambdaLVar, but for each new language, if we want to see if it's working in the way we intend, we have to manually write tests.  In the future, we would like to exploit the random test generation features of Redex to automate some of this work for </a:t>
-            </a:r>
-            <a:r>
-              <a:rPr lang="en-US" sz="3000" dirty="0" smtClean="0">
-                <a:solidFill>
-                  <a:srgbClr val="002060"/>
-                </a:solidFill>
-                <a:latin typeface="Times New Roman" pitchFamily="18" charset="0"/>
-                <a:cs typeface="Times New Roman" pitchFamily="18" charset="0"/>
-              </a:rPr>
-              <a:t>us.</a:t>
-            </a:r>
-          </a:p>
-          <a:p>
-            <a:pPr lvl="1" algn="just"/>
-            <a:r>
-              <a:rPr lang="en-US" sz="3000" dirty="0" smtClean="0">
-                <a:solidFill>
-                  <a:srgbClr val="002060"/>
-                </a:solidFill>
-                <a:latin typeface="Times New Roman" pitchFamily="18" charset="0"/>
-                <a:cs typeface="Times New Roman" pitchFamily="18" charset="0"/>
-              </a:rPr>
-              <a:t>Decoupling </a:t>
-            </a:r>
-            <a:r>
-              <a:rPr lang="en-US" sz="3000" dirty="0">
-                <a:solidFill>
-                  <a:srgbClr val="002060"/>
-                </a:solidFill>
-                <a:latin typeface="Times New Roman" pitchFamily="18" charset="0"/>
-                <a:cs typeface="Times New Roman" pitchFamily="18" charset="0"/>
-              </a:rPr>
-              <a:t>lambdaLVar from Redex: lambdaLVar programs can be cumbersome to work with because one has to write them inside the Redex framework.  In the future, though, we should be able to decouple lambdaLVar programs and write them independently from Redex, using Racket's "#</a:t>
-            </a:r>
-            <a:r>
-              <a:rPr lang="en-US" sz="3000" dirty="0" err="1">
-                <a:solidFill>
-                  <a:srgbClr val="002060"/>
-                </a:solidFill>
-                <a:latin typeface="Times New Roman" pitchFamily="18" charset="0"/>
-                <a:cs typeface="Times New Roman" pitchFamily="18" charset="0"/>
-              </a:rPr>
-              <a:t>lang</a:t>
-            </a:r>
-            <a:r>
-              <a:rPr lang="en-US" sz="3000" dirty="0">
-                <a:solidFill>
-                  <a:srgbClr val="002060"/>
-                </a:solidFill>
-                <a:latin typeface="Times New Roman" pitchFamily="18" charset="0"/>
-                <a:cs typeface="Times New Roman" pitchFamily="18" charset="0"/>
-              </a:rPr>
-              <a:t>" protocol.  They would still run on the Redex infrastructure, but it would be hidden from the user.  Even better, we could add things like syntax highlighting.  Then lambdaLVar programs would begin to "feel" more like programs, rather than just pieces of </a:t>
-            </a:r>
-            <a:r>
-              <a:rPr lang="en-US" sz="3000" dirty="0" smtClean="0">
-                <a:solidFill>
-                  <a:srgbClr val="002060"/>
-                </a:solidFill>
-                <a:latin typeface="Times New Roman" pitchFamily="18" charset="0"/>
-                <a:cs typeface="Times New Roman" pitchFamily="18" charset="0"/>
-              </a:rPr>
-              <a:t>data that Reddex is manipulating.</a:t>
-            </a:r>
-          </a:p>
-          <a:p>
-            <a:pPr lvl="1" algn="just"/>
-            <a:endParaRPr lang="en-US" sz="3000" dirty="0">
-              <a:solidFill>
-                <a:srgbClr val="002060"/>
-              </a:solidFill>
-              <a:latin typeface="Times New Roman" pitchFamily="18" charset="0"/>
-              <a:cs typeface="Times New Roman" pitchFamily="18" charset="0"/>
-            </a:endParaRPr>
-          </a:p>
-          <a:p>
-            <a:pPr algn="just"/>
-            <a:r>
-              <a:rPr lang="en-US" sz="3000" dirty="0">
-                <a:solidFill>
-                  <a:srgbClr val="002060"/>
-                </a:solidFill>
-              </a:rPr>
-              <a:t>Future work on LVars in general:</a:t>
-            </a:r>
-          </a:p>
-          <a:p>
-            <a:pPr lvl="1" algn="just"/>
-            <a:r>
-              <a:rPr lang="en-US" sz="3000" dirty="0">
-                <a:solidFill>
-                  <a:srgbClr val="002060"/>
-                </a:solidFill>
-                <a:latin typeface="Times New Roman" pitchFamily="18" charset="0"/>
-                <a:cs typeface="Times New Roman" pitchFamily="18" charset="0"/>
-              </a:rPr>
-              <a:t>There is still much work to be done to figure out effective ways of programming with LVars.  We want LVar libraries to be available for use in languages beyond the special-purpose lambdaLVar language, and eventually, we want to build libraries of efficient concurrent data structures on top of LVars.  (Ask Lindsey for more details on the current roadmap for LVars</a:t>
-            </a:r>
-            <a:r>
-              <a:rPr lang="en-US" sz="3000" dirty="0" smtClean="0">
-                <a:solidFill>
-                  <a:srgbClr val="002060"/>
-                </a:solidFill>
-                <a:latin typeface="Times New Roman" pitchFamily="18" charset="0"/>
-                <a:cs typeface="Times New Roman" pitchFamily="18" charset="0"/>
-              </a:rPr>
-              <a:t>!)</a:t>
-            </a:r>
-          </a:p>
-          <a:p>
-            <a:pPr lvl="1" algn="just"/>
-            <a:endParaRPr lang="en-US" sz="3000" dirty="0">
-              <a:solidFill>
-                <a:srgbClr val="002060"/>
-              </a:solidFill>
-              <a:latin typeface="Times New Roman" pitchFamily="18" charset="0"/>
-              <a:cs typeface="Times New Roman" pitchFamily="18" charset="0"/>
-            </a:endParaRPr>
-          </a:p>
-          <a:p>
-            <a:pPr algn="just"/>
-            <a:r>
-              <a:rPr lang="en-US" sz="3000" dirty="0">
-                <a:solidFill>
-                  <a:srgbClr val="002060"/>
-                </a:solidFill>
-              </a:rPr>
-              <a:t>Future work on the </a:t>
-            </a:r>
-            <a:r>
-              <a:rPr lang="en-US" sz="3000" dirty="0" err="1">
-                <a:solidFill>
-                  <a:srgbClr val="002060"/>
-                </a:solidFill>
-              </a:rPr>
-              <a:t>metatheory</a:t>
-            </a:r>
-            <a:r>
-              <a:rPr lang="en-US" sz="3000" dirty="0">
-                <a:solidFill>
-                  <a:srgbClr val="002060"/>
-                </a:solidFill>
-              </a:rPr>
-              <a:t> of LVars</a:t>
-            </a:r>
-            <a:r>
-              <a:rPr lang="en-US" sz="3000" dirty="0" smtClean="0">
-                <a:solidFill>
-                  <a:srgbClr val="002060"/>
-                </a:solidFill>
-              </a:rPr>
-              <a:t>:</a:t>
-            </a:r>
-            <a:endParaRPr lang="en-US" sz="3000" dirty="0">
-              <a:solidFill>
-                <a:srgbClr val="002060"/>
-              </a:solidFill>
-            </a:endParaRPr>
-          </a:p>
-          <a:p>
-            <a:pPr lvl="1" algn="just"/>
-            <a:r>
-              <a:rPr lang="en-US" sz="3000" dirty="0">
-                <a:solidFill>
-                  <a:srgbClr val="002060"/>
-                </a:solidFill>
-                <a:latin typeface="Times New Roman" pitchFamily="18" charset="0"/>
-                <a:cs typeface="Times New Roman" pitchFamily="18" charset="0"/>
-              </a:rPr>
-              <a:t>As we work out better ways to program with LVars in general, what we learn will inform the design of the next version of lambdaLVar, so we'll need to state and prove a determinism property for that new and improved language.</a:t>
-            </a:r>
-          </a:p>
-        </p:txBody>
-      </p:sp>
-      <p:sp>
-        <p:nvSpPr>
-          <p:cNvPr id="74" name="Text Placeholder 2"/>
-          <p:cNvSpPr>
-            <a:spLocks noGrp="1"/>
-          </p:cNvSpPr>
-          <p:nvPr>
-            <p:ph type="body" sz="quarter" idx="11"/>
-          </p:nvPr>
-        </p:nvSpPr>
-        <p:spPr>
-          <a:xfrm>
-            <a:off x="29383201" y="28926910"/>
-            <a:ext cx="13573126" cy="923322"/>
-          </a:xfrm>
-          <a:solidFill>
-            <a:schemeClr val="tx2">
-              <a:lumMod val="60000"/>
-              <a:lumOff val="40000"/>
-            </a:schemeClr>
-          </a:solidFill>
-        </p:spPr>
-        <p:txBody>
-          <a:bodyPr/>
+            <a:r>
+              <a:rPr lang="en-US" sz="6000" dirty="0" smtClean="0"/>
+              <a:t>Lattices and LVars</a:t>
+            </a:r>
+            <a:endParaRPr lang="en-US" sz="6000" dirty="0"/>
+          </a:p>
+        </p:txBody>
+      </p:sp>
+      <p:sp>
+        <p:nvSpPr>
+          <p:cNvPr id="6" name="TextBox 5"/>
+          <p:cNvSpPr txBox="1"/>
+          <p:nvPr/>
+        </p:nvSpPr>
+        <p:spPr>
+          <a:xfrm>
+            <a:off x="26865848" y="26699408"/>
+            <a:ext cx="1019638" cy="400110"/>
+          </a:xfrm>
+          <a:prstGeom prst="rect">
+            <a:avLst/>
+          </a:prstGeom>
+          <a:noFill/>
+          <a:ln w="57150">
+            <a:solidFill>
+              <a:schemeClr val="tx1"/>
+            </a:solidFill>
+          </a:ln>
+        </p:spPr>
+        <p:txBody>
+          <a:bodyPr wrap="none" rtlCol="0">
+            <a:spAutoFit/>
+          </a:bodyPr>
           <a:lstStyle/>
           <a:p>
             <a:r>
-              <a:rPr lang="en-US" sz="4800" dirty="0" smtClean="0"/>
-              <a:t>Contacts</a:t>
-            </a:r>
-            <a:endParaRPr lang="en-US" sz="4800" dirty="0"/>
-          </a:p>
-        </p:txBody>
-      </p:sp>
-      <p:sp>
-        <p:nvSpPr>
-          <p:cNvPr id="77" name="Text Placeholder 385"/>
-          <p:cNvSpPr>
-            <a:spLocks noGrp="1"/>
-          </p:cNvSpPr>
-          <p:nvPr>
-            <p:ph type="body" sz="quarter" idx="23"/>
-          </p:nvPr>
-        </p:nvSpPr>
-        <p:spPr>
-          <a:xfrm>
-            <a:off x="29742151" y="6463318"/>
-            <a:ext cx="13571537" cy="6479987"/>
-          </a:xfrm>
+              <a:rPr lang="en-US" sz="2000" dirty="0" smtClean="0"/>
+              <a:t>Figure 2</a:t>
+            </a:r>
+            <a:endParaRPr lang="en-US" sz="2000" dirty="0"/>
+          </a:p>
+        </p:txBody>
+      </p:sp>
+      <p:sp>
+        <p:nvSpPr>
+          <p:cNvPr id="84" name="Text Placeholder 386"/>
+          <p:cNvSpPr>
+            <a:spLocks noGrp="1"/>
+          </p:cNvSpPr>
+          <p:nvPr>
+            <p:ph type="body" sz="quarter" idx="24"/>
+          </p:nvPr>
+        </p:nvSpPr>
+        <p:spPr>
+          <a:xfrm>
+            <a:off x="15166474" y="5396930"/>
+            <a:ext cx="13579475" cy="915143"/>
+          </a:xfrm>
+          <a:noFill/>
         </p:spPr>
         <p:txBody>
           <a:bodyPr>
@@ -19138,30 +19206,59 @@
           </a:bodyPr>
           <a:lstStyle/>
           <a:p>
-            <a:pPr algn="just"/>
-            <a:r>
-              <a:rPr lang="en-US" sz="3000" dirty="0" smtClean="0"/>
-              <a:t>We developed our language in Redex</a:t>
-            </a:r>
-            <a:r>
-              <a:rPr lang="en-US" sz="3000" dirty="0" smtClean="0"/>
-              <a:t>. Redex is a programming language used for creating programming languages which is embedded in the Racket language. Our development software of choice was </a:t>
-            </a:r>
-            <a:r>
-              <a:rPr lang="en-US" sz="3000" dirty="0" err="1" smtClean="0"/>
-              <a:t>DrRacket</a:t>
-            </a:r>
-            <a:r>
-              <a:rPr lang="en-US" sz="3000" dirty="0" smtClean="0"/>
-              <a:t>, shown below.</a:t>
-            </a:r>
-            <a:endParaRPr lang="en-US" sz="3000" dirty="0" smtClean="0"/>
+            <a:r>
+              <a:rPr lang="en-US" sz="6000" dirty="0"/>
+              <a:t>Lattices </a:t>
+            </a:r>
+            <a:r>
+              <a:rPr lang="en-US" sz="6000" dirty="0" smtClean="0"/>
+              <a:t>and </a:t>
+            </a:r>
+            <a:r>
+              <a:rPr lang="en-US" sz="6000" dirty="0"/>
+              <a:t>LVars</a:t>
+            </a:r>
+            <a:endParaRPr lang="en-US" sz="6000" dirty="0"/>
+          </a:p>
+        </p:txBody>
+      </p:sp>
+      <p:sp>
+        <p:nvSpPr>
+          <p:cNvPr id="85" name="Text Placeholder 385"/>
+          <p:cNvSpPr>
+            <a:spLocks noGrp="1"/>
+          </p:cNvSpPr>
+          <p:nvPr>
+            <p:ph type="body" sz="quarter" idx="23"/>
+          </p:nvPr>
+        </p:nvSpPr>
+        <p:spPr>
+          <a:xfrm>
+            <a:off x="15001877" y="28053702"/>
+            <a:ext cx="13571537" cy="3111800"/>
+          </a:xfrm>
+        </p:spPr>
+        <p:txBody>
+          <a:bodyPr>
+            <a:noAutofit/>
+          </a:bodyPr>
+          <a:lstStyle/>
+          <a:p>
+            <a:pPr indent="0" algn="just"/>
+            <a:r>
+              <a:rPr lang="en-US" sz="3400" dirty="0" smtClean="0"/>
+              <a:t>Figure 2 shows two parallel program dependence graphs. The one on the left will always be deterministic since </a:t>
+            </a:r>
+            <a:r>
+              <a:rPr lang="en-US" sz="3400" dirty="0" smtClean="0"/>
+              <a:t>it doesn’t have any put or get operations. The one on the right, though, will be nondeterministic since the put and get could evaluate simultaneously or in an arbitrary order, causing nondeterminism. LVars address this problem by insuring the program behaves the same way regardless of the order of the put and get. </a:t>
+            </a:r>
           </a:p>
         </p:txBody>
       </p:sp>
       <p:pic>
         <p:nvPicPr>
-          <p:cNvPr id="1026" name="Picture 2"/>
+          <p:cNvPr id="1029" name="Picture 5"/>
           <p:cNvPicPr>
             <a:picLocks noChangeAspect="1" noChangeArrowheads="1"/>
           </p:cNvPicPr>
@@ -19182,15 +19279,20 @@
         </p:blipFill>
         <p:spPr bwMode="auto">
           <a:xfrm>
-            <a:off x="30726862" y="8407175"/>
-            <a:ext cx="8320387" cy="4472208"/>
+            <a:off x="1350165" y="23996880"/>
+            <a:ext cx="12715875" cy="6753225"/>
           </a:xfrm>
           <a:prstGeom prst="rect">
             <a:avLst/>
           </a:prstGeom>
           <a:noFill/>
-          <a:ln>
-            <a:noFill/>
+          <a:ln w="9525">
+            <a:solidFill>
+              <a:schemeClr val="tx1"/>
+            </a:solidFill>
+            <a:miter lim="800000"/>
+            <a:headEnd/>
+            <a:tailEnd/>
           </a:ln>
           <a:extLst>
             <a:ext uri="{909E8E84-426E-40DD-AFC4-6F175D3DCCD1}">
@@ -19200,22 +19302,136 @@
                 </a:solidFill>
               </a14:hiddenFill>
             </a:ext>
-            <a:ext uri="{91240B29-F687-4F45-9708-019B960494DF}">
-              <a14:hiddenLine xmlns:a14="http://schemas.microsoft.com/office/drawing/2010/main" w="9525">
-                <a:solidFill>
-                  <a:schemeClr val="tx1"/>
-                </a:solidFill>
-                <a:miter lim="800000"/>
-                <a:headEnd/>
-                <a:tailEnd/>
-              </a14:hiddenLine>
-            </a:ext>
           </a:extLst>
         </p:spPr>
       </p:pic>
+      <p:sp>
+        <p:nvSpPr>
+          <p:cNvPr id="22" name="Text Placeholder 21"/>
+          <p:cNvSpPr>
+            <a:spLocks noGrp="1"/>
+          </p:cNvSpPr>
+          <p:nvPr>
+            <p:ph type="body" sz="quarter" idx="23"/>
+          </p:nvPr>
+        </p:nvSpPr>
+        <p:spPr>
+          <a:xfrm>
+            <a:off x="15009815" y="6295353"/>
+            <a:ext cx="13571534" cy="6426352"/>
+          </a:xfrm>
+        </p:spPr>
+        <p:txBody>
+          <a:bodyPr/>
+          <a:lstStyle/>
+          <a:p>
+            <a:pPr indent="0" algn="just"/>
+            <a:r>
+              <a:rPr lang="en-US" sz="3400" dirty="0"/>
+              <a:t>The counter LVar, figure 1c, keeps track of the max value that has been entered. If the user were to put in values x and y into the LVar, it would keep track of max( x, y ). If the user were to then use the get function on any </a:t>
+            </a:r>
+            <a:r>
+              <a:rPr lang="en-US" sz="3400" dirty="0" smtClean="0"/>
+              <a:t>value up to </a:t>
+            </a:r>
+            <a:r>
+              <a:rPr lang="en-US" sz="3400" dirty="0"/>
+              <a:t>max( x, y ), it would return that value. If they were to call get with a value greater than max( x, y), the call would block the program until the value </a:t>
+            </a:r>
+            <a:r>
+              <a:rPr lang="en-US" sz="3400" dirty="0" smtClean="0"/>
+              <a:t>asked </a:t>
+            </a:r>
+            <a:r>
+              <a:rPr lang="en-US" sz="3400" dirty="0"/>
+              <a:t>for is reached</a:t>
+            </a:r>
+            <a:r>
+              <a:rPr lang="en-US" sz="3400" dirty="0" smtClean="0"/>
+              <a:t>.</a:t>
+            </a:r>
+            <a:endParaRPr lang="en-US" sz="3400" dirty="0"/>
+          </a:p>
+          <a:p>
+            <a:pPr indent="0" algn="just"/>
+            <a:endParaRPr lang="en-US" sz="3400" dirty="0" smtClean="0"/>
+          </a:p>
+          <a:p>
+            <a:pPr indent="0" algn="just"/>
+            <a:r>
+              <a:rPr lang="en-US" sz="3400" dirty="0" smtClean="0"/>
+              <a:t>The </a:t>
+            </a:r>
+            <a:r>
+              <a:rPr lang="en-US" sz="3400" dirty="0"/>
+              <a:t>pair LVar, figure 1b, allows for pairs of </a:t>
+            </a:r>
+            <a:r>
+              <a:rPr lang="en-US" sz="3400" dirty="0" smtClean="0"/>
+              <a:t>single assignment values</a:t>
+            </a:r>
+            <a:r>
+              <a:rPr lang="en-US" sz="3400" dirty="0"/>
+              <a:t>. This LVar only allows for one </a:t>
+            </a:r>
+            <a:r>
+              <a:rPr lang="en-US" sz="3400" dirty="0" smtClean="0"/>
+              <a:t>write to </a:t>
+            </a:r>
+            <a:r>
+              <a:rPr lang="en-US" sz="3400" dirty="0"/>
+              <a:t>each index. The order in which the program puts in the values isn’t </a:t>
+            </a:r>
+            <a:r>
+              <a:rPr lang="en-US" sz="3400" dirty="0" smtClean="0"/>
+              <a:t>important, allowing for </a:t>
+            </a:r>
+            <a:r>
+              <a:rPr lang="en-US" sz="3400" dirty="0"/>
+              <a:t>inputting both values in </a:t>
+            </a:r>
+            <a:r>
+              <a:rPr lang="en-US" sz="3400" dirty="0" smtClean="0"/>
+              <a:t>parallel while still maintaining determinism. </a:t>
+            </a:r>
+            <a:endParaRPr lang="en-US" sz="3400" dirty="0"/>
+          </a:p>
+        </p:txBody>
+      </p:sp>
+      <p:sp>
+        <p:nvSpPr>
+          <p:cNvPr id="99" name="Text Placeholder 386"/>
+          <p:cNvSpPr>
+            <a:spLocks noGrp="1"/>
+          </p:cNvSpPr>
+          <p:nvPr>
+            <p:ph type="body" sz="quarter" idx="24"/>
+          </p:nvPr>
+        </p:nvSpPr>
+        <p:spPr>
+          <a:xfrm>
+            <a:off x="15162215" y="13460684"/>
+            <a:ext cx="13579475" cy="754045"/>
+          </a:xfrm>
+          <a:noFill/>
+        </p:spPr>
+        <p:txBody>
+          <a:bodyPr>
+            <a:noAutofit/>
+          </a:bodyPr>
+          <a:lstStyle/>
+          <a:p>
+            <a:r>
+              <a:rPr lang="en-US" sz="6000" dirty="0" smtClean="0"/>
+              <a:t>State and Nondeterminism</a:t>
+            </a:r>
+            <a:endParaRPr lang="en-US" sz="6000" dirty="0"/>
+          </a:p>
+        </p:txBody>
+      </p:sp>
       <p:pic>
         <p:nvPicPr>
-          <p:cNvPr id="1027" name="Picture 3"/>
+          <p:cNvPr id="25" name="Picture 7" descr="http://www.sigmod2010.org/images/iu.JPG"/>
           <p:cNvPicPr>
             <a:picLocks noChangeAspect="1" noChangeArrowheads="1"/>
           </p:cNvPicPr>
@@ -19223,16 +19439,6 @@
         </p:nvPicPr>
         <p:blipFill>
           <a:blip r:embed="rId7">
-            <a:clrChange>
-              <a:clrFrom>
-                <a:srgbClr val="FFFFFF"/>
-              </a:clrFrom>
-              <a:clrTo>
-                <a:srgbClr val="FFFFFF">
-                  <a:alpha val="0"/>
-                </a:srgbClr>
-              </a:clrTo>
-            </a:clrChange>
             <a:extLst>
               <a:ext uri="{28A0092B-C50C-407E-A947-70E740481C1C}">
                 <a14:useLocalDpi xmlns:a14="http://schemas.microsoft.com/office/drawing/2010/main" val="0"/>
@@ -19246,181 +19452,27 @@
         </p:blipFill>
         <p:spPr bwMode="auto">
           <a:xfrm>
-            <a:off x="39652074" y="9068281"/>
-            <a:ext cx="2942074" cy="2870607"/>
+            <a:off x="27485518" y="502351"/>
+            <a:ext cx="15580975" cy="3895245"/>
           </a:xfrm>
           <a:prstGeom prst="rect">
             <a:avLst/>
           </a:prstGeom>
           <a:noFill/>
-          <a:ln>
-            <a:noFill/>
-          </a:ln>
           <a:extLst>
             <a:ext uri="{909E8E84-426E-40DD-AFC4-6F175D3DCCD1}">
               <a14:hiddenFill xmlns:a14="http://schemas.microsoft.com/office/drawing/2010/main">
                 <a:solidFill>
-                  <a:schemeClr val="accent1"/>
+                  <a:srgbClr val="FFFFFF"/>
                 </a:solidFill>
               </a14:hiddenFill>
             </a:ext>
-            <a:ext uri="{91240B29-F687-4F45-9708-019B960494DF}">
-              <a14:hiddenLine xmlns:a14="http://schemas.microsoft.com/office/drawing/2010/main" w="9525">
-                <a:solidFill>
-                  <a:schemeClr val="tx1"/>
-                </a:solidFill>
-                <a:miter lim="800000"/>
-                <a:headEnd/>
-                <a:tailEnd/>
-              </a14:hiddenLine>
-            </a:ext>
           </a:extLst>
         </p:spPr>
       </p:pic>
-      <p:sp>
-        <p:nvSpPr>
-          <p:cNvPr id="66" name="Text Placeholder 386"/>
-          <p:cNvSpPr>
-            <a:spLocks noGrp="1"/>
-          </p:cNvSpPr>
-          <p:nvPr>
-            <p:ph type="body" sz="quarter" idx="24"/>
-          </p:nvPr>
-        </p:nvSpPr>
-        <p:spPr>
-          <a:xfrm>
-            <a:off x="922338" y="22785999"/>
-            <a:ext cx="13579475" cy="754045"/>
-          </a:xfrm>
-          <a:solidFill>
-            <a:schemeClr val="tx2">
-              <a:lumMod val="60000"/>
-              <a:lumOff val="40000"/>
-            </a:schemeClr>
-          </a:solidFill>
-        </p:spPr>
-        <p:txBody>
-          <a:bodyPr>
-            <a:noAutofit/>
-          </a:bodyPr>
-          <a:lstStyle/>
-          <a:p>
-            <a:r>
-              <a:rPr lang="en-US" sz="4800" dirty="0" smtClean="0"/>
-              <a:t>Lattices &amp; LVars</a:t>
-            </a:r>
-            <a:endParaRPr lang="en-US" sz="4800" dirty="0"/>
-          </a:p>
-        </p:txBody>
-      </p:sp>
-      <p:sp>
-        <p:nvSpPr>
-          <p:cNvPr id="6" name="TextBox 5"/>
-          <p:cNvSpPr txBox="1"/>
-          <p:nvPr/>
-        </p:nvSpPr>
-        <p:spPr>
-          <a:xfrm>
-            <a:off x="26865848" y="26699408"/>
-            <a:ext cx="1019638" cy="400110"/>
-          </a:xfrm>
-          <a:prstGeom prst="rect">
-            <a:avLst/>
-          </a:prstGeom>
-          <a:noFill/>
-          <a:ln w="57150">
-            <a:solidFill>
-              <a:schemeClr val="tx1"/>
-            </a:solidFill>
-          </a:ln>
-        </p:spPr>
-        <p:txBody>
-          <a:bodyPr wrap="none" rtlCol="0">
-            <a:spAutoFit/>
-          </a:bodyPr>
-          <a:lstStyle/>
-          <a:p>
-            <a:r>
-              <a:rPr lang="en-US" sz="2000" dirty="0" smtClean="0"/>
-              <a:t>Figure 2</a:t>
-            </a:r>
-            <a:endParaRPr lang="en-US" sz="2000" dirty="0"/>
-          </a:p>
-        </p:txBody>
-      </p:sp>
-      <p:sp>
-        <p:nvSpPr>
-          <p:cNvPr id="84" name="Text Placeholder 386"/>
-          <p:cNvSpPr>
-            <a:spLocks noGrp="1"/>
-          </p:cNvSpPr>
-          <p:nvPr>
-            <p:ph type="body" sz="quarter" idx="24"/>
-          </p:nvPr>
-        </p:nvSpPr>
-        <p:spPr>
-          <a:xfrm>
-            <a:off x="15166474" y="5396930"/>
-            <a:ext cx="13579475" cy="915143"/>
-          </a:xfrm>
-          <a:solidFill>
-            <a:schemeClr val="tx2">
-              <a:lumMod val="60000"/>
-              <a:lumOff val="40000"/>
-            </a:schemeClr>
-          </a:solidFill>
-        </p:spPr>
-        <p:txBody>
-          <a:bodyPr>
-            <a:noAutofit/>
-          </a:bodyPr>
-          <a:lstStyle/>
-          <a:p>
-            <a:r>
-              <a:rPr lang="en-US" sz="4800" dirty="0"/>
-              <a:t>Lattices &amp; LVars</a:t>
-            </a:r>
-            <a:endParaRPr lang="en-US" sz="4800" dirty="0"/>
-          </a:p>
-        </p:txBody>
-      </p:sp>
-      <p:sp>
-        <p:nvSpPr>
-          <p:cNvPr id="85" name="Text Placeholder 385"/>
-          <p:cNvSpPr>
-            <a:spLocks noGrp="1"/>
-          </p:cNvSpPr>
-          <p:nvPr>
-            <p:ph type="body" sz="quarter" idx="23"/>
-          </p:nvPr>
-        </p:nvSpPr>
-        <p:spPr>
-          <a:xfrm>
-            <a:off x="15154277" y="28053702"/>
-            <a:ext cx="13571537" cy="3111800"/>
-          </a:xfrm>
-        </p:spPr>
-        <p:txBody>
-          <a:bodyPr>
-            <a:noAutofit/>
-          </a:bodyPr>
-          <a:lstStyle/>
-          <a:p>
-            <a:pPr algn="just"/>
-            <a:r>
-              <a:rPr lang="en-US" sz="3000" dirty="0" smtClean="0"/>
-              <a:t>Figure 2 shows two different parallel program flow charts. The one on the left will always be deterministic since </a:t>
-            </a:r>
-            <a:r>
-              <a:rPr lang="en-US" sz="3000" dirty="0" smtClean="0"/>
-              <a:t>it doesn’t have any put or get operations. The one on the right though will be nondeterministic since the put and get are evaluated in parallel. The put and get could evaluate simultaneously or in an arbitrary order depending on the system. This could cause nondeterminism. LVars address this problem by insuring the program behaves the same way regardless of the order of the put and get. </a:t>
-            </a:r>
-          </a:p>
-        </p:txBody>
-      </p:sp>
       <p:pic>
         <p:nvPicPr>
-          <p:cNvPr id="1029" name="Picture 5"/>
+          <p:cNvPr id="1034" name="Picture 10"/>
           <p:cNvPicPr>
             <a:picLocks noChangeAspect="1" noChangeArrowheads="1"/>
           </p:cNvPicPr>
@@ -19441,20 +19493,15 @@
         </p:blipFill>
         <p:spPr bwMode="auto">
           <a:xfrm>
-            <a:off x="1350165" y="23996880"/>
-            <a:ext cx="12715875" cy="6753225"/>
+            <a:off x="29730737" y="9906000"/>
+            <a:ext cx="9477561" cy="5094189"/>
           </a:xfrm>
           <a:prstGeom prst="rect">
             <a:avLst/>
           </a:prstGeom>
           <a:noFill/>
-          <a:ln w="9525">
-            <a:solidFill>
-              <a:schemeClr val="tx1"/>
-            </a:solidFill>
-            <a:miter lim="800000"/>
-            <a:headEnd/>
-            <a:tailEnd/>
+          <a:ln>
+            <a:noFill/>
           </a:ln>
           <a:extLst>
             <a:ext uri="{909E8E84-426E-40DD-AFC4-6F175D3DCCD1}">
@@ -19464,93 +19511,19 @@
                 </a:solidFill>
               </a14:hiddenFill>
             </a:ext>
+            <a:ext uri="{91240B29-F687-4F45-9708-019B960494DF}">
+              <a14:hiddenLine xmlns:a14="http://schemas.microsoft.com/office/drawing/2010/main" w="9525">
+                <a:solidFill>
+                  <a:schemeClr val="tx1"/>
+                </a:solidFill>
+                <a:miter lim="800000"/>
+                <a:headEnd/>
+                <a:tailEnd/>
+              </a14:hiddenLine>
+            </a:ext>
           </a:extLst>
         </p:spPr>
       </p:pic>
-      <p:sp>
-        <p:nvSpPr>
-          <p:cNvPr id="22" name="Text Placeholder 21"/>
-          <p:cNvSpPr>
-            <a:spLocks noGrp="1"/>
-          </p:cNvSpPr>
-          <p:nvPr>
-            <p:ph type="body" sz="quarter" idx="23"/>
-          </p:nvPr>
-        </p:nvSpPr>
-        <p:spPr>
-          <a:xfrm>
-            <a:off x="15162215" y="6295353"/>
-            <a:ext cx="13571534" cy="6647952"/>
-          </a:xfrm>
-        </p:spPr>
-        <p:txBody>
-          <a:bodyPr/>
-          <a:lstStyle/>
-          <a:p>
-            <a:pPr algn="just"/>
-            <a:r>
-              <a:rPr lang="en-US" sz="3000" dirty="0"/>
-              <a:t>The counter LVar, figure 1c, keeps track of the max value that has been entered. If the user were to put in values x and y into the LVar, it would keep track of max( x, y ). If the user were to then use the get function on any value that is less than or equal to max( x, y ), it would return that value. If they were to call get with a value greater than max( x, y), the call would block the program until the value you asked for is reached</a:t>
-            </a:r>
-            <a:r>
-              <a:rPr lang="en-US" sz="3000" dirty="0" smtClean="0"/>
-              <a:t>.</a:t>
-            </a:r>
-            <a:endParaRPr lang="en-US" sz="3000" dirty="0"/>
-          </a:p>
-          <a:p>
-            <a:pPr algn="just"/>
-            <a:endParaRPr lang="en-US" sz="3000" dirty="0" smtClean="0"/>
-          </a:p>
-          <a:p>
-            <a:pPr algn="just"/>
-            <a:r>
-              <a:rPr lang="en-US" sz="3000" dirty="0" smtClean="0"/>
-              <a:t>The </a:t>
-            </a:r>
-            <a:r>
-              <a:rPr lang="en-US" sz="3000" dirty="0"/>
-              <a:t>pair LVar, figure 1b, allows for pairs of values. This LVar only allows for one value in each index. The order in which the program puts in the values isn’t important. This LVar will also allow for inputting both values in parallel. Once it has both values assigned, if the program would attempt to put another value it, the LVar would reach top which would throw an error. Being able to implement this LVar is on way of solving our problem of keeping a parallel program deterministic</a:t>
-            </a:r>
-          </a:p>
-        </p:txBody>
-      </p:sp>
-      <p:sp>
-        <p:nvSpPr>
-          <p:cNvPr id="99" name="Text Placeholder 386"/>
-          <p:cNvSpPr>
-            <a:spLocks noGrp="1"/>
-          </p:cNvSpPr>
-          <p:nvPr>
-            <p:ph type="body" sz="quarter" idx="24"/>
-          </p:nvPr>
-        </p:nvSpPr>
-        <p:spPr>
-          <a:xfrm>
-            <a:off x="15162215" y="13460684"/>
-            <a:ext cx="13579475" cy="754045"/>
-          </a:xfrm>
-          <a:solidFill>
-            <a:schemeClr val="tx2">
-              <a:lumMod val="60000"/>
-              <a:lumOff val="40000"/>
-            </a:schemeClr>
-          </a:solidFill>
-        </p:spPr>
-        <p:txBody>
-          <a:bodyPr>
-            <a:noAutofit/>
-          </a:bodyPr>
-          <a:lstStyle/>
-          <a:p>
-            <a:r>
-              <a:rPr lang="en-US" sz="4800" dirty="0" smtClean="0"/>
-              <a:t>State &amp; Nondeterminism</a:t>
-            </a:r>
-            <a:endParaRPr lang="en-US" sz="4800" dirty="0"/>
-          </a:p>
-        </p:txBody>
-      </p:sp>
     </p:spTree>
     <p:extLst>
       <p:ext uri="{BB962C8B-B14F-4D97-AF65-F5344CB8AC3E}">

--- a/poster/Parallel Programming Poster.pptx
+++ b/poster/Parallel Programming Poster.pptx
@@ -17956,14 +17956,14 @@
             <p:ph type="pic" sz="quarter" idx="115"/>
             <p:extLst>
               <p:ext uri="{D42A27DB-BD31-4B8C-83A1-F6EECF244321}">
-                <p14:modId xmlns:p14="http://schemas.microsoft.com/office/powerpoint/2010/main" val="1817778534"/>
+                <p14:modId xmlns:p14="http://schemas.microsoft.com/office/powerpoint/2010/main" val="2036423419"/>
               </p:ext>
             </p:extLst>
           </p:nvPr>
         </p:nvGraphicFramePr>
         <p:xfrm>
-          <a:off x="16047050" y="15464606"/>
-          <a:ext cx="11866602" cy="2590800"/>
+          <a:off x="15550940" y="15464606"/>
+          <a:ext cx="12833288" cy="3078480"/>
         </p:xfrm>
         <a:graphic>
           <a:graphicData uri="http://schemas.openxmlformats.org/drawingml/2006/table">
@@ -17972,8 +17972,8 @@
                 <a:tableStyleId>{073A0DAA-6AF3-43AB-8588-CEC1D06C72B9}</a:tableStyleId>
               </a:tblPr>
               <a:tblGrid>
-                <a:gridCol w="5933301"/>
-                <a:gridCol w="5933301"/>
+                <a:gridCol w="6416644"/>
+                <a:gridCol w="6416644"/>
               </a:tblGrid>
               <a:tr h="370840">
                 <a:tc>
@@ -17999,72 +17999,72 @@
                         <a:defRPr/>
                       </a:pPr>
                       <a:r>
-                        <a:rPr lang="en-US" sz="2000" dirty="0" smtClean="0">
+                        <a:rPr lang="en-US" sz="2400" dirty="0" smtClean="0">
                           <a:latin typeface="Courier New" pitchFamily="49" charset="0"/>
                           <a:cs typeface="Courier New" pitchFamily="49" charset="0"/>
                         </a:rPr>
                         <a:t>let par a = ...</a:t>
                       </a:r>
                       <a:br>
-                        <a:rPr lang="en-US" sz="2000" dirty="0" smtClean="0">
+                        <a:rPr lang="en-US" sz="2400" dirty="0" smtClean="0">
                           <a:latin typeface="Courier New" pitchFamily="49" charset="0"/>
                           <a:cs typeface="Courier New" pitchFamily="49" charset="0"/>
                         </a:rPr>
                       </a:br>
                       <a:r>
-                        <a:rPr lang="en-US" sz="2000" dirty="0" smtClean="0">
+                        <a:rPr lang="en-US" sz="2400" dirty="0" smtClean="0">
                           <a:latin typeface="Courier New" pitchFamily="49" charset="0"/>
                           <a:cs typeface="Courier New" pitchFamily="49" charset="0"/>
                         </a:rPr>
                         <a:t>            let par x = ...</a:t>
                       </a:r>
                       <a:br>
-                        <a:rPr lang="en-US" sz="2000" dirty="0" smtClean="0">
+                        <a:rPr lang="en-US" sz="2400" dirty="0" smtClean="0">
                           <a:latin typeface="Courier New" pitchFamily="49" charset="0"/>
                           <a:cs typeface="Courier New" pitchFamily="49" charset="0"/>
                         </a:rPr>
                       </a:br>
                       <a:r>
-                        <a:rPr lang="en-US" sz="2000" dirty="0" smtClean="0">
+                        <a:rPr lang="en-US" sz="2400" dirty="0" smtClean="0">
                           <a:latin typeface="Courier New" pitchFamily="49" charset="0"/>
                           <a:cs typeface="Courier New" pitchFamily="49" charset="0"/>
                         </a:rPr>
                         <a:t>                    y = ...</a:t>
                       </a:r>
                       <a:br>
-                        <a:rPr lang="en-US" sz="2000" dirty="0" smtClean="0">
+                        <a:rPr lang="en-US" sz="2400" dirty="0" smtClean="0">
                           <a:latin typeface="Courier New" pitchFamily="49" charset="0"/>
                           <a:cs typeface="Courier New" pitchFamily="49" charset="0"/>
                         </a:rPr>
                       </a:br>
                       <a:r>
-                        <a:rPr lang="en-US" sz="2000" dirty="0" smtClean="0">
+                        <a:rPr lang="en-US" sz="2400" dirty="0" smtClean="0">
                           <a:latin typeface="Courier New" pitchFamily="49" charset="0"/>
                           <a:cs typeface="Courier New" pitchFamily="49" charset="0"/>
                         </a:rPr>
                         <a:t>             in ...</a:t>
                       </a:r>
                       <a:br>
-                        <a:rPr lang="en-US" sz="2000" dirty="0" smtClean="0">
+                        <a:rPr lang="en-US" sz="2400" dirty="0" smtClean="0">
                           <a:latin typeface="Courier New" pitchFamily="49" charset="0"/>
                           <a:cs typeface="Courier New" pitchFamily="49" charset="0"/>
                         </a:rPr>
                       </a:br>
                       <a:r>
-                        <a:rPr lang="en-US" sz="2000" dirty="0" smtClean="0">
+                        <a:rPr lang="en-US" sz="2400" dirty="0" smtClean="0">
                           <a:latin typeface="Courier New" pitchFamily="49" charset="0"/>
                           <a:cs typeface="Courier New" pitchFamily="49" charset="0"/>
                         </a:rPr>
                         <a:t>        b = ...</a:t>
                       </a:r>
                       <a:br>
-                        <a:rPr lang="en-US" sz="2000" dirty="0" smtClean="0">
+                        <a:rPr lang="en-US" sz="2400" dirty="0" smtClean="0">
                           <a:latin typeface="Courier New" pitchFamily="49" charset="0"/>
                           <a:cs typeface="Courier New" pitchFamily="49" charset="0"/>
                         </a:rPr>
                       </a:br>
                       <a:r>
-                        <a:rPr lang="en-US" sz="2000" dirty="0" smtClean="0">
+                        <a:rPr lang="en-US" sz="2400" dirty="0" smtClean="0">
                           <a:latin typeface="Courier New" pitchFamily="49" charset="0"/>
                           <a:cs typeface="Courier New" pitchFamily="49" charset="0"/>
                         </a:rPr>
@@ -18072,7 +18072,7 @@
                       </a:r>
                     </a:p>
                     <a:p>
-                      <a:endParaRPr lang="en-US" sz="2400" dirty="0">
+                      <a:endParaRPr lang="en-US" sz="2800" dirty="0">
                         <a:solidFill>
                           <a:schemeClr val="tx1"/>
                         </a:solidFill>
@@ -18108,100 +18108,100 @@
                         <a:defRPr/>
                       </a:pPr>
                       <a:r>
-                        <a:rPr lang="en-US" sz="2000" dirty="0" smtClean="0">
+                        <a:rPr lang="en-US" sz="2400" dirty="0" smtClean="0">
                           <a:latin typeface="Courier New" pitchFamily="49" charset="0"/>
                           <a:cs typeface="Courier New" pitchFamily="49" charset="0"/>
                         </a:rPr>
                         <a:t>let par a = ...</a:t>
                       </a:r>
                       <a:br>
-                        <a:rPr lang="en-US" sz="2000" dirty="0" smtClean="0">
+                        <a:rPr lang="en-US" sz="2400" dirty="0" smtClean="0">
                           <a:latin typeface="Courier New" pitchFamily="49" charset="0"/>
                           <a:cs typeface="Courier New" pitchFamily="49" charset="0"/>
                         </a:rPr>
                       </a:br>
                       <a:r>
-                        <a:rPr lang="en-US" sz="2000" dirty="0" smtClean="0">
+                        <a:rPr lang="en-US" sz="2400" dirty="0" smtClean="0">
                           <a:latin typeface="Courier New" pitchFamily="49" charset="0"/>
                           <a:cs typeface="Courier New" pitchFamily="49" charset="0"/>
                         </a:rPr>
                         <a:t>            let par x = ... </a:t>
                       </a:r>
                       <a:r>
-                        <a:rPr lang="en-US" sz="2000" b="1" dirty="0" smtClean="0">
+                        <a:rPr lang="en-US" sz="2400" b="1" dirty="0" smtClean="0">
                           <a:latin typeface="Courier New" pitchFamily="49" charset="0"/>
                           <a:cs typeface="Courier New" pitchFamily="49" charset="0"/>
                         </a:rPr>
                         <a:t>Put(l) </a:t>
                       </a:r>
                       <a:r>
-                        <a:rPr lang="en-US" sz="2000" dirty="0" smtClean="0">
+                        <a:rPr lang="en-US" sz="2400" dirty="0" smtClean="0">
                           <a:latin typeface="Courier New" pitchFamily="49" charset="0"/>
                           <a:cs typeface="Courier New" pitchFamily="49" charset="0"/>
                         </a:rPr>
                         <a:t>...</a:t>
                       </a:r>
                       <a:br>
-                        <a:rPr lang="en-US" sz="2000" dirty="0" smtClean="0">
+                        <a:rPr lang="en-US" sz="2400" dirty="0" smtClean="0">
                           <a:latin typeface="Courier New" pitchFamily="49" charset="0"/>
                           <a:cs typeface="Courier New" pitchFamily="49" charset="0"/>
                         </a:rPr>
                       </a:br>
                       <a:r>
-                        <a:rPr lang="en-US" sz="2000" dirty="0" smtClean="0">
+                        <a:rPr lang="en-US" sz="2400" dirty="0" smtClean="0">
                           <a:latin typeface="Courier New" pitchFamily="49" charset="0"/>
                           <a:cs typeface="Courier New" pitchFamily="49" charset="0"/>
                         </a:rPr>
                         <a:t>                    y = ...</a:t>
                       </a:r>
                       <a:br>
-                        <a:rPr lang="en-US" sz="2000" dirty="0" smtClean="0">
+                        <a:rPr lang="en-US" sz="2400" dirty="0" smtClean="0">
                           <a:latin typeface="Courier New" pitchFamily="49" charset="0"/>
                           <a:cs typeface="Courier New" pitchFamily="49" charset="0"/>
                         </a:rPr>
                       </a:br>
                       <a:r>
-                        <a:rPr lang="en-US" sz="2000" dirty="0" smtClean="0">
+                        <a:rPr lang="en-US" sz="2400" dirty="0" smtClean="0">
                           <a:latin typeface="Courier New" pitchFamily="49" charset="0"/>
                           <a:cs typeface="Courier New" pitchFamily="49" charset="0"/>
                         </a:rPr>
                         <a:t>             in ...</a:t>
                       </a:r>
                       <a:br>
-                        <a:rPr lang="en-US" sz="2000" dirty="0" smtClean="0">
+                        <a:rPr lang="en-US" sz="2400" dirty="0" smtClean="0">
                           <a:latin typeface="Courier New" pitchFamily="49" charset="0"/>
                           <a:cs typeface="Courier New" pitchFamily="49" charset="0"/>
                         </a:rPr>
                       </a:br>
                       <a:r>
-                        <a:rPr lang="en-US" sz="2000" dirty="0" smtClean="0">
+                        <a:rPr lang="en-US" sz="2400" dirty="0" smtClean="0">
                           <a:latin typeface="Courier New" pitchFamily="49" charset="0"/>
                           <a:cs typeface="Courier New" pitchFamily="49" charset="0"/>
                         </a:rPr>
                         <a:t>        b = ... </a:t>
                       </a:r>
                       <a:r>
-                        <a:rPr lang="en-US" sz="2000" b="1" dirty="0" smtClean="0">
+                        <a:rPr lang="en-US" sz="2400" b="1" dirty="0" smtClean="0">
                           <a:latin typeface="Courier New" pitchFamily="49" charset="0"/>
                           <a:cs typeface="Courier New" pitchFamily="49" charset="0"/>
                         </a:rPr>
                         <a:t>Get(l) </a:t>
                       </a:r>
                       <a:r>
-                        <a:rPr lang="en-US" sz="2000" dirty="0" smtClean="0">
+                        <a:rPr lang="en-US" sz="2400" dirty="0" smtClean="0">
                           <a:latin typeface="Courier New" pitchFamily="49" charset="0"/>
                           <a:cs typeface="Courier New" pitchFamily="49" charset="0"/>
                         </a:rPr>
                         <a:t>...</a:t>
                       </a:r>
                       <a:br>
-                        <a:rPr lang="en-US" sz="2000" dirty="0" smtClean="0">
+                        <a:rPr lang="en-US" sz="2400" dirty="0" smtClean="0">
                           <a:latin typeface="Courier New" pitchFamily="49" charset="0"/>
                           <a:cs typeface="Courier New" pitchFamily="49" charset="0"/>
                         </a:rPr>
                       </a:br>
                       <a:r>
-                        <a:rPr lang="en-US" sz="2000" dirty="0" smtClean="0">
+                        <a:rPr lang="en-US" sz="2400" dirty="0" smtClean="0">
                           <a:latin typeface="Courier New" pitchFamily="49" charset="0"/>
                           <a:cs typeface="Courier New" pitchFamily="49" charset="0"/>
                         </a:rPr>
@@ -18209,7 +18209,7 @@
                       </a:r>
                     </a:p>
                     <a:p>
-                      <a:endParaRPr lang="en-US" sz="2400" dirty="0">
+                      <a:endParaRPr lang="en-US" sz="2800" dirty="0">
                         <a:latin typeface="Times New Roman" pitchFamily="18" charset="0"/>
                         <a:cs typeface="Times New Roman" pitchFamily="18" charset="0"/>
                       </a:endParaRPr>
@@ -18643,7 +18643,7 @@
         </p:blipFill>
         <p:spPr bwMode="auto">
           <a:xfrm>
-            <a:off x="15740127" y="16760006"/>
+            <a:off x="15740127" y="17895122"/>
             <a:ext cx="12173525" cy="9317322"/>
           </a:xfrm>
           <a:prstGeom prst="rect">
@@ -18786,7 +18786,23 @@
                   <a:srgbClr val="002060"/>
                 </a:solidFill>
               </a:rPr>
-              <a:t>Future work on lambdaLVar: </a:t>
+              <a:t>Future work on </a:t>
+            </a:r>
+            <a:r>
+              <a:rPr lang="en-US" sz="3400" dirty="0" smtClean="0">
+                <a:solidFill>
+                  <a:srgbClr val="002060"/>
+                </a:solidFill>
+              </a:rPr>
+              <a:t>lambdaLVar will include:</a:t>
+            </a:r>
+            <a:r>
+              <a:rPr lang="en-US" sz="3400" dirty="0">
+                <a:solidFill>
+                  <a:srgbClr val="002060"/>
+                </a:solidFill>
+              </a:rPr>
+              <a:t> </a:t>
             </a:r>
           </a:p>
           <a:p>
@@ -18903,8 +18919,21 @@
                   <a:srgbClr val="002060"/>
                 </a:solidFill>
               </a:rPr>
-              <a:t>Future work on LVars in general:</a:t>
-            </a:r>
+              <a:t>Future work on LVars in </a:t>
+            </a:r>
+            <a:r>
+              <a:rPr lang="en-US" sz="3400" dirty="0" smtClean="0">
+                <a:solidFill>
+                  <a:srgbClr val="002060"/>
+                </a:solidFill>
+              </a:rPr>
+              <a:t>general will include:</a:t>
+            </a:r>
+            <a:endParaRPr lang="en-US" sz="3400" dirty="0">
+              <a:solidFill>
+                <a:srgbClr val="002060"/>
+              </a:solidFill>
+            </a:endParaRPr>
           </a:p>
           <a:p>
             <a:pPr lvl="1" algn="just"/>
@@ -19119,44 +19148,13 @@
       </p:pic>
       <p:sp>
         <p:nvSpPr>
-          <p:cNvPr id="66" name="Text Placeholder 386"/>
-          <p:cNvSpPr>
-            <a:spLocks noGrp="1"/>
-          </p:cNvSpPr>
-          <p:nvPr>
-            <p:ph type="body" sz="quarter" idx="24"/>
-          </p:nvPr>
-        </p:nvSpPr>
-        <p:spPr>
-          <a:xfrm>
-            <a:off x="922338" y="22785999"/>
-            <a:ext cx="13579475" cy="754045"/>
-          </a:xfrm>
-          <a:noFill/>
-        </p:spPr>
-        <p:txBody>
-          <a:bodyPr>
-            <a:noAutofit/>
-          </a:bodyPr>
-          <a:lstStyle/>
-          <a:p>
-            <a:r>
-              <a:rPr lang="en-US" sz="6000" dirty="0" smtClean="0"/>
-              <a:t>Lattices and LVars</a:t>
-            </a:r>
-            <a:endParaRPr lang="en-US" sz="6000" dirty="0"/>
-          </a:p>
-        </p:txBody>
-      </p:sp>
-      <p:sp>
-        <p:nvSpPr>
           <p:cNvPr id="6" name="TextBox 5"/>
           <p:cNvSpPr txBox="1"/>
           <p:nvPr/>
         </p:nvSpPr>
         <p:spPr>
           <a:xfrm>
-            <a:off x="26865848" y="26699408"/>
+            <a:off x="27212689" y="26951656"/>
             <a:ext cx="1019638" cy="400110"/>
           </a:xfrm>
           <a:prstGeom prst="rect">
@@ -19279,7 +19277,7 @@
         </p:blipFill>
         <p:spPr bwMode="auto">
           <a:xfrm>
-            <a:off x="1350165" y="23996880"/>
+            <a:off x="1350165" y="23460853"/>
             <a:ext cx="12715875" cy="6753225"/>
           </a:xfrm>
           <a:prstGeom prst="rect">
@@ -19336,7 +19334,15 @@
             </a:r>
             <a:r>
               <a:rPr lang="en-US" sz="3400" dirty="0"/>
-              <a:t>max( x, y ), it would return that value. If they were to call get with a value greater than max( x, y), the call would block the program until the value </a:t>
+              <a:t>max( x, y ), it would return that value. If they were to call get with a value greater than max( x, </a:t>
+            </a:r>
+            <a:r>
+              <a:rPr lang="en-US" sz="3400" dirty="0" smtClean="0"/>
+              <a:t>y ), </a:t>
+            </a:r>
+            <a:r>
+              <a:rPr lang="en-US" sz="3400" dirty="0"/>
+              <a:t>the call would block the program until the value </a:t>
             </a:r>
             <a:r>
               <a:rPr lang="en-US" sz="3400" dirty="0" smtClean="0"/>
@@ -19368,7 +19374,7 @@
             </a:r>
             <a:r>
               <a:rPr lang="en-US" sz="3400" dirty="0" smtClean="0"/>
-              <a:t>single assignment values</a:t>
+              <a:t>single-assignment values</a:t>
             </a:r>
             <a:r>
               <a:rPr lang="en-US" sz="3400" dirty="0"/>
@@ -19384,11 +19390,11 @@
             </a:r>
             <a:r>
               <a:rPr lang="en-US" sz="3400" dirty="0" smtClean="0"/>
-              <a:t>important, allowing for </a:t>
+              <a:t>important, allowing for writing both </a:t>
             </a:r>
             <a:r>
               <a:rPr lang="en-US" sz="3400" dirty="0"/>
-              <a:t>inputting both values in </a:t>
+              <a:t>values in </a:t>
             </a:r>
             <a:r>
               <a:rPr lang="en-US" sz="3400" dirty="0" smtClean="0"/>
@@ -19524,6 +19530,25 @@
           </a:extLst>
         </p:spPr>
       </p:pic>
+      <p:sp>
+        <p:nvSpPr>
+          <p:cNvPr id="26" name="Text Placeholder 25"/>
+          <p:cNvSpPr>
+            <a:spLocks noGrp="1"/>
+          </p:cNvSpPr>
+          <p:nvPr>
+            <p:ph type="body" sz="quarter" idx="24"/>
+          </p:nvPr>
+        </p:nvSpPr>
+        <p:spPr/>
+        <p:txBody>
+          <a:bodyPr/>
+          <a:lstStyle/>
+          <a:p>
+            <a:endParaRPr lang="en-US"/>
+          </a:p>
+        </p:txBody>
+      </p:sp>
     </p:spTree>
     <p:extLst>
       <p:ext uri="{BB962C8B-B14F-4D97-AF65-F5344CB8AC3E}">
